--- a/doc/Qupls2026.pptx
+++ b/doc/Qupls2026.pptx
@@ -120,7 +120,7 @@
 <file path=ppt/revisionInfo.xml><?xml version="1.0" encoding="utf-8"?>
 <p1510:revInfo xmlns:a="http://schemas.openxmlformats.org/drawingml/2006/main" xmlns:r="http://schemas.openxmlformats.org/officeDocument/2006/relationships" xmlns:p1510="http://schemas.microsoft.com/office/powerpoint/2015/10/main">
   <p1510:revLst>
-    <p1510:client id="{98D71E6C-3DAB-47EA-86FD-1D8E1661B80E}" v="6" dt="2025-11-08T01:38:28.558"/>
+    <p1510:client id="{98D71E6C-3DAB-47EA-86FD-1D8E1661B80E}" v="33" dt="2025-11-09T01:55:59.760"/>
   </p1510:revLst>
 </p1510:revInfo>
 </file>
@@ -130,12 +130,12 @@
   <pc:docChgLst>
     <pc:chgData name="Robert Finch" userId="360118edfabb5ba6" providerId="LiveId" clId="{940D50E2-FEDC-434C-83CF-A13052851249}"/>
     <pc:docChg chg="custSel modSld">
-      <pc:chgData name="Robert Finch" userId="360118edfabb5ba6" providerId="LiveId" clId="{940D50E2-FEDC-434C-83CF-A13052851249}" dt="2025-11-08T01:43:03.758" v="138" actId="167"/>
+      <pc:chgData name="Robert Finch" userId="360118edfabb5ba6" providerId="LiveId" clId="{940D50E2-FEDC-434C-83CF-A13052851249}" dt="2025-11-09T01:56:09.126" v="459" actId="1076"/>
       <pc:docMkLst>
         <pc:docMk/>
       </pc:docMkLst>
       <pc:sldChg chg="addSp modSp mod">
-        <pc:chgData name="Robert Finch" userId="360118edfabb5ba6" providerId="LiveId" clId="{940D50E2-FEDC-434C-83CF-A13052851249}" dt="2025-11-08T01:43:03.758" v="138" actId="167"/>
+        <pc:chgData name="Robert Finch" userId="360118edfabb5ba6" providerId="LiveId" clId="{940D50E2-FEDC-434C-83CF-A13052851249}" dt="2025-11-09T01:43:30.327" v="441" actId="20577"/>
         <pc:sldMkLst>
           <pc:docMk/>
           <pc:sldMk cId="3493996368" sldId="256"/>
@@ -173,11 +173,43 @@
           </ac:spMkLst>
         </pc:spChg>
         <pc:spChg chg="mod">
+          <ac:chgData name="Robert Finch" userId="360118edfabb5ba6" providerId="LiveId" clId="{940D50E2-FEDC-434C-83CF-A13052851249}" dt="2025-11-09T01:42:49.673" v="439" actId="20577"/>
+          <ac:spMkLst>
+            <pc:docMk/>
+            <pc:sldMk cId="3493996368" sldId="256"/>
+            <ac:spMk id="33" creationId="{11B75455-1537-CCE7-A134-6BACBDF6AB81}"/>
+          </ac:spMkLst>
+        </pc:spChg>
+        <pc:spChg chg="mod">
+          <ac:chgData name="Robert Finch" userId="360118edfabb5ba6" providerId="LiveId" clId="{940D50E2-FEDC-434C-83CF-A13052851249}" dt="2025-11-09T01:42:45.506" v="437" actId="20577"/>
+          <ac:spMkLst>
+            <pc:docMk/>
+            <pc:sldMk cId="3493996368" sldId="256"/>
+            <ac:spMk id="46" creationId="{25D4805F-00C2-A8C7-4B1F-08EC0AC68B4E}"/>
+          </ac:spMkLst>
+        </pc:spChg>
+        <pc:spChg chg="mod">
           <ac:chgData name="Robert Finch" userId="360118edfabb5ba6" providerId="LiveId" clId="{940D50E2-FEDC-434C-83CF-A13052851249}" dt="2025-11-08T01:38:48.685" v="134" actId="14100"/>
           <ac:spMkLst>
             <pc:docMk/>
             <pc:sldMk cId="3493996368" sldId="256"/>
             <ac:spMk id="67" creationId="{DAF83E3C-C7F5-1498-7118-082DC5426720}"/>
+          </ac:spMkLst>
+        </pc:spChg>
+        <pc:spChg chg="mod">
+          <ac:chgData name="Robert Finch" userId="360118edfabb5ba6" providerId="LiveId" clId="{940D50E2-FEDC-434C-83CF-A13052851249}" dt="2025-11-09T01:43:30.327" v="441" actId="20577"/>
+          <ac:spMkLst>
+            <pc:docMk/>
+            <pc:sldMk cId="3493996368" sldId="256"/>
+            <ac:spMk id="72" creationId="{089DFE8E-A4B4-4D09-D92F-B051C93C312D}"/>
+          </ac:spMkLst>
+        </pc:spChg>
+        <pc:spChg chg="mod">
+          <ac:chgData name="Robert Finch" userId="360118edfabb5ba6" providerId="LiveId" clId="{940D50E2-FEDC-434C-83CF-A13052851249}" dt="2025-11-09T01:43:28.188" v="440" actId="20577"/>
+          <ac:spMkLst>
+            <pc:docMk/>
+            <pc:sldMk cId="3493996368" sldId="256"/>
+            <ac:spMk id="74" creationId="{4B9836E3-4F30-B303-77D3-E7C70ED48919}"/>
           </ac:spMkLst>
         </pc:spChg>
         <pc:spChg chg="mod">
@@ -189,8 +221,8 @@
           </ac:spMkLst>
         </pc:spChg>
       </pc:sldChg>
-      <pc:sldChg chg="modSp mod">
-        <pc:chgData name="Robert Finch" userId="360118edfabb5ba6" providerId="LiveId" clId="{940D50E2-FEDC-434C-83CF-A13052851249}" dt="2025-11-08T01:29:30.020" v="76" actId="20577"/>
+      <pc:sldChg chg="addSp delSp modSp mod">
+        <pc:chgData name="Robert Finch" userId="360118edfabb5ba6" providerId="LiveId" clId="{940D50E2-FEDC-434C-83CF-A13052851249}" dt="2025-11-09T01:36:03.522" v="338" actId="20577"/>
         <pc:sldMkLst>
           <pc:docMk/>
           <pc:sldMk cId="2594290601" sldId="257"/>
@@ -203,9 +235,273 @@
             <ac:spMk id="2" creationId="{922B9395-D48D-D2C9-3B68-4D26BC937E22}"/>
           </ac:spMkLst>
         </pc:spChg>
+        <pc:spChg chg="add mod">
+          <ac:chgData name="Robert Finch" userId="360118edfabb5ba6" providerId="LiveId" clId="{940D50E2-FEDC-434C-83CF-A13052851249}" dt="2025-11-09T01:31:16.271" v="270" actId="1076"/>
+          <ac:spMkLst>
+            <pc:docMk/>
+            <pc:sldMk cId="2594290601" sldId="257"/>
+            <ac:spMk id="3" creationId="{1C99CBB6-2A2D-F548-B0CB-76D152B61BEF}"/>
+          </ac:spMkLst>
+        </pc:spChg>
+        <pc:spChg chg="mod">
+          <ac:chgData name="Robert Finch" userId="360118edfabb5ba6" providerId="LiveId" clId="{940D50E2-FEDC-434C-83CF-A13052851249}" dt="2025-11-09T01:35:24.281" v="332" actId="1076"/>
+          <ac:spMkLst>
+            <pc:docMk/>
+            <pc:sldMk cId="2594290601" sldId="257"/>
+            <ac:spMk id="4" creationId="{A1521FF0-16AA-8A4C-5185-A6BE8CA2AF64}"/>
+          </ac:spMkLst>
+        </pc:spChg>
+        <pc:spChg chg="mod">
+          <ac:chgData name="Robert Finch" userId="360118edfabb5ba6" providerId="LiveId" clId="{940D50E2-FEDC-434C-83CF-A13052851249}" dt="2025-11-09T01:35:28.520" v="333" actId="1076"/>
+          <ac:spMkLst>
+            <pc:docMk/>
+            <pc:sldMk cId="2594290601" sldId="257"/>
+            <ac:spMk id="5" creationId="{0CAB3B1D-1078-99ED-30C9-DFBCF4E3CC21}"/>
+          </ac:spMkLst>
+        </pc:spChg>
+        <pc:spChg chg="mod">
+          <ac:chgData name="Robert Finch" userId="360118edfabb5ba6" providerId="LiveId" clId="{940D50E2-FEDC-434C-83CF-A13052851249}" dt="2025-11-09T01:35:00.714" v="329" actId="20577"/>
+          <ac:spMkLst>
+            <pc:docMk/>
+            <pc:sldMk cId="2594290601" sldId="257"/>
+            <ac:spMk id="6" creationId="{162AFF2E-C847-9432-5A43-1B06D005C39B}"/>
+          </ac:spMkLst>
+        </pc:spChg>
+        <pc:spChg chg="mod">
+          <ac:chgData name="Robert Finch" userId="360118edfabb5ba6" providerId="LiveId" clId="{940D50E2-FEDC-434C-83CF-A13052851249}" dt="2025-11-09T01:34:52.265" v="327" actId="20577"/>
+          <ac:spMkLst>
+            <pc:docMk/>
+            <pc:sldMk cId="2594290601" sldId="257"/>
+            <ac:spMk id="7" creationId="{AE46EF95-477A-2994-C3AB-36A8ABE4781F}"/>
+          </ac:spMkLst>
+        </pc:spChg>
+        <pc:spChg chg="add mod">
+          <ac:chgData name="Robert Finch" userId="360118edfabb5ba6" providerId="LiveId" clId="{940D50E2-FEDC-434C-83CF-A13052851249}" dt="2025-11-09T01:31:13.408" v="269" actId="1076"/>
+          <ac:spMkLst>
+            <pc:docMk/>
+            <pc:sldMk cId="2594290601" sldId="257"/>
+            <ac:spMk id="8" creationId="{32E55B2F-F886-D360-2A28-E02105DB82B2}"/>
+          </ac:spMkLst>
+        </pc:spChg>
+        <pc:spChg chg="add mod">
+          <ac:chgData name="Robert Finch" userId="360118edfabb5ba6" providerId="LiveId" clId="{940D50E2-FEDC-434C-83CF-A13052851249}" dt="2025-11-09T01:31:24.347" v="272" actId="1076"/>
+          <ac:spMkLst>
+            <pc:docMk/>
+            <pc:sldMk cId="2594290601" sldId="257"/>
+            <ac:spMk id="9" creationId="{78A1C8BD-019C-4B6E-8163-4823757689DC}"/>
+          </ac:spMkLst>
+        </pc:spChg>
+        <pc:spChg chg="add mod">
+          <ac:chgData name="Robert Finch" userId="360118edfabb5ba6" providerId="LiveId" clId="{940D50E2-FEDC-434C-83CF-A13052851249}" dt="2025-11-09T01:33:21.155" v="301" actId="14100"/>
+          <ac:spMkLst>
+            <pc:docMk/>
+            <pc:sldMk cId="2594290601" sldId="257"/>
+            <ac:spMk id="10" creationId="{1F050BB8-A8B0-47DA-0E4A-93241DDB41A3}"/>
+          </ac:spMkLst>
+        </pc:spChg>
+        <pc:spChg chg="add mod">
+          <ac:chgData name="Robert Finch" userId="360118edfabb5ba6" providerId="LiveId" clId="{940D50E2-FEDC-434C-83CF-A13052851249}" dt="2025-11-09T01:32:58.903" v="299" actId="1076"/>
+          <ac:spMkLst>
+            <pc:docMk/>
+            <pc:sldMk cId="2594290601" sldId="257"/>
+            <ac:spMk id="11" creationId="{20C3770E-ABEF-F503-A83E-CBC0A0303ECF}"/>
+          </ac:spMkLst>
+        </pc:spChg>
+        <pc:spChg chg="add mod">
+          <ac:chgData name="Robert Finch" userId="360118edfabb5ba6" providerId="LiveId" clId="{940D50E2-FEDC-434C-83CF-A13052851249}" dt="2025-11-09T01:32:58.903" v="299" actId="1076"/>
+          <ac:spMkLst>
+            <pc:docMk/>
+            <pc:sldMk cId="2594290601" sldId="257"/>
+            <ac:spMk id="12" creationId="{63B77903-73CA-688E-465F-8526A3547042}"/>
+          </ac:spMkLst>
+        </pc:spChg>
+        <pc:spChg chg="add mod">
+          <ac:chgData name="Robert Finch" userId="360118edfabb5ba6" providerId="LiveId" clId="{940D50E2-FEDC-434C-83CF-A13052851249}" dt="2025-11-09T01:33:56.155" v="308" actId="1076"/>
+          <ac:spMkLst>
+            <pc:docMk/>
+            <pc:sldMk cId="2594290601" sldId="257"/>
+            <ac:spMk id="13" creationId="{3A74FD05-F8BC-B23B-4D15-A392433EF47C}"/>
+          </ac:spMkLst>
+        </pc:spChg>
+        <pc:spChg chg="add mod">
+          <ac:chgData name="Robert Finch" userId="360118edfabb5ba6" providerId="LiveId" clId="{940D50E2-FEDC-434C-83CF-A13052851249}" dt="2025-11-09T01:34:03.048" v="310" actId="1076"/>
+          <ac:spMkLst>
+            <pc:docMk/>
+            <pc:sldMk cId="2594290601" sldId="257"/>
+            <ac:spMk id="15" creationId="{D4B7D24E-7521-1BB3-73FE-FF986C506178}"/>
+          </ac:spMkLst>
+        </pc:spChg>
+        <pc:spChg chg="mod">
+          <ac:chgData name="Robert Finch" userId="360118edfabb5ba6" providerId="LiveId" clId="{940D50E2-FEDC-434C-83CF-A13052851249}" dt="2025-11-09T01:35:37.451" v="334" actId="1076"/>
+          <ac:spMkLst>
+            <pc:docMk/>
+            <pc:sldMk cId="2594290601" sldId="257"/>
+            <ac:spMk id="16" creationId="{8E2CCC9A-50A2-4505-C9BD-E02C96FA3D21}"/>
+          </ac:spMkLst>
+        </pc:spChg>
+        <pc:spChg chg="del">
+          <ac:chgData name="Robert Finch" userId="360118edfabb5ba6" providerId="LiveId" clId="{940D50E2-FEDC-434C-83CF-A13052851249}" dt="2025-11-09T01:17:00.080" v="171" actId="478"/>
+          <ac:spMkLst>
+            <pc:docMk/>
+            <pc:sldMk cId="2594290601" sldId="257"/>
+            <ac:spMk id="17" creationId="{BA2717B6-72F9-D836-83DF-A0DADD9534C2}"/>
+          </ac:spMkLst>
+        </pc:spChg>
+        <pc:spChg chg="mod">
+          <ac:chgData name="Robert Finch" userId="360118edfabb5ba6" providerId="LiveId" clId="{940D50E2-FEDC-434C-83CF-A13052851249}" dt="2025-11-09T01:34:17.528" v="315" actId="1076"/>
+          <ac:spMkLst>
+            <pc:docMk/>
+            <pc:sldMk cId="2594290601" sldId="257"/>
+            <ac:spMk id="18" creationId="{F8B25F58-38F6-83C5-4F48-A2B549834C2D}"/>
+          </ac:spMkLst>
+        </pc:spChg>
+        <pc:spChg chg="mod">
+          <ac:chgData name="Robert Finch" userId="360118edfabb5ba6" providerId="LiveId" clId="{940D50E2-FEDC-434C-83CF-A13052851249}" dt="2025-11-09T01:34:27.005" v="318" actId="1076"/>
+          <ac:spMkLst>
+            <pc:docMk/>
+            <pc:sldMk cId="2594290601" sldId="257"/>
+            <ac:spMk id="19" creationId="{B37A4C80-2BCC-3C11-C923-3C4DAB8C4306}"/>
+          </ac:spMkLst>
+        </pc:spChg>
+        <pc:spChg chg="mod">
+          <ac:chgData name="Robert Finch" userId="360118edfabb5ba6" providerId="LiveId" clId="{940D50E2-FEDC-434C-83CF-A13052851249}" dt="2025-11-09T01:34:35.633" v="321" actId="1076"/>
+          <ac:spMkLst>
+            <pc:docMk/>
+            <pc:sldMk cId="2594290601" sldId="257"/>
+            <ac:spMk id="20" creationId="{1021077F-E5D9-F73E-DB1C-EEC6A67D0F78}"/>
+          </ac:spMkLst>
+        </pc:spChg>
+        <pc:spChg chg="add mod">
+          <ac:chgData name="Robert Finch" userId="360118edfabb5ba6" providerId="LiveId" clId="{940D50E2-FEDC-434C-83CF-A13052851249}" dt="2025-11-09T01:34:11.180" v="313" actId="1076"/>
+          <ac:spMkLst>
+            <pc:docMk/>
+            <pc:sldMk cId="2594290601" sldId="257"/>
+            <ac:spMk id="21" creationId="{B716BC00-0FF1-C3E5-C4EF-900E736199DB}"/>
+          </ac:spMkLst>
+        </pc:spChg>
+        <pc:spChg chg="del">
+          <ac:chgData name="Robert Finch" userId="360118edfabb5ba6" providerId="LiveId" clId="{940D50E2-FEDC-434C-83CF-A13052851249}" dt="2025-11-09T01:17:02.226" v="172" actId="478"/>
+          <ac:spMkLst>
+            <pc:docMk/>
+            <pc:sldMk cId="2594290601" sldId="257"/>
+            <ac:spMk id="22" creationId="{472B5DEB-B91D-C886-F6F6-E54DED196DDF}"/>
+          </ac:spMkLst>
+        </pc:spChg>
+        <pc:spChg chg="mod">
+          <ac:chgData name="Robert Finch" userId="360118edfabb5ba6" providerId="LiveId" clId="{940D50E2-FEDC-434C-83CF-A13052851249}" dt="2025-11-09T01:34:21.447" v="316" actId="1076"/>
+          <ac:spMkLst>
+            <pc:docMk/>
+            <pc:sldMk cId="2594290601" sldId="257"/>
+            <ac:spMk id="23" creationId="{57DAD130-1EBA-D481-F1A5-B3A938F02835}"/>
+          </ac:spMkLst>
+        </pc:spChg>
+        <pc:spChg chg="mod">
+          <ac:chgData name="Robert Finch" userId="360118edfabb5ba6" providerId="LiveId" clId="{940D50E2-FEDC-434C-83CF-A13052851249}" dt="2025-11-09T01:34:32.265" v="320" actId="1076"/>
+          <ac:spMkLst>
+            <pc:docMk/>
+            <pc:sldMk cId="2594290601" sldId="257"/>
+            <ac:spMk id="24" creationId="{50CA5ED3-322C-7559-35C4-043568DD8612}"/>
+          </ac:spMkLst>
+        </pc:spChg>
+        <pc:spChg chg="mod">
+          <ac:chgData name="Robert Finch" userId="360118edfabb5ba6" providerId="LiveId" clId="{940D50E2-FEDC-434C-83CF-A13052851249}" dt="2025-11-09T01:34:39.150" v="322" actId="1076"/>
+          <ac:spMkLst>
+            <pc:docMk/>
+            <pc:sldMk cId="2594290601" sldId="257"/>
+            <ac:spMk id="25" creationId="{A8A5A8C7-2086-0573-E87A-438924545018}"/>
+          </ac:spMkLst>
+        </pc:spChg>
+        <pc:spChg chg="del">
+          <ac:chgData name="Robert Finch" userId="360118edfabb5ba6" providerId="LiveId" clId="{940D50E2-FEDC-434C-83CF-A13052851249}" dt="2025-11-09T01:18:43.386" v="215" actId="478"/>
+          <ac:spMkLst>
+            <pc:docMk/>
+            <pc:sldMk cId="2594290601" sldId="257"/>
+            <ac:spMk id="29" creationId="{B8BFA4DA-BD9E-5F7C-A46A-5A3BAF22741D}"/>
+          </ac:spMkLst>
+        </pc:spChg>
+        <pc:spChg chg="del">
+          <ac:chgData name="Robert Finch" userId="360118edfabb5ba6" providerId="LiveId" clId="{940D50E2-FEDC-434C-83CF-A13052851249}" dt="2025-11-09T01:18:44.969" v="216" actId="478"/>
+          <ac:spMkLst>
+            <pc:docMk/>
+            <pc:sldMk cId="2594290601" sldId="257"/>
+            <ac:spMk id="33" creationId="{193E3F03-8D8D-BE16-3011-65C62D299E70}"/>
+          </ac:spMkLst>
+        </pc:spChg>
+        <pc:spChg chg="del">
+          <ac:chgData name="Robert Finch" userId="360118edfabb5ba6" providerId="LiveId" clId="{940D50E2-FEDC-434C-83CF-A13052851249}" dt="2025-11-09T01:16:58.091" v="170" actId="478"/>
+          <ac:spMkLst>
+            <pc:docMk/>
+            <pc:sldMk cId="2594290601" sldId="257"/>
+            <ac:spMk id="34" creationId="{21328786-2DAA-CB00-6821-E2E99DA54120}"/>
+          </ac:spMkLst>
+        </pc:spChg>
+        <pc:spChg chg="mod">
+          <ac:chgData name="Robert Finch" userId="360118edfabb5ba6" providerId="LiveId" clId="{940D50E2-FEDC-434C-83CF-A13052851249}" dt="2025-11-09T01:34:24.365" v="317" actId="1076"/>
+          <ac:spMkLst>
+            <pc:docMk/>
+            <pc:sldMk cId="2594290601" sldId="257"/>
+            <ac:spMk id="35" creationId="{8E88E834-F2D0-8CBB-4152-1AD564EECC86}"/>
+          </ac:spMkLst>
+        </pc:spChg>
+        <pc:spChg chg="mod">
+          <ac:chgData name="Robert Finch" userId="360118edfabb5ba6" providerId="LiveId" clId="{940D50E2-FEDC-434C-83CF-A13052851249}" dt="2025-11-09T01:34:29.556" v="319" actId="1076"/>
+          <ac:spMkLst>
+            <pc:docMk/>
+            <pc:sldMk cId="2594290601" sldId="257"/>
+            <ac:spMk id="36" creationId="{500454C3-33B4-2D69-4E9E-1E9A00CFD8D0}"/>
+          </ac:spMkLst>
+        </pc:spChg>
+        <pc:spChg chg="mod">
+          <ac:chgData name="Robert Finch" userId="360118edfabb5ba6" providerId="LiveId" clId="{940D50E2-FEDC-434C-83CF-A13052851249}" dt="2025-11-09T01:34:41.741" v="323" actId="1076"/>
+          <ac:spMkLst>
+            <pc:docMk/>
+            <pc:sldMk cId="2594290601" sldId="257"/>
+            <ac:spMk id="37" creationId="{C0945E42-19F8-4A70-3D8A-3A2C77D87313}"/>
+          </ac:spMkLst>
+        </pc:spChg>
+        <pc:spChg chg="mod">
+          <ac:chgData name="Robert Finch" userId="360118edfabb5ba6" providerId="LiveId" clId="{940D50E2-FEDC-434C-83CF-A13052851249}" dt="2025-11-09T01:36:03.522" v="338" actId="20577"/>
+          <ac:spMkLst>
+            <pc:docMk/>
+            <pc:sldMk cId="2594290601" sldId="257"/>
+            <ac:spMk id="38" creationId="{E011F6C4-3F05-4093-DF1A-05D8225E0985}"/>
+          </ac:spMkLst>
+        </pc:spChg>
+        <pc:spChg chg="del">
+          <ac:chgData name="Robert Finch" userId="360118edfabb5ba6" providerId="LiveId" clId="{940D50E2-FEDC-434C-83CF-A13052851249}" dt="2025-11-09T01:18:46.319" v="217" actId="478"/>
+          <ac:spMkLst>
+            <pc:docMk/>
+            <pc:sldMk cId="2594290601" sldId="257"/>
+            <ac:spMk id="39" creationId="{B5C24B68-7E64-6EFF-6DAB-5A2102AF95C6}"/>
+          </ac:spMkLst>
+        </pc:spChg>
+        <pc:spChg chg="mod">
+          <ac:chgData name="Robert Finch" userId="360118edfabb5ba6" providerId="LiveId" clId="{940D50E2-FEDC-434C-83CF-A13052851249}" dt="2025-11-09T01:31:31.115" v="276" actId="20577"/>
+          <ac:spMkLst>
+            <pc:docMk/>
+            <pc:sldMk cId="2594290601" sldId="257"/>
+            <ac:spMk id="43" creationId="{6E2C7DB7-1FAD-B106-9935-8AE626DD9E8A}"/>
+          </ac:spMkLst>
+        </pc:spChg>
+        <pc:spChg chg="mod">
+          <ac:chgData name="Robert Finch" userId="360118edfabb5ba6" providerId="LiveId" clId="{940D50E2-FEDC-434C-83CF-A13052851249}" dt="2025-11-09T01:32:22.193" v="297" actId="20577"/>
+          <ac:spMkLst>
+            <pc:docMk/>
+            <pc:sldMk cId="2594290601" sldId="257"/>
+            <ac:spMk id="44" creationId="{4D129218-44F0-AFD7-A77E-D2949684502A}"/>
+          </ac:spMkLst>
+        </pc:spChg>
+        <pc:cxnChg chg="mod">
+          <ac:chgData name="Robert Finch" userId="360118edfabb5ba6" providerId="LiveId" clId="{940D50E2-FEDC-434C-83CF-A13052851249}" dt="2025-11-09T01:35:28.520" v="333" actId="1076"/>
+          <ac:cxnSpMkLst>
+            <pc:docMk/>
+            <pc:sldMk cId="2594290601" sldId="257"/>
+            <ac:cxnSpMk id="14" creationId="{32FC212D-082A-DD72-F557-EFDFDD7E81AE}"/>
+          </ac:cxnSpMkLst>
+        </pc:cxnChg>
       </pc:sldChg>
       <pc:sldChg chg="addSp delSp modSp mod">
-        <pc:chgData name="Robert Finch" userId="360118edfabb5ba6" providerId="LiveId" clId="{940D50E2-FEDC-434C-83CF-A13052851249}" dt="2025-11-08T01:34:54.717" v="95" actId="478"/>
+        <pc:chgData name="Robert Finch" userId="360118edfabb5ba6" providerId="LiveId" clId="{940D50E2-FEDC-434C-83CF-A13052851249}" dt="2025-11-09T01:50:35.156" v="442" actId="1076"/>
         <pc:sldMkLst>
           <pc:docMk/>
           <pc:sldMk cId="2650679018" sldId="258"/>
@@ -216,6 +512,14 @@
             <pc:docMk/>
             <pc:sldMk cId="2650679018" sldId="258"/>
             <ac:spMk id="2" creationId="{589C157B-1C51-0E6E-C43E-CBBA43BA6BE8}"/>
+          </ac:spMkLst>
+        </pc:spChg>
+        <pc:spChg chg="add mod">
+          <ac:chgData name="Robert Finch" userId="360118edfabb5ba6" providerId="LiveId" clId="{940D50E2-FEDC-434C-83CF-A13052851249}" dt="2025-11-09T01:36:36.504" v="343" actId="1076"/>
+          <ac:spMkLst>
+            <pc:docMk/>
+            <pc:sldMk cId="2650679018" sldId="258"/>
+            <ac:spMk id="3" creationId="{6BEEB1B9-7B1F-13BE-10C6-585A270710C2}"/>
           </ac:spMkLst>
         </pc:spChg>
         <pc:spChg chg="add del mod">
@@ -235,7 +539,7 @@
           </ac:spMkLst>
         </pc:spChg>
         <pc:spChg chg="mod">
-          <ac:chgData name="Robert Finch" userId="360118edfabb5ba6" providerId="LiveId" clId="{940D50E2-FEDC-434C-83CF-A13052851249}" dt="2025-11-08T01:25:14.893" v="23" actId="1076"/>
+          <ac:chgData name="Robert Finch" userId="360118edfabb5ba6" providerId="LiveId" clId="{940D50E2-FEDC-434C-83CF-A13052851249}" dt="2025-11-08T04:59:33.951" v="142" actId="20577"/>
           <ac:spMkLst>
             <pc:docMk/>
             <pc:sldMk cId="2650679018" sldId="258"/>
@@ -251,11 +555,19 @@
           </ac:spMkLst>
         </pc:spChg>
         <pc:spChg chg="mod">
-          <ac:chgData name="Robert Finch" userId="360118edfabb5ba6" providerId="LiveId" clId="{940D50E2-FEDC-434C-83CF-A13052851249}" dt="2025-11-08T01:28:32.679" v="49" actId="1076"/>
+          <ac:chgData name="Robert Finch" userId="360118edfabb5ba6" providerId="LiveId" clId="{940D50E2-FEDC-434C-83CF-A13052851249}" dt="2025-11-08T04:58:41.065" v="141" actId="20577"/>
           <ac:spMkLst>
             <pc:docMk/>
             <pc:sldMk cId="2650679018" sldId="258"/>
             <ac:spMk id="7" creationId="{D2ED940B-FECC-5AFE-06CF-9E5B830F4097}"/>
+          </ac:spMkLst>
+        </pc:spChg>
+        <pc:spChg chg="del">
+          <ac:chgData name="Robert Finch" userId="360118edfabb5ba6" providerId="LiveId" clId="{940D50E2-FEDC-434C-83CF-A13052851249}" dt="2025-11-09T01:15:42.798" v="143" actId="478"/>
+          <ac:spMkLst>
+            <pc:docMk/>
+            <pc:sldMk cId="2650679018" sldId="258"/>
+            <ac:spMk id="11" creationId="{C8AD479D-A626-EA12-6778-37C1986598D7}"/>
           </ac:spMkLst>
         </pc:spChg>
         <pc:spChg chg="mod">
@@ -282,12 +594,164 @@
             <ac:spMk id="14" creationId="{F4F39427-84A3-4D39-9505-6877F7B36440}"/>
           </ac:spMkLst>
         </pc:spChg>
-        <pc:spChg chg="mod">
-          <ac:chgData name="Robert Finch" userId="360118edfabb5ba6" providerId="LiveId" clId="{940D50E2-FEDC-434C-83CF-A13052851249}" dt="2025-11-08T01:24:14.404" v="18" actId="20577"/>
+        <pc:spChg chg="del mod">
+          <ac:chgData name="Robert Finch" userId="360118edfabb5ba6" providerId="LiveId" clId="{940D50E2-FEDC-434C-83CF-A13052851249}" dt="2025-11-09T01:15:44.530" v="144" actId="478"/>
           <ac:spMkLst>
             <pc:docMk/>
             <pc:sldMk cId="2650679018" sldId="258"/>
             <ac:spMk id="15" creationId="{BDAECFD9-FE9C-E2C7-8D42-FB8DDBD7BCDF}"/>
+          </ac:spMkLst>
+        </pc:spChg>
+        <pc:spChg chg="del">
+          <ac:chgData name="Robert Finch" userId="360118edfabb5ba6" providerId="LiveId" clId="{940D50E2-FEDC-434C-83CF-A13052851249}" dt="2025-11-09T01:15:46.210" v="145" actId="478"/>
+          <ac:spMkLst>
+            <pc:docMk/>
+            <pc:sldMk cId="2650679018" sldId="258"/>
+            <ac:spMk id="16" creationId="{EEAACC6D-5F10-9476-6AF7-25E7D777913C}"/>
+          </ac:spMkLst>
+        </pc:spChg>
+        <pc:spChg chg="mod">
+          <ac:chgData name="Robert Finch" userId="360118edfabb5ba6" providerId="LiveId" clId="{940D50E2-FEDC-434C-83CF-A13052851249}" dt="2025-11-09T01:39:24.159" v="401" actId="20577"/>
+          <ac:spMkLst>
+            <pc:docMk/>
+            <pc:sldMk cId="2650679018" sldId="258"/>
+            <ac:spMk id="20" creationId="{34CB261E-026D-6907-AD30-CF0B591A724F}"/>
+          </ac:spMkLst>
+        </pc:spChg>
+        <pc:spChg chg="mod">
+          <ac:chgData name="Robert Finch" userId="360118edfabb5ba6" providerId="LiveId" clId="{940D50E2-FEDC-434C-83CF-A13052851249}" dt="2025-11-09T01:38:44.752" v="387" actId="20577"/>
+          <ac:spMkLst>
+            <pc:docMk/>
+            <pc:sldMk cId="2650679018" sldId="258"/>
+            <ac:spMk id="21" creationId="{C7AC94DC-C20E-D6B4-9F48-7D1A03BE529B}"/>
+          </ac:spMkLst>
+        </pc:spChg>
+        <pc:spChg chg="mod">
+          <ac:chgData name="Robert Finch" userId="360118edfabb5ba6" providerId="LiveId" clId="{940D50E2-FEDC-434C-83CF-A13052851249}" dt="2025-11-09T01:38:47.527" v="389" actId="20577"/>
+          <ac:spMkLst>
+            <pc:docMk/>
+            <pc:sldMk cId="2650679018" sldId="258"/>
+            <ac:spMk id="22" creationId="{E7410A97-68B3-BA68-1F2B-03A50AB57151}"/>
+          </ac:spMkLst>
+        </pc:spChg>
+        <pc:spChg chg="mod">
+          <ac:chgData name="Robert Finch" userId="360118edfabb5ba6" providerId="LiveId" clId="{940D50E2-FEDC-434C-83CF-A13052851249}" dt="2025-11-09T01:38:50.794" v="391" actId="20577"/>
+          <ac:spMkLst>
+            <pc:docMk/>
+            <pc:sldMk cId="2650679018" sldId="258"/>
+            <ac:spMk id="23" creationId="{443D22A6-B987-CA04-9B06-E76C61084009}"/>
+          </ac:spMkLst>
+        </pc:spChg>
+        <pc:spChg chg="del">
+          <ac:chgData name="Robert Finch" userId="360118edfabb5ba6" providerId="LiveId" clId="{940D50E2-FEDC-434C-83CF-A13052851249}" dt="2025-11-09T01:16:05.753" v="150" actId="478"/>
+          <ac:spMkLst>
+            <pc:docMk/>
+            <pc:sldMk cId="2650679018" sldId="258"/>
+            <ac:spMk id="24" creationId="{53ACE3A7-C2C0-1890-474B-30518BBE8882}"/>
+          </ac:spMkLst>
+        </pc:spChg>
+        <pc:spChg chg="mod">
+          <ac:chgData name="Robert Finch" userId="360118edfabb5ba6" providerId="LiveId" clId="{940D50E2-FEDC-434C-83CF-A13052851249}" dt="2025-11-09T01:38:30.938" v="379" actId="20577"/>
+          <ac:spMkLst>
+            <pc:docMk/>
+            <pc:sldMk cId="2650679018" sldId="258"/>
+            <ac:spMk id="25" creationId="{B215621A-79D3-2B7B-FC60-D55C0FCEA00D}"/>
+          </ac:spMkLst>
+        </pc:spChg>
+        <pc:spChg chg="mod">
+          <ac:chgData name="Robert Finch" userId="360118edfabb5ba6" providerId="LiveId" clId="{940D50E2-FEDC-434C-83CF-A13052851249}" dt="2025-11-09T01:38:28.506" v="377" actId="20577"/>
+          <ac:spMkLst>
+            <pc:docMk/>
+            <pc:sldMk cId="2650679018" sldId="258"/>
+            <ac:spMk id="26" creationId="{DBFAFD0E-DD28-429F-60D4-DE976D8D29A4}"/>
+          </ac:spMkLst>
+        </pc:spChg>
+        <pc:spChg chg="mod">
+          <ac:chgData name="Robert Finch" userId="360118edfabb5ba6" providerId="LiveId" clId="{940D50E2-FEDC-434C-83CF-A13052851249}" dt="2025-11-09T01:38:26.161" v="375" actId="20577"/>
+          <ac:spMkLst>
+            <pc:docMk/>
+            <pc:sldMk cId="2650679018" sldId="258"/>
+            <ac:spMk id="27" creationId="{2B30CE28-37BB-4E0F-2446-CA1F48B6C715}"/>
+          </ac:spMkLst>
+        </pc:spChg>
+        <pc:spChg chg="del">
+          <ac:chgData name="Robert Finch" userId="360118edfabb5ba6" providerId="LiveId" clId="{940D50E2-FEDC-434C-83CF-A13052851249}" dt="2025-11-09T01:15:48.026" v="146" actId="478"/>
+          <ac:spMkLst>
+            <pc:docMk/>
+            <pc:sldMk cId="2650679018" sldId="258"/>
+            <ac:spMk id="28" creationId="{F6B60F17-07FB-8592-78A6-C5510BDA87CA}"/>
+          </ac:spMkLst>
+        </pc:spChg>
+        <pc:spChg chg="mod">
+          <ac:chgData name="Robert Finch" userId="360118edfabb5ba6" providerId="LiveId" clId="{940D50E2-FEDC-434C-83CF-A13052851249}" dt="2025-11-09T01:38:10.370" v="367" actId="20577"/>
+          <ac:spMkLst>
+            <pc:docMk/>
+            <pc:sldMk cId="2650679018" sldId="258"/>
+            <ac:spMk id="29" creationId="{61A98C63-63B3-A1FF-5571-81171558DEEC}"/>
+          </ac:spMkLst>
+        </pc:spChg>
+        <pc:spChg chg="mod">
+          <ac:chgData name="Robert Finch" userId="360118edfabb5ba6" providerId="LiveId" clId="{940D50E2-FEDC-434C-83CF-A13052851249}" dt="2025-11-09T01:36:23.806" v="341" actId="14100"/>
+          <ac:spMkLst>
+            <pc:docMk/>
+            <pc:sldMk cId="2650679018" sldId="258"/>
+            <ac:spMk id="30" creationId="{EC8FD731-006D-9392-BA7E-6C81F749273D}"/>
+          </ac:spMkLst>
+        </pc:spChg>
+        <pc:spChg chg="mod">
+          <ac:chgData name="Robert Finch" userId="360118edfabb5ba6" providerId="LiveId" clId="{940D50E2-FEDC-434C-83CF-A13052851249}" dt="2025-11-09T01:36:18.464" v="340" actId="1076"/>
+          <ac:spMkLst>
+            <pc:docMk/>
+            <pc:sldMk cId="2650679018" sldId="258"/>
+            <ac:spMk id="31" creationId="{CB10116E-5EA6-D599-32FD-6193DFFAC637}"/>
+          </ac:spMkLst>
+        </pc:spChg>
+        <pc:spChg chg="del">
+          <ac:chgData name="Robert Finch" userId="360118edfabb5ba6" providerId="LiveId" clId="{940D50E2-FEDC-434C-83CF-A13052851249}" dt="2025-11-09T01:15:54.385" v="148" actId="478"/>
+          <ac:spMkLst>
+            <pc:docMk/>
+            <pc:sldMk cId="2650679018" sldId="258"/>
+            <ac:spMk id="33" creationId="{52B6D72F-9592-D826-9B49-50A1B8A542BE}"/>
+          </ac:spMkLst>
+        </pc:spChg>
+        <pc:spChg chg="mod">
+          <ac:chgData name="Robert Finch" userId="360118edfabb5ba6" providerId="LiveId" clId="{940D50E2-FEDC-434C-83CF-A13052851249}" dt="2025-11-09T01:38:34.010" v="381" actId="20577"/>
+          <ac:spMkLst>
+            <pc:docMk/>
+            <pc:sldMk cId="2650679018" sldId="258"/>
+            <ac:spMk id="34" creationId="{437D6B38-9653-41ED-F752-4E7033A4349E}"/>
+          </ac:spMkLst>
+        </pc:spChg>
+        <pc:spChg chg="mod">
+          <ac:chgData name="Robert Finch" userId="360118edfabb5ba6" providerId="LiveId" clId="{940D50E2-FEDC-434C-83CF-A13052851249}" dt="2025-11-09T01:38:36.617" v="383" actId="20577"/>
+          <ac:spMkLst>
+            <pc:docMk/>
+            <pc:sldMk cId="2650679018" sldId="258"/>
+            <ac:spMk id="35" creationId="{FA20F7F4-E53F-C70E-F8DC-75A6C911A03F}"/>
+          </ac:spMkLst>
+        </pc:spChg>
+        <pc:spChg chg="mod">
+          <ac:chgData name="Robert Finch" userId="360118edfabb5ba6" providerId="LiveId" clId="{940D50E2-FEDC-434C-83CF-A13052851249}" dt="2025-11-09T01:38:40.433" v="385" actId="20577"/>
+          <ac:spMkLst>
+            <pc:docMk/>
+            <pc:sldMk cId="2650679018" sldId="258"/>
+            <ac:spMk id="36" creationId="{9D7EB854-DDE2-F90E-C656-ABA798196F6A}"/>
+          </ac:spMkLst>
+        </pc:spChg>
+        <pc:spChg chg="mod">
+          <ac:chgData name="Robert Finch" userId="360118edfabb5ba6" providerId="LiveId" clId="{940D50E2-FEDC-434C-83CF-A13052851249}" dt="2025-11-09T01:39:33.196" v="405" actId="20577"/>
+          <ac:spMkLst>
+            <pc:docMk/>
+            <pc:sldMk cId="2650679018" sldId="258"/>
+            <ac:spMk id="38" creationId="{15067C78-238E-0C37-463C-051DD16AD52D}"/>
+          </ac:spMkLst>
+        </pc:spChg>
+        <pc:spChg chg="add mod">
+          <ac:chgData name="Robert Finch" userId="360118edfabb5ba6" providerId="LiveId" clId="{940D50E2-FEDC-434C-83CF-A13052851249}" dt="2025-11-09T01:50:35.156" v="442" actId="1076"/>
+          <ac:spMkLst>
+            <pc:docMk/>
+            <pc:sldMk cId="2650679018" sldId="258"/>
+            <ac:spMk id="39" creationId="{3B73F1F2-519F-1600-2671-AC5D96A076C3}"/>
           </ac:spMkLst>
         </pc:spChg>
         <pc:spChg chg="add del mod">
@@ -299,7 +763,7 @@
           </ac:spMkLst>
         </pc:spChg>
         <pc:spChg chg="mod">
-          <ac:chgData name="Robert Finch" userId="360118edfabb5ba6" providerId="LiveId" clId="{940D50E2-FEDC-434C-83CF-A13052851249}" dt="2025-11-08T01:28:45.458" v="59" actId="20577"/>
+          <ac:chgData name="Robert Finch" userId="360118edfabb5ba6" providerId="LiveId" clId="{940D50E2-FEDC-434C-83CF-A13052851249}" dt="2025-11-09T01:16:37.890" v="169" actId="6549"/>
           <ac:spMkLst>
             <pc:docMk/>
             <pc:sldMk cId="2650679018" sldId="258"/>
@@ -314,6 +778,22 @@
             <ac:spMk id="43" creationId="{9C1F6D9A-F2F8-DAB7-C7B6-9DC8B7A78856}"/>
           </ac:spMkLst>
         </pc:spChg>
+        <pc:spChg chg="add mod">
+          <ac:chgData name="Robert Finch" userId="360118edfabb5ba6" providerId="LiveId" clId="{940D50E2-FEDC-434C-83CF-A13052851249}" dt="2025-11-09T01:36:58.455" v="348" actId="20577"/>
+          <ac:spMkLst>
+            <pc:docMk/>
+            <pc:sldMk cId="2650679018" sldId="258"/>
+            <ac:spMk id="43" creationId="{B5A87727-E716-AAA1-E489-9C1DA738B6D5}"/>
+          </ac:spMkLst>
+        </pc:spChg>
+        <pc:spChg chg="add mod">
+          <ac:chgData name="Robert Finch" userId="360118edfabb5ba6" providerId="LiveId" clId="{940D50E2-FEDC-434C-83CF-A13052851249}" dt="2025-11-09T01:37:13.650" v="351" actId="20577"/>
+          <ac:spMkLst>
+            <pc:docMk/>
+            <pc:sldMk cId="2650679018" sldId="258"/>
+            <ac:spMk id="44" creationId="{0E31EA34-495E-3A46-E3AD-2D861E77FD88}"/>
+          </ac:spMkLst>
+        </pc:spChg>
         <pc:spChg chg="add del mod">
           <ac:chgData name="Robert Finch" userId="360118edfabb5ba6" providerId="LiveId" clId="{940D50E2-FEDC-434C-83CF-A13052851249}" dt="2025-11-08T01:34:50.317" v="92" actId="478"/>
           <ac:spMkLst>
@@ -322,9 +802,73 @@
             <ac:spMk id="44" creationId="{F6B80966-A70A-77ED-63D9-A6C3B6EC7A7B}"/>
           </ac:spMkLst>
         </pc:spChg>
+        <pc:spChg chg="add mod">
+          <ac:chgData name="Robert Finch" userId="360118edfabb5ba6" providerId="LiveId" clId="{940D50E2-FEDC-434C-83CF-A13052851249}" dt="2025-11-09T01:37:27.322" v="354" actId="20577"/>
+          <ac:spMkLst>
+            <pc:docMk/>
+            <pc:sldMk cId="2650679018" sldId="258"/>
+            <ac:spMk id="45" creationId="{E345E55C-95CE-16C5-C38E-EFE57BA529CA}"/>
+          </ac:spMkLst>
+        </pc:spChg>
+        <pc:spChg chg="add mod">
+          <ac:chgData name="Robert Finch" userId="360118edfabb5ba6" providerId="LiveId" clId="{940D50E2-FEDC-434C-83CF-A13052851249}" dt="2025-11-09T01:37:39.418" v="357" actId="20577"/>
+          <ac:spMkLst>
+            <pc:docMk/>
+            <pc:sldMk cId="2650679018" sldId="258"/>
+            <ac:spMk id="46" creationId="{C254A83D-7105-CA95-F73E-4C82E0034354}"/>
+          </ac:spMkLst>
+        </pc:spChg>
+        <pc:spChg chg="add mod">
+          <ac:chgData name="Robert Finch" userId="360118edfabb5ba6" providerId="LiveId" clId="{940D50E2-FEDC-434C-83CF-A13052851249}" dt="2025-11-09T01:38:23.985" v="373" actId="20577"/>
+          <ac:spMkLst>
+            <pc:docMk/>
+            <pc:sldMk cId="2650679018" sldId="258"/>
+            <ac:spMk id="47" creationId="{FDB2C585-DCB8-330F-C09D-48F6756F9307}"/>
+          </ac:spMkLst>
+        </pc:spChg>
+        <pc:spChg chg="add mod">
+          <ac:chgData name="Robert Finch" userId="360118edfabb5ba6" providerId="LiveId" clId="{940D50E2-FEDC-434C-83CF-A13052851249}" dt="2025-11-09T01:38:21.274" v="371" actId="20577"/>
+          <ac:spMkLst>
+            <pc:docMk/>
+            <pc:sldMk cId="2650679018" sldId="258"/>
+            <ac:spMk id="48" creationId="{2A5B03B0-2283-C3F3-4789-982C177452DF}"/>
+          </ac:spMkLst>
+        </pc:spChg>
+        <pc:spChg chg="add mod">
+          <ac:chgData name="Robert Finch" userId="360118edfabb5ba6" providerId="LiveId" clId="{940D50E2-FEDC-434C-83CF-A13052851249}" dt="2025-11-09T01:38:57.918" v="393" actId="1076"/>
+          <ac:spMkLst>
+            <pc:docMk/>
+            <pc:sldMk cId="2650679018" sldId="258"/>
+            <ac:spMk id="49" creationId="{8F72AF73-055A-C2DB-ADE5-065C16F244C9}"/>
+          </ac:spMkLst>
+        </pc:spChg>
+        <pc:spChg chg="add mod">
+          <ac:chgData name="Robert Finch" userId="360118edfabb5ba6" providerId="LiveId" clId="{940D50E2-FEDC-434C-83CF-A13052851249}" dt="2025-11-09T01:39:03.427" v="395" actId="1076"/>
+          <ac:spMkLst>
+            <pc:docMk/>
+            <pc:sldMk cId="2650679018" sldId="258"/>
+            <ac:spMk id="50" creationId="{E95802C6-5EB2-1AE9-7E8B-A373AFC3AF2A}"/>
+          </ac:spMkLst>
+        </pc:spChg>
+        <pc:spChg chg="add mod">
+          <ac:chgData name="Robert Finch" userId="360118edfabb5ba6" providerId="LiveId" clId="{940D50E2-FEDC-434C-83CF-A13052851249}" dt="2025-11-09T01:39:15.086" v="398" actId="1076"/>
+          <ac:spMkLst>
+            <pc:docMk/>
+            <pc:sldMk cId="2650679018" sldId="258"/>
+            <ac:spMk id="51" creationId="{58A3E361-97B1-71DC-C6DA-4EC9480C96CE}"/>
+          </ac:spMkLst>
+        </pc:spChg>
+        <pc:spChg chg="add mod">
+          <ac:chgData name="Robert Finch" userId="360118edfabb5ba6" providerId="LiveId" clId="{940D50E2-FEDC-434C-83CF-A13052851249}" dt="2025-11-09T01:39:21.234" v="400" actId="1076"/>
+          <ac:spMkLst>
+            <pc:docMk/>
+            <pc:sldMk cId="2650679018" sldId="258"/>
+            <ac:spMk id="52" creationId="{A7C1B19B-EFF1-E4AC-1101-092FA74F576B}"/>
+          </ac:spMkLst>
+        </pc:spChg>
       </pc:sldChg>
-      <pc:sldChg chg="modSp mod">
-        <pc:chgData name="Robert Finch" userId="360118edfabb5ba6" providerId="LiveId" clId="{940D50E2-FEDC-434C-83CF-A13052851249}" dt="2025-11-08T01:30:23.150" v="85" actId="20577"/>
+      <pc:sldChg chg="addSp delSp modSp mod">
+        <pc:chgData name="Robert Finch" userId="360118edfabb5ba6" providerId="LiveId" clId="{940D50E2-FEDC-434C-83CF-A13052851249}" dt="2025-11-09T01:42:28.306" v="435" actId="1076"/>
         <pc:sldMkLst>
           <pc:docMk/>
           <pc:sldMk cId="2694914445" sldId="259"/>
@@ -337,9 +881,161 @@
             <ac:spMk id="2" creationId="{8C0E7671-DA3D-5C66-D0DC-22B672A22041}"/>
           </ac:spMkLst>
         </pc:spChg>
+        <pc:spChg chg="add mod">
+          <ac:chgData name="Robert Finch" userId="360118edfabb5ba6" providerId="LiveId" clId="{940D50E2-FEDC-434C-83CF-A13052851249}" dt="2025-11-09T01:41:12.014" v="414" actId="1076"/>
+          <ac:spMkLst>
+            <pc:docMk/>
+            <pc:sldMk cId="2694914445" sldId="259"/>
+            <ac:spMk id="3" creationId="{1C63C0F5-DD13-944B-7406-0229744035D4}"/>
+          </ac:spMkLst>
+        </pc:spChg>
+        <pc:spChg chg="mod">
+          <ac:chgData name="Robert Finch" userId="360118edfabb5ba6" providerId="LiveId" clId="{940D50E2-FEDC-434C-83CF-A13052851249}" dt="2025-11-09T01:40:44.258" v="410" actId="20577"/>
+          <ac:spMkLst>
+            <pc:docMk/>
+            <pc:sldMk cId="2694914445" sldId="259"/>
+            <ac:spMk id="6" creationId="{B17E7B95-30A7-75E7-609B-7E49FA75F5AE}"/>
+          </ac:spMkLst>
+        </pc:spChg>
+        <pc:spChg chg="mod">
+          <ac:chgData name="Robert Finch" userId="360118edfabb5ba6" providerId="LiveId" clId="{940D50E2-FEDC-434C-83CF-A13052851249}" dt="2025-11-09T01:40:38.570" v="408" actId="20577"/>
+          <ac:spMkLst>
+            <pc:docMk/>
+            <pc:sldMk cId="2694914445" sldId="259"/>
+            <ac:spMk id="7" creationId="{3A7BB0F3-B210-B42C-7680-42C0E660F87F}"/>
+          </ac:spMkLst>
+        </pc:spChg>
+        <pc:spChg chg="mod">
+          <ac:chgData name="Robert Finch" userId="360118edfabb5ba6" providerId="LiveId" clId="{940D50E2-FEDC-434C-83CF-A13052851249}" dt="2025-11-09T01:40:55.366" v="411" actId="1076"/>
+          <ac:spMkLst>
+            <pc:docMk/>
+            <pc:sldMk cId="2694914445" sldId="259"/>
+            <ac:spMk id="9" creationId="{14B384DD-9D81-9F38-26B7-8F5F8B7F8585}"/>
+          </ac:spMkLst>
+        </pc:spChg>
+        <pc:spChg chg="del">
+          <ac:chgData name="Robert Finch" userId="360118edfabb5ba6" providerId="LiveId" clId="{940D50E2-FEDC-434C-83CF-A13052851249}" dt="2025-11-09T01:19:29.321" v="230" actId="478"/>
+          <ac:spMkLst>
+            <pc:docMk/>
+            <pc:sldMk cId="2694914445" sldId="259"/>
+            <ac:spMk id="13" creationId="{B8A1A896-48C2-4C3D-405C-C07E27749303}"/>
+          </ac:spMkLst>
+        </pc:spChg>
+        <pc:spChg chg="del">
+          <ac:chgData name="Robert Finch" userId="360118edfabb5ba6" providerId="LiveId" clId="{940D50E2-FEDC-434C-83CF-A13052851249}" dt="2025-11-09T01:19:27.554" v="229" actId="478"/>
+          <ac:spMkLst>
+            <pc:docMk/>
+            <pc:sldMk cId="2694914445" sldId="259"/>
+            <ac:spMk id="17" creationId="{6CDB9EBD-F6E5-0943-973A-12F601CF3135}"/>
+          </ac:spMkLst>
+        </pc:spChg>
+        <pc:spChg chg="del">
+          <ac:chgData name="Robert Finch" userId="360118edfabb5ba6" providerId="LiveId" clId="{940D50E2-FEDC-434C-83CF-A13052851249}" dt="2025-11-09T01:19:30.561" v="231" actId="478"/>
+          <ac:spMkLst>
+            <pc:docMk/>
+            <pc:sldMk cId="2694914445" sldId="259"/>
+            <ac:spMk id="18" creationId="{DA3B80D8-1F6C-7DDC-88E8-A7BEEC7CC9E9}"/>
+          </ac:spMkLst>
+        </pc:spChg>
+        <pc:spChg chg="mod">
+          <ac:chgData name="Robert Finch" userId="360118edfabb5ba6" providerId="LiveId" clId="{940D50E2-FEDC-434C-83CF-A13052851249}" dt="2025-11-09T01:41:41.591" v="424" actId="20577"/>
+          <ac:spMkLst>
+            <pc:docMk/>
+            <pc:sldMk cId="2694914445" sldId="259"/>
+            <ac:spMk id="22" creationId="{4BD60F5D-0A1C-F533-8A90-2EA3F585F33B}"/>
+          </ac:spMkLst>
+        </pc:spChg>
+        <pc:spChg chg="mod">
+          <ac:chgData name="Robert Finch" userId="360118edfabb5ba6" providerId="LiveId" clId="{940D50E2-FEDC-434C-83CF-A13052851249}" dt="2025-11-09T01:41:34.451" v="419" actId="14100"/>
+          <ac:spMkLst>
+            <pc:docMk/>
+            <pc:sldMk cId="2694914445" sldId="259"/>
+            <ac:spMk id="23" creationId="{7D89D6E8-8402-28E1-B2C1-45D30B4E48D0}"/>
+          </ac:spMkLst>
+        </pc:spChg>
+        <pc:spChg chg="del">
+          <ac:chgData name="Robert Finch" userId="360118edfabb5ba6" providerId="LiveId" clId="{940D50E2-FEDC-434C-83CF-A13052851249}" dt="2025-11-09T01:20:00.275" v="236" actId="478"/>
+          <ac:spMkLst>
+            <pc:docMk/>
+            <pc:sldMk cId="2694914445" sldId="259"/>
+            <ac:spMk id="31" creationId="{C4D349AE-A615-443E-6F4B-9AEE013F3B93}"/>
+          </ac:spMkLst>
+        </pc:spChg>
+        <pc:spChg chg="del">
+          <ac:chgData name="Robert Finch" userId="360118edfabb5ba6" providerId="LiveId" clId="{940D50E2-FEDC-434C-83CF-A13052851249}" dt="2025-11-09T01:20:02.361" v="237" actId="478"/>
+          <ac:spMkLst>
+            <pc:docMk/>
+            <pc:sldMk cId="2694914445" sldId="259"/>
+            <ac:spMk id="32" creationId="{1BA911F3-2998-E10A-605E-FDA9CCC5BD7D}"/>
+          </ac:spMkLst>
+        </pc:spChg>
+        <pc:spChg chg="mod">
+          <ac:chgData name="Robert Finch" userId="360118edfabb5ba6" providerId="LiveId" clId="{940D50E2-FEDC-434C-83CF-A13052851249}" dt="2025-11-09T01:41:50.955" v="428" actId="20577"/>
+          <ac:spMkLst>
+            <pc:docMk/>
+            <pc:sldMk cId="2694914445" sldId="259"/>
+            <ac:spMk id="36" creationId="{44F5672D-C543-A461-3B78-FBF971DAEE0C}"/>
+          </ac:spMkLst>
+        </pc:spChg>
+        <pc:spChg chg="mod">
+          <ac:chgData name="Robert Finch" userId="360118edfabb5ba6" providerId="LiveId" clId="{940D50E2-FEDC-434C-83CF-A13052851249}" dt="2025-11-09T01:42:02.070" v="429" actId="14100"/>
+          <ac:spMkLst>
+            <pc:docMk/>
+            <pc:sldMk cId="2694914445" sldId="259"/>
+            <ac:spMk id="37" creationId="{712B7482-2A08-6F41-E94E-C497C87E31DA}"/>
+          </ac:spMkLst>
+        </pc:spChg>
+        <pc:spChg chg="del">
+          <ac:chgData name="Robert Finch" userId="360118edfabb5ba6" providerId="LiveId" clId="{940D50E2-FEDC-434C-83CF-A13052851249}" dt="2025-11-09T01:20:03.818" v="238" actId="478"/>
+          <ac:spMkLst>
+            <pc:docMk/>
+            <pc:sldMk cId="2694914445" sldId="259"/>
+            <ac:spMk id="38" creationId="{0C1539C4-1A6A-ECD9-94B8-8C5239E36FF1}"/>
+          </ac:spMkLst>
+        </pc:spChg>
+        <pc:spChg chg="add mod">
+          <ac:chgData name="Robert Finch" userId="360118edfabb5ba6" providerId="LiveId" clId="{940D50E2-FEDC-434C-83CF-A13052851249}" dt="2025-11-09T01:41:20.330" v="416" actId="1076"/>
+          <ac:spMkLst>
+            <pc:docMk/>
+            <pc:sldMk cId="2694914445" sldId="259"/>
+            <ac:spMk id="45" creationId="{A54DFADE-6461-BE11-6516-7F0481608F40}"/>
+          </ac:spMkLst>
+        </pc:spChg>
+        <pc:spChg chg="add mod">
+          <ac:chgData name="Robert Finch" userId="360118edfabb5ba6" providerId="LiveId" clId="{940D50E2-FEDC-434C-83CF-A13052851249}" dt="2025-11-09T01:41:28.846" v="418" actId="1076"/>
+          <ac:spMkLst>
+            <pc:docMk/>
+            <pc:sldMk cId="2694914445" sldId="259"/>
+            <ac:spMk id="46" creationId="{3BA76494-59BD-BBA6-0C26-88DE139CCB57}"/>
+          </ac:spMkLst>
+        </pc:spChg>
+        <pc:spChg chg="add mod">
+          <ac:chgData name="Robert Finch" userId="360118edfabb5ba6" providerId="LiveId" clId="{940D50E2-FEDC-434C-83CF-A13052851249}" dt="2025-11-09T01:42:12.713" v="431" actId="1076"/>
+          <ac:spMkLst>
+            <pc:docMk/>
+            <pc:sldMk cId="2694914445" sldId="259"/>
+            <ac:spMk id="47" creationId="{D9738219-BF0F-73E1-B3BF-0ABF674AEF79}"/>
+          </ac:spMkLst>
+        </pc:spChg>
+        <pc:spChg chg="add mod">
+          <ac:chgData name="Robert Finch" userId="360118edfabb5ba6" providerId="LiveId" clId="{940D50E2-FEDC-434C-83CF-A13052851249}" dt="2025-11-09T01:42:21.134" v="433" actId="1076"/>
+          <ac:spMkLst>
+            <pc:docMk/>
+            <pc:sldMk cId="2694914445" sldId="259"/>
+            <ac:spMk id="48" creationId="{9AF7ABA2-89A2-AED6-67CE-918A8BD4D988}"/>
+          </ac:spMkLst>
+        </pc:spChg>
+        <pc:spChg chg="add mod">
+          <ac:chgData name="Robert Finch" userId="360118edfabb5ba6" providerId="LiveId" clId="{940D50E2-FEDC-434C-83CF-A13052851249}" dt="2025-11-09T01:42:28.306" v="435" actId="1076"/>
+          <ac:spMkLst>
+            <pc:docMk/>
+            <pc:sldMk cId="2694914445" sldId="259"/>
+            <ac:spMk id="49" creationId="{E6834225-5EDD-04D9-745E-B28DD8D19548}"/>
+          </ac:spMkLst>
+        </pc:spChg>
       </pc:sldChg>
-      <pc:sldChg chg="modSp mod">
-        <pc:chgData name="Robert Finch" userId="360118edfabb5ba6" providerId="LiveId" clId="{940D50E2-FEDC-434C-83CF-A13052851249}" dt="2025-11-08T01:35:15.750" v="106" actId="20577"/>
+      <pc:sldChg chg="addSp delSp modSp mod">
+        <pc:chgData name="Robert Finch" userId="360118edfabb5ba6" providerId="LiveId" clId="{940D50E2-FEDC-434C-83CF-A13052851249}" dt="2025-11-09T01:56:09.126" v="459" actId="1076"/>
         <pc:sldMkLst>
           <pc:docMk/>
           <pc:sldMk cId="522921597" sldId="260"/>
@@ -350,6 +1046,86 @@
             <pc:docMk/>
             <pc:sldMk cId="522921597" sldId="260"/>
             <ac:spMk id="2" creationId="{F8A33C03-86BC-47B3-352E-CEAFA8E49E87}"/>
+          </ac:spMkLst>
+        </pc:spChg>
+        <pc:spChg chg="add mod">
+          <ac:chgData name="Robert Finch" userId="360118edfabb5ba6" providerId="LiveId" clId="{940D50E2-FEDC-434C-83CF-A13052851249}" dt="2025-11-09T01:55:29.985" v="450" actId="1076"/>
+          <ac:spMkLst>
+            <pc:docMk/>
+            <pc:sldMk cId="522921597" sldId="260"/>
+            <ac:spMk id="3" creationId="{A7487C35-0C63-3388-3805-0DB75FA788A0}"/>
+          </ac:spMkLst>
+        </pc:spChg>
+        <pc:spChg chg="del">
+          <ac:chgData name="Robert Finch" userId="360118edfabb5ba6" providerId="LiveId" clId="{940D50E2-FEDC-434C-83CF-A13052851249}" dt="2025-11-09T01:20:31.647" v="245" actId="478"/>
+          <ac:spMkLst>
+            <pc:docMk/>
+            <pc:sldMk cId="522921597" sldId="260"/>
+            <ac:spMk id="5" creationId="{BF912A54-2305-7875-3D38-4501F6247B4E}"/>
+          </ac:spMkLst>
+        </pc:spChg>
+        <pc:spChg chg="mod">
+          <ac:chgData name="Robert Finch" userId="360118edfabb5ba6" providerId="LiveId" clId="{940D50E2-FEDC-434C-83CF-A13052851249}" dt="2025-11-09T01:55:23.971" v="448" actId="1076"/>
+          <ac:spMkLst>
+            <pc:docMk/>
+            <pc:sldMk cId="522921597" sldId="260"/>
+            <ac:spMk id="6" creationId="{21F37D6B-60A6-4809-18D2-0553D99F0657}"/>
+          </ac:spMkLst>
+        </pc:spChg>
+        <pc:spChg chg="mod">
+          <ac:chgData name="Robert Finch" userId="360118edfabb5ba6" providerId="LiveId" clId="{940D50E2-FEDC-434C-83CF-A13052851249}" dt="2025-11-09T01:55:14.999" v="447" actId="1076"/>
+          <ac:spMkLst>
+            <pc:docMk/>
+            <pc:sldMk cId="522921597" sldId="260"/>
+            <ac:spMk id="7" creationId="{3E05A981-F263-3DEA-4B79-93D96CD6F334}"/>
+          </ac:spMkLst>
+        </pc:spChg>
+        <pc:spChg chg="mod">
+          <ac:chgData name="Robert Finch" userId="360118edfabb5ba6" providerId="LiveId" clId="{940D50E2-FEDC-434C-83CF-A13052851249}" dt="2025-11-09T01:55:09.138" v="446" actId="20577"/>
+          <ac:spMkLst>
+            <pc:docMk/>
+            <pc:sldMk cId="522921597" sldId="260"/>
+            <ac:spMk id="9" creationId="{EE884DDB-E400-F85E-C54B-73F8148E9286}"/>
+          </ac:spMkLst>
+        </pc:spChg>
+        <pc:spChg chg="mod">
+          <ac:chgData name="Robert Finch" userId="360118edfabb5ba6" providerId="LiveId" clId="{940D50E2-FEDC-434C-83CF-A13052851249}" dt="2025-11-09T01:55:34.657" v="451" actId="20577"/>
+          <ac:spMkLst>
+            <pc:docMk/>
+            <pc:sldMk cId="522921597" sldId="260"/>
+            <ac:spMk id="11" creationId="{3FFFE904-FC5E-7191-48EF-8681D2D72CFC}"/>
+          </ac:spMkLst>
+        </pc:spChg>
+        <pc:spChg chg="add mod">
+          <ac:chgData name="Robert Finch" userId="360118edfabb5ba6" providerId="LiveId" clId="{940D50E2-FEDC-434C-83CF-A13052851249}" dt="2025-11-09T01:56:03.850" v="458" actId="1076"/>
+          <ac:spMkLst>
+            <pc:docMk/>
+            <pc:sldMk cId="522921597" sldId="260"/>
+            <ac:spMk id="13" creationId="{CC8DE211-FE85-5EE1-1044-649C28555208}"/>
+          </ac:spMkLst>
+        </pc:spChg>
+        <pc:spChg chg="del">
+          <ac:chgData name="Robert Finch" userId="360118edfabb5ba6" providerId="LiveId" clId="{940D50E2-FEDC-434C-83CF-A13052851249}" dt="2025-11-09T01:21:10.634" v="259" actId="478"/>
+          <ac:spMkLst>
+            <pc:docMk/>
+            <pc:sldMk cId="522921597" sldId="260"/>
+            <ac:spMk id="18" creationId="{828C432E-0CA7-EA49-EB56-EF92A04533BB}"/>
+          </ac:spMkLst>
+        </pc:spChg>
+        <pc:spChg chg="mod">
+          <ac:chgData name="Robert Finch" userId="360118edfabb5ba6" providerId="LiveId" clId="{940D50E2-FEDC-434C-83CF-A13052851249}" dt="2025-11-09T01:55:52.058" v="456" actId="20577"/>
+          <ac:spMkLst>
+            <pc:docMk/>
+            <pc:sldMk cId="522921597" sldId="260"/>
+            <ac:spMk id="19" creationId="{E6BA68F8-B915-B07A-3079-B8213D03056F}"/>
+          </ac:spMkLst>
+        </pc:spChg>
+        <pc:spChg chg="mod">
+          <ac:chgData name="Robert Finch" userId="360118edfabb5ba6" providerId="LiveId" clId="{940D50E2-FEDC-434C-83CF-A13052851249}" dt="2025-11-09T01:56:09.126" v="459" actId="1076"/>
+          <ac:spMkLst>
+            <pc:docMk/>
+            <pc:sldMk cId="522921597" sldId="260"/>
+            <ac:spMk id="22" creationId="{63B6F1BE-8984-CBE6-5587-9F69C8F532A4}"/>
           </ac:spMkLst>
         </pc:spChg>
       </pc:sldChg>
@@ -538,7 +1314,7 @@
           <a:p>
             <a:fld id="{40721942-3650-429E-A73C-F40215CD5967}" type="datetimeFigureOut">
               <a:rPr lang="en-CA" smtClean="0"/>
-              <a:t>2025-11-07</a:t>
+              <a:t>2025-11-08</a:t>
             </a:fld>
             <a:endParaRPr lang="en-CA"/>
           </a:p>
@@ -738,7 +1514,7 @@
           <a:p>
             <a:fld id="{40721942-3650-429E-A73C-F40215CD5967}" type="datetimeFigureOut">
               <a:rPr lang="en-CA" smtClean="0"/>
-              <a:t>2025-11-07</a:t>
+              <a:t>2025-11-08</a:t>
             </a:fld>
             <a:endParaRPr lang="en-CA"/>
           </a:p>
@@ -948,7 +1724,7 @@
           <a:p>
             <a:fld id="{40721942-3650-429E-A73C-F40215CD5967}" type="datetimeFigureOut">
               <a:rPr lang="en-CA" smtClean="0"/>
-              <a:t>2025-11-07</a:t>
+              <a:t>2025-11-08</a:t>
             </a:fld>
             <a:endParaRPr lang="en-CA"/>
           </a:p>
@@ -1148,7 +1924,7 @@
           <a:p>
             <a:fld id="{40721942-3650-429E-A73C-F40215CD5967}" type="datetimeFigureOut">
               <a:rPr lang="en-CA" smtClean="0"/>
-              <a:t>2025-11-07</a:t>
+              <a:t>2025-11-08</a:t>
             </a:fld>
             <a:endParaRPr lang="en-CA"/>
           </a:p>
@@ -1424,7 +2200,7 @@
           <a:p>
             <a:fld id="{40721942-3650-429E-A73C-F40215CD5967}" type="datetimeFigureOut">
               <a:rPr lang="en-CA" smtClean="0"/>
-              <a:t>2025-11-07</a:t>
+              <a:t>2025-11-08</a:t>
             </a:fld>
             <a:endParaRPr lang="en-CA"/>
           </a:p>
@@ -1692,7 +2468,7 @@
           <a:p>
             <a:fld id="{40721942-3650-429E-A73C-F40215CD5967}" type="datetimeFigureOut">
               <a:rPr lang="en-CA" smtClean="0"/>
-              <a:t>2025-11-07</a:t>
+              <a:t>2025-11-08</a:t>
             </a:fld>
             <a:endParaRPr lang="en-CA"/>
           </a:p>
@@ -2107,7 +2883,7 @@
           <a:p>
             <a:fld id="{40721942-3650-429E-A73C-F40215CD5967}" type="datetimeFigureOut">
               <a:rPr lang="en-CA" smtClean="0"/>
-              <a:t>2025-11-07</a:t>
+              <a:t>2025-11-08</a:t>
             </a:fld>
             <a:endParaRPr lang="en-CA"/>
           </a:p>
@@ -2249,7 +3025,7 @@
           <a:p>
             <a:fld id="{40721942-3650-429E-A73C-F40215CD5967}" type="datetimeFigureOut">
               <a:rPr lang="en-CA" smtClean="0"/>
-              <a:t>2025-11-07</a:t>
+              <a:t>2025-11-08</a:t>
             </a:fld>
             <a:endParaRPr lang="en-CA"/>
           </a:p>
@@ -2362,7 +3138,7 @@
           <a:p>
             <a:fld id="{40721942-3650-429E-A73C-F40215CD5967}" type="datetimeFigureOut">
               <a:rPr lang="en-CA" smtClean="0"/>
-              <a:t>2025-11-07</a:t>
+              <a:t>2025-11-08</a:t>
             </a:fld>
             <a:endParaRPr lang="en-CA"/>
           </a:p>
@@ -2675,7 +3451,7 @@
           <a:p>
             <a:fld id="{40721942-3650-429E-A73C-F40215CD5967}" type="datetimeFigureOut">
               <a:rPr lang="en-CA" smtClean="0"/>
-              <a:t>2025-11-07</a:t>
+              <a:t>2025-11-08</a:t>
             </a:fld>
             <a:endParaRPr lang="en-CA"/>
           </a:p>
@@ -2964,7 +3740,7 @@
           <a:p>
             <a:fld id="{40721942-3650-429E-A73C-F40215CD5967}" type="datetimeFigureOut">
               <a:rPr lang="en-CA" smtClean="0"/>
-              <a:t>2025-11-07</a:t>
+              <a:t>2025-11-08</a:t>
             </a:fld>
             <a:endParaRPr lang="en-CA"/>
           </a:p>
@@ -3207,7 +3983,7 @@
           <a:p>
             <a:fld id="{40721942-3650-429E-A73C-F40215CD5967}" type="datetimeFigureOut">
               <a:rPr lang="en-CA" smtClean="0"/>
-              <a:t>2025-11-07</a:t>
+              <a:t>2025-11-08</a:t>
             </a:fld>
             <a:endParaRPr lang="en-CA"/>
           </a:p>
@@ -4114,8 +4890,8 @@
         </p:nvSpPr>
         <p:spPr>
           <a:xfrm flipH="1">
-            <a:off x="1908519" y="3650939"/>
-            <a:ext cx="2596765" cy="119459"/>
+            <a:off x="1139687" y="3645941"/>
+            <a:ext cx="3265958" cy="95661"/>
           </a:xfrm>
           <a:prstGeom prst="rightArrow">
             <a:avLst/>
@@ -4260,7 +5036,11 @@
           <a:p>
             <a:r>
               <a:rPr lang="en-US" sz="1100" dirty="0"/>
-              <a:t>PC[5:2]</a:t>
+              <a:t>PC</a:t>
+            </a:r>
+            <a:r>
+              <a:rPr lang="en-US" sz="1100"/>
+              <a:t>[5:1]</a:t>
             </a:r>
             <a:endParaRPr lang="en-CA" sz="1100" dirty="0"/>
           </a:p>
@@ -4356,7 +5136,7 @@
             <a:pPr algn="ctr"/>
             <a:r>
               <a:rPr lang="en-US" sz="1100" dirty="0"/>
-              <a:t>Cache line in 1024</a:t>
+              <a:t>Cache line in 512</a:t>
             </a:r>
             <a:endParaRPr lang="en-CA" sz="1100" dirty="0"/>
           </a:p>
@@ -4535,63 +5315,6 @@
       </p:sp>
       <p:sp>
         <p:nvSpPr>
-          <p:cNvPr id="11" name="Rectangle 10">
-            <a:extLst>
-              <a:ext uri="{FF2B5EF4-FFF2-40B4-BE49-F238E27FC236}">
-                <a16:creationId xmlns:a16="http://schemas.microsoft.com/office/drawing/2014/main" id="{C8AD479D-A626-EA12-6778-37C1986598D7}"/>
-              </a:ext>
-            </a:extLst>
-          </p:cNvPr>
-          <p:cNvSpPr/>
-          <p:nvPr/>
-        </p:nvSpPr>
-        <p:spPr>
-          <a:xfrm>
-            <a:off x="2542858" y="3080605"/>
-            <a:ext cx="583096" cy="300383"/>
-          </a:xfrm>
-          <a:prstGeom prst="rect">
-            <a:avLst/>
-          </a:prstGeom>
-        </p:spPr>
-        <p:style>
-          <a:lnRef idx="2">
-            <a:schemeClr val="accent1">
-              <a:shade val="15000"/>
-            </a:schemeClr>
-          </a:lnRef>
-          <a:fillRef idx="1">
-            <a:schemeClr val="accent1"/>
-          </a:fillRef>
-          <a:effectRef idx="0">
-            <a:schemeClr val="accent1"/>
-          </a:effectRef>
-          <a:fontRef idx="minor">
-            <a:schemeClr val="lt1"/>
-          </a:fontRef>
-        </p:style>
-        <p:txBody>
-          <a:bodyPr rtlCol="0" anchor="ctr"/>
-          <a:lstStyle/>
-          <a:p>
-            <a:pPr algn="ctr"/>
-            <a:r>
-              <a:rPr lang="en-US" sz="1000" dirty="0"/>
-              <a:t>Extract</a:t>
-            </a:r>
-          </a:p>
-          <a:p>
-            <a:pPr algn="ctr"/>
-            <a:r>
-              <a:rPr lang="en-US" sz="1000" dirty="0"/>
-              <a:t>Ins #3</a:t>
-            </a:r>
-            <a:endParaRPr lang="en-CA" sz="1000" dirty="0"/>
-          </a:p>
-        </p:txBody>
-      </p:sp>
-      <p:sp>
-        <p:nvSpPr>
           <p:cNvPr id="12" name="Arrow: Down 11">
             <a:extLst>
               <a:ext uri="{FF2B5EF4-FFF2-40B4-BE49-F238E27FC236}">
@@ -4742,19 +5465,219 @@
       </p:sp>
       <p:sp>
         <p:nvSpPr>
-          <p:cNvPr id="15" name="Arrow: Down 14">
-            <a:extLst>
-              <a:ext uri="{FF2B5EF4-FFF2-40B4-BE49-F238E27FC236}">
-                <a16:creationId xmlns:a16="http://schemas.microsoft.com/office/drawing/2014/main" id="{BDAECFD9-FE9C-E2C7-8D42-FB8DDBD7BCDF}"/>
-              </a:ext>
-            </a:extLst>
-          </p:cNvPr>
-          <p:cNvSpPr/>
-          <p:nvPr/>
-        </p:nvSpPr>
-        <p:spPr>
-          <a:xfrm>
-            <a:off x="2524085" y="2780222"/>
+          <p:cNvPr id="17" name="Rectangle 16">
+            <a:extLst>
+              <a:ext uri="{FF2B5EF4-FFF2-40B4-BE49-F238E27FC236}">
+                <a16:creationId xmlns:a16="http://schemas.microsoft.com/office/drawing/2014/main" id="{0444BF74-CFF6-951A-87EC-16B2A330A5A0}"/>
+              </a:ext>
+            </a:extLst>
+          </p:cNvPr>
+          <p:cNvSpPr/>
+          <p:nvPr/>
+        </p:nvSpPr>
+        <p:spPr>
+          <a:xfrm>
+            <a:off x="4517433" y="3470439"/>
+            <a:ext cx="620642" cy="480743"/>
+          </a:xfrm>
+          <a:prstGeom prst="rect">
+            <a:avLst/>
+          </a:prstGeom>
+        </p:spPr>
+        <p:style>
+          <a:lnRef idx="2">
+            <a:schemeClr val="accent1">
+              <a:shade val="15000"/>
+            </a:schemeClr>
+          </a:lnRef>
+          <a:fillRef idx="1">
+            <a:schemeClr val="accent1"/>
+          </a:fillRef>
+          <a:effectRef idx="0">
+            <a:schemeClr val="accent1"/>
+          </a:effectRef>
+          <a:fontRef idx="minor">
+            <a:schemeClr val="lt1"/>
+          </a:fontRef>
+        </p:style>
+        <p:txBody>
+          <a:bodyPr rtlCol="0" anchor="ctr"/>
+          <a:lstStyle/>
+          <a:p>
+            <a:pPr algn="ctr"/>
+            <a:r>
+              <a:rPr lang="en-US" sz="1000" dirty="0"/>
+              <a:t>Branch Decode #0</a:t>
+            </a:r>
+            <a:endParaRPr lang="en-CA" sz="1000" dirty="0"/>
+          </a:p>
+        </p:txBody>
+      </p:sp>
+      <p:sp>
+        <p:nvSpPr>
+          <p:cNvPr id="18" name="Rectangle 17">
+            <a:extLst>
+              <a:ext uri="{FF2B5EF4-FFF2-40B4-BE49-F238E27FC236}">
+                <a16:creationId xmlns:a16="http://schemas.microsoft.com/office/drawing/2014/main" id="{09928937-A9AD-DE98-8A49-0F15062A99DD}"/>
+              </a:ext>
+            </a:extLst>
+          </p:cNvPr>
+          <p:cNvSpPr/>
+          <p:nvPr/>
+        </p:nvSpPr>
+        <p:spPr>
+          <a:xfrm>
+            <a:off x="3863658" y="3470438"/>
+            <a:ext cx="620642" cy="480743"/>
+          </a:xfrm>
+          <a:prstGeom prst="rect">
+            <a:avLst/>
+          </a:prstGeom>
+        </p:spPr>
+        <p:style>
+          <a:lnRef idx="2">
+            <a:schemeClr val="accent1">
+              <a:shade val="15000"/>
+            </a:schemeClr>
+          </a:lnRef>
+          <a:fillRef idx="1">
+            <a:schemeClr val="accent1"/>
+          </a:fillRef>
+          <a:effectRef idx="0">
+            <a:schemeClr val="accent1"/>
+          </a:effectRef>
+          <a:fontRef idx="minor">
+            <a:schemeClr val="lt1"/>
+          </a:fontRef>
+        </p:style>
+        <p:txBody>
+          <a:bodyPr rtlCol="0" anchor="ctr"/>
+          <a:lstStyle/>
+          <a:p>
+            <a:pPr algn="ctr"/>
+            <a:r>
+              <a:rPr lang="en-US" sz="1000" dirty="0"/>
+              <a:t>Branch Decode #1</a:t>
+            </a:r>
+            <a:endParaRPr lang="en-CA" sz="1000" dirty="0"/>
+          </a:p>
+        </p:txBody>
+      </p:sp>
+      <p:sp>
+        <p:nvSpPr>
+          <p:cNvPr id="19" name="Rectangle 18">
+            <a:extLst>
+              <a:ext uri="{FF2B5EF4-FFF2-40B4-BE49-F238E27FC236}">
+                <a16:creationId xmlns:a16="http://schemas.microsoft.com/office/drawing/2014/main" id="{0E55A60A-01AE-6211-2F8A-CA5112759DAE}"/>
+              </a:ext>
+            </a:extLst>
+          </p:cNvPr>
+          <p:cNvSpPr/>
+          <p:nvPr/>
+        </p:nvSpPr>
+        <p:spPr>
+          <a:xfrm>
+            <a:off x="3201050" y="3470438"/>
+            <a:ext cx="620642" cy="480743"/>
+          </a:xfrm>
+          <a:prstGeom prst="rect">
+            <a:avLst/>
+          </a:prstGeom>
+        </p:spPr>
+        <p:style>
+          <a:lnRef idx="2">
+            <a:schemeClr val="accent1">
+              <a:shade val="15000"/>
+            </a:schemeClr>
+          </a:lnRef>
+          <a:fillRef idx="1">
+            <a:schemeClr val="accent1"/>
+          </a:fillRef>
+          <a:effectRef idx="0">
+            <a:schemeClr val="accent1"/>
+          </a:effectRef>
+          <a:fontRef idx="minor">
+            <a:schemeClr val="lt1"/>
+          </a:fontRef>
+        </p:style>
+        <p:txBody>
+          <a:bodyPr rtlCol="0" anchor="ctr"/>
+          <a:lstStyle/>
+          <a:p>
+            <a:pPr algn="ctr"/>
+            <a:r>
+              <a:rPr lang="en-US" sz="1000" dirty="0"/>
+              <a:t>Branch Decode #2</a:t>
+            </a:r>
+            <a:endParaRPr lang="en-CA" sz="1000" dirty="0"/>
+          </a:p>
+        </p:txBody>
+      </p:sp>
+      <p:sp>
+        <p:nvSpPr>
+          <p:cNvPr id="20" name="Rectangle 19">
+            <a:extLst>
+              <a:ext uri="{FF2B5EF4-FFF2-40B4-BE49-F238E27FC236}">
+                <a16:creationId xmlns:a16="http://schemas.microsoft.com/office/drawing/2014/main" id="{34CB261E-026D-6907-AD30-CF0B591A724F}"/>
+              </a:ext>
+            </a:extLst>
+          </p:cNvPr>
+          <p:cNvSpPr/>
+          <p:nvPr/>
+        </p:nvSpPr>
+        <p:spPr>
+          <a:xfrm>
+            <a:off x="1870502" y="4251564"/>
+            <a:ext cx="6888738" cy="300383"/>
+          </a:xfrm>
+          <a:prstGeom prst="rect">
+            <a:avLst/>
+          </a:prstGeom>
+        </p:spPr>
+        <p:style>
+          <a:lnRef idx="2">
+            <a:schemeClr val="accent1">
+              <a:shade val="15000"/>
+            </a:schemeClr>
+          </a:lnRef>
+          <a:fillRef idx="1">
+            <a:schemeClr val="accent1"/>
+          </a:fillRef>
+          <a:effectRef idx="0">
+            <a:schemeClr val="accent1"/>
+          </a:effectRef>
+          <a:fontRef idx="minor">
+            <a:schemeClr val="lt1"/>
+          </a:fontRef>
+        </p:style>
+        <p:txBody>
+          <a:bodyPr rtlCol="0" anchor="ctr"/>
+          <a:lstStyle/>
+          <a:p>
+            <a:pPr algn="ctr"/>
+            <a:r>
+              <a:rPr lang="en-US" sz="1100" dirty="0"/>
+              <a:t>5x 2:1 Mux</a:t>
+            </a:r>
+            <a:endParaRPr lang="en-CA" sz="1100" dirty="0"/>
+          </a:p>
+        </p:txBody>
+      </p:sp>
+      <p:sp>
+        <p:nvSpPr>
+          <p:cNvPr id="21" name="Arrow: Down 20">
+            <a:extLst>
+              <a:ext uri="{FF2B5EF4-FFF2-40B4-BE49-F238E27FC236}">
+                <a16:creationId xmlns:a16="http://schemas.microsoft.com/office/drawing/2014/main" id="{C7AC94DC-C20E-D6B4-9F48-7D1A03BE529B}"/>
+              </a:ext>
+            </a:extLst>
+          </p:cNvPr>
+          <p:cNvSpPr/>
+          <p:nvPr/>
+        </p:nvSpPr>
+        <p:spPr>
+          <a:xfrm>
+            <a:off x="5523495" y="3936502"/>
             <a:ext cx="620642" cy="300383"/>
           </a:xfrm>
           <a:prstGeom prst="downArrow">
@@ -4792,306 +5715,6 @@
       </p:sp>
       <p:sp>
         <p:nvSpPr>
-          <p:cNvPr id="16" name="Rectangle 15">
-            <a:extLst>
-              <a:ext uri="{FF2B5EF4-FFF2-40B4-BE49-F238E27FC236}">
-                <a16:creationId xmlns:a16="http://schemas.microsoft.com/office/drawing/2014/main" id="{EEAACC6D-5F10-9476-6AF7-25E7D777913C}"/>
-              </a:ext>
-            </a:extLst>
-          </p:cNvPr>
-          <p:cNvSpPr/>
-          <p:nvPr/>
-        </p:nvSpPr>
-        <p:spPr>
-          <a:xfrm>
-            <a:off x="2542858" y="3470438"/>
-            <a:ext cx="620642" cy="480743"/>
-          </a:xfrm>
-          <a:prstGeom prst="rect">
-            <a:avLst/>
-          </a:prstGeom>
-        </p:spPr>
-        <p:style>
-          <a:lnRef idx="2">
-            <a:schemeClr val="accent1">
-              <a:shade val="15000"/>
-            </a:schemeClr>
-          </a:lnRef>
-          <a:fillRef idx="1">
-            <a:schemeClr val="accent1"/>
-          </a:fillRef>
-          <a:effectRef idx="0">
-            <a:schemeClr val="accent1"/>
-          </a:effectRef>
-          <a:fontRef idx="minor">
-            <a:schemeClr val="lt1"/>
-          </a:fontRef>
-        </p:style>
-        <p:txBody>
-          <a:bodyPr rtlCol="0" anchor="ctr"/>
-          <a:lstStyle/>
-          <a:p>
-            <a:pPr algn="ctr"/>
-            <a:r>
-              <a:rPr lang="en-US" sz="1000" dirty="0"/>
-              <a:t>Branch Decode #3</a:t>
-            </a:r>
-            <a:endParaRPr lang="en-CA" sz="1000" dirty="0"/>
-          </a:p>
-        </p:txBody>
-      </p:sp>
-      <p:sp>
-        <p:nvSpPr>
-          <p:cNvPr id="17" name="Rectangle 16">
-            <a:extLst>
-              <a:ext uri="{FF2B5EF4-FFF2-40B4-BE49-F238E27FC236}">
-                <a16:creationId xmlns:a16="http://schemas.microsoft.com/office/drawing/2014/main" id="{0444BF74-CFF6-951A-87EC-16B2A330A5A0}"/>
-              </a:ext>
-            </a:extLst>
-          </p:cNvPr>
-          <p:cNvSpPr/>
-          <p:nvPr/>
-        </p:nvSpPr>
-        <p:spPr>
-          <a:xfrm>
-            <a:off x="4517433" y="3470439"/>
-            <a:ext cx="620642" cy="480743"/>
-          </a:xfrm>
-          <a:prstGeom prst="rect">
-            <a:avLst/>
-          </a:prstGeom>
-        </p:spPr>
-        <p:style>
-          <a:lnRef idx="2">
-            <a:schemeClr val="accent1">
-              <a:shade val="15000"/>
-            </a:schemeClr>
-          </a:lnRef>
-          <a:fillRef idx="1">
-            <a:schemeClr val="accent1"/>
-          </a:fillRef>
-          <a:effectRef idx="0">
-            <a:schemeClr val="accent1"/>
-          </a:effectRef>
-          <a:fontRef idx="minor">
-            <a:schemeClr val="lt1"/>
-          </a:fontRef>
-        </p:style>
-        <p:txBody>
-          <a:bodyPr rtlCol="0" anchor="ctr"/>
-          <a:lstStyle/>
-          <a:p>
-            <a:pPr algn="ctr"/>
-            <a:r>
-              <a:rPr lang="en-US" sz="1000" dirty="0"/>
-              <a:t>Branch Decode #0</a:t>
-            </a:r>
-            <a:endParaRPr lang="en-CA" sz="1000" dirty="0"/>
-          </a:p>
-        </p:txBody>
-      </p:sp>
-      <p:sp>
-        <p:nvSpPr>
-          <p:cNvPr id="18" name="Rectangle 17">
-            <a:extLst>
-              <a:ext uri="{FF2B5EF4-FFF2-40B4-BE49-F238E27FC236}">
-                <a16:creationId xmlns:a16="http://schemas.microsoft.com/office/drawing/2014/main" id="{09928937-A9AD-DE98-8A49-0F15062A99DD}"/>
-              </a:ext>
-            </a:extLst>
-          </p:cNvPr>
-          <p:cNvSpPr/>
-          <p:nvPr/>
-        </p:nvSpPr>
-        <p:spPr>
-          <a:xfrm>
-            <a:off x="3863658" y="3470438"/>
-            <a:ext cx="620642" cy="480743"/>
-          </a:xfrm>
-          <a:prstGeom prst="rect">
-            <a:avLst/>
-          </a:prstGeom>
-        </p:spPr>
-        <p:style>
-          <a:lnRef idx="2">
-            <a:schemeClr val="accent1">
-              <a:shade val="15000"/>
-            </a:schemeClr>
-          </a:lnRef>
-          <a:fillRef idx="1">
-            <a:schemeClr val="accent1"/>
-          </a:fillRef>
-          <a:effectRef idx="0">
-            <a:schemeClr val="accent1"/>
-          </a:effectRef>
-          <a:fontRef idx="minor">
-            <a:schemeClr val="lt1"/>
-          </a:fontRef>
-        </p:style>
-        <p:txBody>
-          <a:bodyPr rtlCol="0" anchor="ctr"/>
-          <a:lstStyle/>
-          <a:p>
-            <a:pPr algn="ctr"/>
-            <a:r>
-              <a:rPr lang="en-US" sz="1000" dirty="0"/>
-              <a:t>Branch Decode #1</a:t>
-            </a:r>
-            <a:endParaRPr lang="en-CA" sz="1000" dirty="0"/>
-          </a:p>
-        </p:txBody>
-      </p:sp>
-      <p:sp>
-        <p:nvSpPr>
-          <p:cNvPr id="19" name="Rectangle 18">
-            <a:extLst>
-              <a:ext uri="{FF2B5EF4-FFF2-40B4-BE49-F238E27FC236}">
-                <a16:creationId xmlns:a16="http://schemas.microsoft.com/office/drawing/2014/main" id="{0E55A60A-01AE-6211-2F8A-CA5112759DAE}"/>
-              </a:ext>
-            </a:extLst>
-          </p:cNvPr>
-          <p:cNvSpPr/>
-          <p:nvPr/>
-        </p:nvSpPr>
-        <p:spPr>
-          <a:xfrm>
-            <a:off x="3201050" y="3470438"/>
-            <a:ext cx="620642" cy="480743"/>
-          </a:xfrm>
-          <a:prstGeom prst="rect">
-            <a:avLst/>
-          </a:prstGeom>
-        </p:spPr>
-        <p:style>
-          <a:lnRef idx="2">
-            <a:schemeClr val="accent1">
-              <a:shade val="15000"/>
-            </a:schemeClr>
-          </a:lnRef>
-          <a:fillRef idx="1">
-            <a:schemeClr val="accent1"/>
-          </a:fillRef>
-          <a:effectRef idx="0">
-            <a:schemeClr val="accent1"/>
-          </a:effectRef>
-          <a:fontRef idx="minor">
-            <a:schemeClr val="lt1"/>
-          </a:fontRef>
-        </p:style>
-        <p:txBody>
-          <a:bodyPr rtlCol="0" anchor="ctr"/>
-          <a:lstStyle/>
-          <a:p>
-            <a:pPr algn="ctr"/>
-            <a:r>
-              <a:rPr lang="en-US" sz="1000" dirty="0"/>
-              <a:t>Branch Decode #2</a:t>
-            </a:r>
-            <a:endParaRPr lang="en-CA" sz="1000" dirty="0"/>
-          </a:p>
-        </p:txBody>
-      </p:sp>
-      <p:sp>
-        <p:nvSpPr>
-          <p:cNvPr id="20" name="Rectangle 19">
-            <a:extLst>
-              <a:ext uri="{FF2B5EF4-FFF2-40B4-BE49-F238E27FC236}">
-                <a16:creationId xmlns:a16="http://schemas.microsoft.com/office/drawing/2014/main" id="{34CB261E-026D-6907-AD30-CF0B591A724F}"/>
-              </a:ext>
-            </a:extLst>
-          </p:cNvPr>
-          <p:cNvSpPr/>
-          <p:nvPr/>
-        </p:nvSpPr>
-        <p:spPr>
-          <a:xfrm>
-            <a:off x="2542858" y="4238718"/>
-            <a:ext cx="5643217" cy="300383"/>
-          </a:xfrm>
-          <a:prstGeom prst="rect">
-            <a:avLst/>
-          </a:prstGeom>
-        </p:spPr>
-        <p:style>
-          <a:lnRef idx="2">
-            <a:schemeClr val="accent1">
-              <a:shade val="15000"/>
-            </a:schemeClr>
-          </a:lnRef>
-          <a:fillRef idx="1">
-            <a:schemeClr val="accent1"/>
-          </a:fillRef>
-          <a:effectRef idx="0">
-            <a:schemeClr val="accent1"/>
-          </a:effectRef>
-          <a:fontRef idx="minor">
-            <a:schemeClr val="lt1"/>
-          </a:fontRef>
-        </p:style>
-        <p:txBody>
-          <a:bodyPr rtlCol="0" anchor="ctr"/>
-          <a:lstStyle/>
-          <a:p>
-            <a:pPr algn="ctr"/>
-            <a:r>
-              <a:rPr lang="en-US" sz="1100" dirty="0"/>
-              <a:t>4x 2:1 Mux</a:t>
-            </a:r>
-            <a:endParaRPr lang="en-CA" sz="1100" dirty="0"/>
-          </a:p>
-        </p:txBody>
-      </p:sp>
-      <p:sp>
-        <p:nvSpPr>
-          <p:cNvPr id="21" name="Arrow: Down 20">
-            <a:extLst>
-              <a:ext uri="{FF2B5EF4-FFF2-40B4-BE49-F238E27FC236}">
-                <a16:creationId xmlns:a16="http://schemas.microsoft.com/office/drawing/2014/main" id="{C7AC94DC-C20E-D6B4-9F48-7D1A03BE529B}"/>
-              </a:ext>
-            </a:extLst>
-          </p:cNvPr>
-          <p:cNvSpPr/>
-          <p:nvPr/>
-        </p:nvSpPr>
-        <p:spPr>
-          <a:xfrm>
-            <a:off x="5523495" y="3936502"/>
-            <a:ext cx="620642" cy="300383"/>
-          </a:xfrm>
-          <a:prstGeom prst="downArrow">
-            <a:avLst/>
-          </a:prstGeom>
-        </p:spPr>
-        <p:style>
-          <a:lnRef idx="2">
-            <a:schemeClr val="accent1">
-              <a:shade val="15000"/>
-            </a:schemeClr>
-          </a:lnRef>
-          <a:fillRef idx="1">
-            <a:schemeClr val="accent1"/>
-          </a:fillRef>
-          <a:effectRef idx="0">
-            <a:schemeClr val="accent1"/>
-          </a:effectRef>
-          <a:fontRef idx="minor">
-            <a:schemeClr val="lt1"/>
-          </a:fontRef>
-        </p:style>
-        <p:txBody>
-          <a:bodyPr rtlCol="0" anchor="ctr"/>
-          <a:lstStyle/>
-          <a:p>
-            <a:pPr algn="ctr"/>
-            <a:r>
-              <a:rPr lang="en-US" sz="900" dirty="0"/>
-              <a:t>32</a:t>
-            </a:r>
-            <a:endParaRPr lang="en-CA" sz="900" dirty="0"/>
-          </a:p>
-        </p:txBody>
-      </p:sp>
-      <p:sp>
-        <p:nvSpPr>
           <p:cNvPr id="22" name="Arrow: Down 21">
             <a:extLst>
               <a:ext uri="{FF2B5EF4-FFF2-40B4-BE49-F238E27FC236}">
@@ -5134,7 +5757,7 @@
             <a:pPr algn="ctr"/>
             <a:r>
               <a:rPr lang="en-US" sz="900" dirty="0"/>
-              <a:t>32</a:t>
+              <a:t>48</a:t>
             </a:r>
             <a:endParaRPr lang="en-CA" sz="900" dirty="0"/>
           </a:p>
@@ -5184,57 +5807,7 @@
             <a:pPr algn="ctr"/>
             <a:r>
               <a:rPr lang="en-US" sz="900" dirty="0"/>
-              <a:t>32</a:t>
-            </a:r>
-            <a:endParaRPr lang="en-CA" sz="900" dirty="0"/>
-          </a:p>
-        </p:txBody>
-      </p:sp>
-      <p:sp>
-        <p:nvSpPr>
-          <p:cNvPr id="24" name="Arrow: Down 23">
-            <a:extLst>
-              <a:ext uri="{FF2B5EF4-FFF2-40B4-BE49-F238E27FC236}">
-                <a16:creationId xmlns:a16="http://schemas.microsoft.com/office/drawing/2014/main" id="{53ACE3A7-C2C0-1890-474B-30518BBE8882}"/>
-              </a:ext>
-            </a:extLst>
-          </p:cNvPr>
-          <p:cNvSpPr/>
-          <p:nvPr/>
-        </p:nvSpPr>
-        <p:spPr>
-          <a:xfrm>
-            <a:off x="7484822" y="3936502"/>
-            <a:ext cx="620642" cy="300383"/>
-          </a:xfrm>
-          <a:prstGeom prst="downArrow">
-            <a:avLst/>
-          </a:prstGeom>
-        </p:spPr>
-        <p:style>
-          <a:lnRef idx="2">
-            <a:schemeClr val="accent1">
-              <a:shade val="15000"/>
-            </a:schemeClr>
-          </a:lnRef>
-          <a:fillRef idx="1">
-            <a:schemeClr val="accent1"/>
-          </a:fillRef>
-          <a:effectRef idx="0">
-            <a:schemeClr val="accent1"/>
-          </a:effectRef>
-          <a:fontRef idx="minor">
-            <a:schemeClr val="lt1"/>
-          </a:fontRef>
-        </p:style>
-        <p:txBody>
-          <a:bodyPr rtlCol="0" anchor="ctr"/>
-          <a:lstStyle/>
-          <a:p>
-            <a:pPr algn="ctr"/>
-            <a:r>
-              <a:rPr lang="en-US" sz="900" dirty="0"/>
-              <a:t>32</a:t>
+              <a:t>48</a:t>
             </a:r>
             <a:endParaRPr lang="en-CA" sz="900" dirty="0"/>
           </a:p>
@@ -5284,7 +5857,7 @@
             <a:pPr algn="ctr"/>
             <a:r>
               <a:rPr lang="en-US" sz="900" dirty="0"/>
-              <a:t>32</a:t>
+              <a:t>48</a:t>
             </a:r>
             <a:endParaRPr lang="en-CA" sz="900" dirty="0"/>
           </a:p>
@@ -5334,7 +5907,7 @@
             <a:pPr algn="ctr"/>
             <a:r>
               <a:rPr lang="en-US" sz="900" dirty="0"/>
-              <a:t>32</a:t>
+              <a:t>48</a:t>
             </a:r>
             <a:endParaRPr lang="en-CA" sz="900" dirty="0"/>
           </a:p>
@@ -5384,7 +5957,7 @@
             <a:pPr algn="ctr"/>
             <a:r>
               <a:rPr lang="en-US" sz="900" dirty="0"/>
-              <a:t>32</a:t>
+              <a:t>48</a:t>
             </a:r>
             <a:endParaRPr lang="en-CA" sz="900" dirty="0"/>
           </a:p>
@@ -5392,56 +5965,6 @@
       </p:sp>
       <p:sp>
         <p:nvSpPr>
-          <p:cNvPr id="28" name="Arrow: Down 27">
-            <a:extLst>
-              <a:ext uri="{FF2B5EF4-FFF2-40B4-BE49-F238E27FC236}">
-                <a16:creationId xmlns:a16="http://schemas.microsoft.com/office/drawing/2014/main" id="{F6B60F17-07FB-8592-78A6-C5510BDA87CA}"/>
-              </a:ext>
-            </a:extLst>
-          </p:cNvPr>
-          <p:cNvSpPr/>
-          <p:nvPr/>
-        </p:nvSpPr>
-        <p:spPr>
-          <a:xfrm>
-            <a:off x="2561633" y="3951181"/>
-            <a:ext cx="620642" cy="300383"/>
-          </a:xfrm>
-          <a:prstGeom prst="downArrow">
-            <a:avLst/>
-          </a:prstGeom>
-        </p:spPr>
-        <p:style>
-          <a:lnRef idx="2">
-            <a:schemeClr val="accent1">
-              <a:shade val="15000"/>
-            </a:schemeClr>
-          </a:lnRef>
-          <a:fillRef idx="1">
-            <a:schemeClr val="accent1"/>
-          </a:fillRef>
-          <a:effectRef idx="0">
-            <a:schemeClr val="accent1"/>
-          </a:effectRef>
-          <a:fontRef idx="minor">
-            <a:schemeClr val="lt1"/>
-          </a:fontRef>
-        </p:style>
-        <p:txBody>
-          <a:bodyPr rtlCol="0" anchor="ctr"/>
-          <a:lstStyle/>
-          <a:p>
-            <a:pPr algn="ctr"/>
-            <a:r>
-              <a:rPr lang="en-US" sz="900" dirty="0"/>
-              <a:t>32</a:t>
-            </a:r>
-            <a:endParaRPr lang="en-CA" sz="900" dirty="0"/>
-          </a:p>
-        </p:txBody>
-      </p:sp>
-      <p:sp>
-        <p:nvSpPr>
           <p:cNvPr id="29" name="TextBox 28">
             <a:extLst>
               <a:ext uri="{FF2B5EF4-FFF2-40B4-BE49-F238E27FC236}">
@@ -5455,7 +5978,7 @@
         <p:spPr>
           <a:xfrm>
             <a:off x="5293125" y="3572309"/>
-            <a:ext cx="3075842" cy="276999"/>
+            <a:ext cx="3038717" cy="276999"/>
           </a:xfrm>
           <a:prstGeom prst="rect">
             <a:avLst/>
@@ -5470,7 +5993,7 @@
           <a:p>
             <a:r>
               <a:rPr lang="en-US" sz="1200" dirty="0"/>
-              <a:t>Four Instructions from micro-code machine</a:t>
+              <a:t>Five Instructions from micro-code machine</a:t>
             </a:r>
             <a:endParaRPr lang="en-CA" sz="1200" dirty="0"/>
           </a:p>
@@ -5490,7 +6013,7 @@
         </p:nvSpPr>
         <p:spPr>
           <a:xfrm>
-            <a:off x="678886" y="3559952"/>
+            <a:off x="33946" y="3581083"/>
             <a:ext cx="1220014" cy="276999"/>
           </a:xfrm>
           <a:prstGeom prst="rect">
@@ -5564,56 +6087,6 @@
       </p:sp>
       <p:sp>
         <p:nvSpPr>
-          <p:cNvPr id="33" name="Arrow: Down 32">
-            <a:extLst>
-              <a:ext uri="{FF2B5EF4-FFF2-40B4-BE49-F238E27FC236}">
-                <a16:creationId xmlns:a16="http://schemas.microsoft.com/office/drawing/2014/main" id="{52B6D72F-9592-D826-9B49-50A1B8A542BE}"/>
-              </a:ext>
-            </a:extLst>
-          </p:cNvPr>
-          <p:cNvSpPr/>
-          <p:nvPr/>
-        </p:nvSpPr>
-        <p:spPr>
-          <a:xfrm>
-            <a:off x="3821692" y="4543193"/>
-            <a:ext cx="620642" cy="533047"/>
-          </a:xfrm>
-          <a:prstGeom prst="downArrow">
-            <a:avLst/>
-          </a:prstGeom>
-        </p:spPr>
-        <p:style>
-          <a:lnRef idx="2">
-            <a:schemeClr val="accent1">
-              <a:shade val="15000"/>
-            </a:schemeClr>
-          </a:lnRef>
-          <a:fillRef idx="1">
-            <a:schemeClr val="accent1"/>
-          </a:fillRef>
-          <a:effectRef idx="0">
-            <a:schemeClr val="accent1"/>
-          </a:effectRef>
-          <a:fontRef idx="minor">
-            <a:schemeClr val="lt1"/>
-          </a:fontRef>
-        </p:style>
-        <p:txBody>
-          <a:bodyPr rtlCol="0" anchor="ctr"/>
-          <a:lstStyle/>
-          <a:p>
-            <a:pPr algn="ctr"/>
-            <a:r>
-              <a:rPr lang="en-US" sz="900" dirty="0"/>
-              <a:t>32</a:t>
-            </a:r>
-            <a:endParaRPr lang="en-CA" sz="900" dirty="0"/>
-          </a:p>
-        </p:txBody>
-      </p:sp>
-      <p:sp>
-        <p:nvSpPr>
           <p:cNvPr id="34" name="Arrow: Down 33">
             <a:extLst>
               <a:ext uri="{FF2B5EF4-FFF2-40B4-BE49-F238E27FC236}">
@@ -5656,7 +6129,7 @@
             <a:pPr algn="ctr"/>
             <a:r>
               <a:rPr lang="en-US" sz="900" dirty="0"/>
-              <a:t>32</a:t>
+              <a:t>48</a:t>
             </a:r>
             <a:endParaRPr lang="en-CA" sz="900" dirty="0"/>
           </a:p>
@@ -5706,7 +6179,7 @@
             <a:pPr algn="ctr"/>
             <a:r>
               <a:rPr lang="en-US" sz="900" dirty="0"/>
-              <a:t>32</a:t>
+              <a:t>48</a:t>
             </a:r>
             <a:endParaRPr lang="en-CA" sz="900" dirty="0"/>
           </a:p>
@@ -5756,7 +6229,7 @@
             <a:pPr algn="ctr"/>
             <a:r>
               <a:rPr lang="en-US" sz="900" dirty="0"/>
-              <a:t>32</a:t>
+              <a:t>48</a:t>
             </a:r>
             <a:endParaRPr lang="en-CA" sz="900" dirty="0"/>
           </a:p>
@@ -5842,7 +6315,7 @@
             </a:pPr>
             <a:r>
               <a:rPr lang="en-US" sz="1400" dirty="0"/>
-              <a:t>Four instructions are extracted from the right.</a:t>
+              <a:t>Five instructions are extracted from the right.</a:t>
             </a:r>
           </a:p>
           <a:p>
@@ -5970,7 +6443,7 @@
         <p:spPr>
           <a:xfrm>
             <a:off x="1660384" y="1764660"/>
-            <a:ext cx="3464923" cy="276999"/>
+            <a:ext cx="3246786" cy="276999"/>
           </a:xfrm>
           <a:prstGeom prst="rect">
             <a:avLst/>
@@ -5985,9 +6458,623 @@
           <a:p>
             <a:r>
               <a:rPr lang="en-US" sz="1200" dirty="0"/>
-              <a:t>1024b cache  line pair from instruction fetch stage</a:t>
+              <a:t>512b cache  line from instruction fetch stage</a:t>
             </a:r>
             <a:endParaRPr lang="en-CA" sz="1200" dirty="0"/>
+          </a:p>
+        </p:txBody>
+      </p:sp>
+      <p:sp>
+        <p:nvSpPr>
+          <p:cNvPr id="3" name="Arrow: Down 2">
+            <a:extLst>
+              <a:ext uri="{FF2B5EF4-FFF2-40B4-BE49-F238E27FC236}">
+                <a16:creationId xmlns:a16="http://schemas.microsoft.com/office/drawing/2014/main" id="{6BEEB1B9-7B1F-13BE-10C6-585A270710C2}"/>
+              </a:ext>
+            </a:extLst>
+          </p:cNvPr>
+          <p:cNvSpPr/>
+          <p:nvPr/>
+        </p:nvSpPr>
+        <p:spPr>
+          <a:xfrm>
+            <a:off x="2524085" y="2773218"/>
+            <a:ext cx="620642" cy="300383"/>
+          </a:xfrm>
+          <a:prstGeom prst="downArrow">
+            <a:avLst/>
+          </a:prstGeom>
+        </p:spPr>
+        <p:style>
+          <a:lnRef idx="2">
+            <a:schemeClr val="accent1">
+              <a:shade val="15000"/>
+            </a:schemeClr>
+          </a:lnRef>
+          <a:fillRef idx="1">
+            <a:schemeClr val="accent1"/>
+          </a:fillRef>
+          <a:effectRef idx="0">
+            <a:schemeClr val="accent1"/>
+          </a:effectRef>
+          <a:fontRef idx="minor">
+            <a:schemeClr val="lt1"/>
+          </a:fontRef>
+        </p:style>
+        <p:txBody>
+          <a:bodyPr rtlCol="0" anchor="ctr"/>
+          <a:lstStyle/>
+          <a:p>
+            <a:pPr algn="ctr"/>
+            <a:r>
+              <a:rPr lang="en-US" sz="900" dirty="0"/>
+              <a:t>48</a:t>
+            </a:r>
+            <a:endParaRPr lang="en-CA" sz="900" dirty="0"/>
+          </a:p>
+        </p:txBody>
+      </p:sp>
+      <p:sp>
+        <p:nvSpPr>
+          <p:cNvPr id="39" name="Arrow: Down 38">
+            <a:extLst>
+              <a:ext uri="{FF2B5EF4-FFF2-40B4-BE49-F238E27FC236}">
+                <a16:creationId xmlns:a16="http://schemas.microsoft.com/office/drawing/2014/main" id="{3B73F1F2-519F-1600-2671-AC5D96A076C3}"/>
+              </a:ext>
+            </a:extLst>
+          </p:cNvPr>
+          <p:cNvSpPr/>
+          <p:nvPr/>
+        </p:nvSpPr>
+        <p:spPr>
+          <a:xfrm>
+            <a:off x="1893706" y="2778682"/>
+            <a:ext cx="620642" cy="300383"/>
+          </a:xfrm>
+          <a:prstGeom prst="downArrow">
+            <a:avLst/>
+          </a:prstGeom>
+        </p:spPr>
+        <p:style>
+          <a:lnRef idx="2">
+            <a:schemeClr val="accent1">
+              <a:shade val="15000"/>
+            </a:schemeClr>
+          </a:lnRef>
+          <a:fillRef idx="1">
+            <a:schemeClr val="accent1"/>
+          </a:fillRef>
+          <a:effectRef idx="0">
+            <a:schemeClr val="accent1"/>
+          </a:effectRef>
+          <a:fontRef idx="minor">
+            <a:schemeClr val="lt1"/>
+          </a:fontRef>
+        </p:style>
+        <p:txBody>
+          <a:bodyPr rtlCol="0" anchor="ctr"/>
+          <a:lstStyle/>
+          <a:p>
+            <a:pPr algn="ctr"/>
+            <a:r>
+              <a:rPr lang="en-US" sz="900" dirty="0"/>
+              <a:t>48</a:t>
+            </a:r>
+            <a:endParaRPr lang="en-CA" sz="900" dirty="0"/>
+          </a:p>
+        </p:txBody>
+      </p:sp>
+      <p:sp>
+        <p:nvSpPr>
+          <p:cNvPr id="43" name="Rectangle 42">
+            <a:extLst>
+              <a:ext uri="{FF2B5EF4-FFF2-40B4-BE49-F238E27FC236}">
+                <a16:creationId xmlns:a16="http://schemas.microsoft.com/office/drawing/2014/main" id="{B5A87727-E716-AAA1-E489-9C1DA738B6D5}"/>
+              </a:ext>
+            </a:extLst>
+          </p:cNvPr>
+          <p:cNvSpPr/>
+          <p:nvPr/>
+        </p:nvSpPr>
+        <p:spPr>
+          <a:xfrm>
+            <a:off x="2561631" y="3084849"/>
+            <a:ext cx="583096" cy="300383"/>
+          </a:xfrm>
+          <a:prstGeom prst="rect">
+            <a:avLst/>
+          </a:prstGeom>
+        </p:spPr>
+        <p:style>
+          <a:lnRef idx="2">
+            <a:schemeClr val="accent1">
+              <a:shade val="15000"/>
+            </a:schemeClr>
+          </a:lnRef>
+          <a:fillRef idx="1">
+            <a:schemeClr val="accent1"/>
+          </a:fillRef>
+          <a:effectRef idx="0">
+            <a:schemeClr val="accent1"/>
+          </a:effectRef>
+          <a:fontRef idx="minor">
+            <a:schemeClr val="lt1"/>
+          </a:fontRef>
+        </p:style>
+        <p:txBody>
+          <a:bodyPr rtlCol="0" anchor="ctr"/>
+          <a:lstStyle/>
+          <a:p>
+            <a:pPr algn="ctr"/>
+            <a:r>
+              <a:rPr lang="en-US" sz="1000" dirty="0"/>
+              <a:t>Extract</a:t>
+            </a:r>
+          </a:p>
+          <a:p>
+            <a:pPr algn="ctr"/>
+            <a:r>
+              <a:rPr lang="en-US" sz="1000" dirty="0"/>
+              <a:t>Ins #3</a:t>
+            </a:r>
+            <a:endParaRPr lang="en-CA" sz="1000" dirty="0"/>
+          </a:p>
+        </p:txBody>
+      </p:sp>
+      <p:sp>
+        <p:nvSpPr>
+          <p:cNvPr id="44" name="Rectangle 43">
+            <a:extLst>
+              <a:ext uri="{FF2B5EF4-FFF2-40B4-BE49-F238E27FC236}">
+                <a16:creationId xmlns:a16="http://schemas.microsoft.com/office/drawing/2014/main" id="{0E31EA34-495E-3A46-E3AD-2D861E77FD88}"/>
+              </a:ext>
+            </a:extLst>
+          </p:cNvPr>
+          <p:cNvSpPr/>
+          <p:nvPr/>
+        </p:nvSpPr>
+        <p:spPr>
+          <a:xfrm>
+            <a:off x="1893706" y="3091911"/>
+            <a:ext cx="583096" cy="300383"/>
+          </a:xfrm>
+          <a:prstGeom prst="rect">
+            <a:avLst/>
+          </a:prstGeom>
+        </p:spPr>
+        <p:style>
+          <a:lnRef idx="2">
+            <a:schemeClr val="accent1">
+              <a:shade val="15000"/>
+            </a:schemeClr>
+          </a:lnRef>
+          <a:fillRef idx="1">
+            <a:schemeClr val="accent1"/>
+          </a:fillRef>
+          <a:effectRef idx="0">
+            <a:schemeClr val="accent1"/>
+          </a:effectRef>
+          <a:fontRef idx="minor">
+            <a:schemeClr val="lt1"/>
+          </a:fontRef>
+        </p:style>
+        <p:txBody>
+          <a:bodyPr rtlCol="0" anchor="ctr"/>
+          <a:lstStyle/>
+          <a:p>
+            <a:pPr algn="ctr"/>
+            <a:r>
+              <a:rPr lang="en-US" sz="1000" dirty="0"/>
+              <a:t>Extract</a:t>
+            </a:r>
+          </a:p>
+          <a:p>
+            <a:pPr algn="ctr"/>
+            <a:r>
+              <a:rPr lang="en-US" sz="1000" dirty="0"/>
+              <a:t>Ins #4</a:t>
+            </a:r>
+            <a:endParaRPr lang="en-CA" sz="1000" dirty="0"/>
+          </a:p>
+        </p:txBody>
+      </p:sp>
+      <p:sp>
+        <p:nvSpPr>
+          <p:cNvPr id="45" name="Rectangle 44">
+            <a:extLst>
+              <a:ext uri="{FF2B5EF4-FFF2-40B4-BE49-F238E27FC236}">
+                <a16:creationId xmlns:a16="http://schemas.microsoft.com/office/drawing/2014/main" id="{E345E55C-95CE-16C5-C38E-EFE57BA529CA}"/>
+              </a:ext>
+            </a:extLst>
+          </p:cNvPr>
+          <p:cNvSpPr/>
+          <p:nvPr/>
+        </p:nvSpPr>
+        <p:spPr>
+          <a:xfrm>
+            <a:off x="2535776" y="3444374"/>
+            <a:ext cx="620642" cy="480743"/>
+          </a:xfrm>
+          <a:prstGeom prst="rect">
+            <a:avLst/>
+          </a:prstGeom>
+        </p:spPr>
+        <p:style>
+          <a:lnRef idx="2">
+            <a:schemeClr val="accent1">
+              <a:shade val="15000"/>
+            </a:schemeClr>
+          </a:lnRef>
+          <a:fillRef idx="1">
+            <a:schemeClr val="accent1"/>
+          </a:fillRef>
+          <a:effectRef idx="0">
+            <a:schemeClr val="accent1"/>
+          </a:effectRef>
+          <a:fontRef idx="minor">
+            <a:schemeClr val="lt1"/>
+          </a:fontRef>
+        </p:style>
+        <p:txBody>
+          <a:bodyPr rtlCol="0" anchor="ctr"/>
+          <a:lstStyle/>
+          <a:p>
+            <a:pPr algn="ctr"/>
+            <a:r>
+              <a:rPr lang="en-US" sz="1000" dirty="0"/>
+              <a:t>Branch Decode #3</a:t>
+            </a:r>
+            <a:endParaRPr lang="en-CA" sz="1000" dirty="0"/>
+          </a:p>
+        </p:txBody>
+      </p:sp>
+      <p:sp>
+        <p:nvSpPr>
+          <p:cNvPr id="46" name="Rectangle 45">
+            <a:extLst>
+              <a:ext uri="{FF2B5EF4-FFF2-40B4-BE49-F238E27FC236}">
+                <a16:creationId xmlns:a16="http://schemas.microsoft.com/office/drawing/2014/main" id="{C254A83D-7105-CA95-F73E-4C82E0034354}"/>
+              </a:ext>
+            </a:extLst>
+          </p:cNvPr>
+          <p:cNvSpPr/>
+          <p:nvPr/>
+        </p:nvSpPr>
+        <p:spPr>
+          <a:xfrm>
+            <a:off x="1870502" y="3454461"/>
+            <a:ext cx="620642" cy="480743"/>
+          </a:xfrm>
+          <a:prstGeom prst="rect">
+            <a:avLst/>
+          </a:prstGeom>
+        </p:spPr>
+        <p:style>
+          <a:lnRef idx="2">
+            <a:schemeClr val="accent1">
+              <a:shade val="15000"/>
+            </a:schemeClr>
+          </a:lnRef>
+          <a:fillRef idx="1">
+            <a:schemeClr val="accent1"/>
+          </a:fillRef>
+          <a:effectRef idx="0">
+            <a:schemeClr val="accent1"/>
+          </a:effectRef>
+          <a:fontRef idx="minor">
+            <a:schemeClr val="lt1"/>
+          </a:fontRef>
+        </p:style>
+        <p:txBody>
+          <a:bodyPr rtlCol="0" anchor="ctr"/>
+          <a:lstStyle/>
+          <a:p>
+            <a:pPr algn="ctr"/>
+            <a:r>
+              <a:rPr lang="en-US" sz="1000" dirty="0"/>
+              <a:t>Branch Decode #4</a:t>
+            </a:r>
+            <a:endParaRPr lang="en-CA" sz="1000" dirty="0"/>
+          </a:p>
+        </p:txBody>
+      </p:sp>
+      <p:sp>
+        <p:nvSpPr>
+          <p:cNvPr id="47" name="Arrow: Down 46">
+            <a:extLst>
+              <a:ext uri="{FF2B5EF4-FFF2-40B4-BE49-F238E27FC236}">
+                <a16:creationId xmlns:a16="http://schemas.microsoft.com/office/drawing/2014/main" id="{FDB2C585-DCB8-330F-C09D-48F6756F9307}"/>
+              </a:ext>
+            </a:extLst>
+          </p:cNvPr>
+          <p:cNvSpPr/>
+          <p:nvPr/>
+        </p:nvSpPr>
+        <p:spPr>
+          <a:xfrm>
+            <a:off x="2517457" y="3944758"/>
+            <a:ext cx="620642" cy="300383"/>
+          </a:xfrm>
+          <a:prstGeom prst="downArrow">
+            <a:avLst/>
+          </a:prstGeom>
+        </p:spPr>
+        <p:style>
+          <a:lnRef idx="2">
+            <a:schemeClr val="accent1">
+              <a:shade val="15000"/>
+            </a:schemeClr>
+          </a:lnRef>
+          <a:fillRef idx="1">
+            <a:schemeClr val="accent1"/>
+          </a:fillRef>
+          <a:effectRef idx="0">
+            <a:schemeClr val="accent1"/>
+          </a:effectRef>
+          <a:fontRef idx="minor">
+            <a:schemeClr val="lt1"/>
+          </a:fontRef>
+        </p:style>
+        <p:txBody>
+          <a:bodyPr rtlCol="0" anchor="ctr"/>
+          <a:lstStyle/>
+          <a:p>
+            <a:pPr algn="ctr"/>
+            <a:r>
+              <a:rPr lang="en-US" sz="900" dirty="0"/>
+              <a:t>48</a:t>
+            </a:r>
+            <a:endParaRPr lang="en-CA" sz="900" dirty="0"/>
+          </a:p>
+        </p:txBody>
+      </p:sp>
+      <p:sp>
+        <p:nvSpPr>
+          <p:cNvPr id="48" name="Arrow: Down 47">
+            <a:extLst>
+              <a:ext uri="{FF2B5EF4-FFF2-40B4-BE49-F238E27FC236}">
+                <a16:creationId xmlns:a16="http://schemas.microsoft.com/office/drawing/2014/main" id="{2A5B03B0-2283-C3F3-4789-982C177452DF}"/>
+              </a:ext>
+            </a:extLst>
+          </p:cNvPr>
+          <p:cNvSpPr/>
+          <p:nvPr/>
+        </p:nvSpPr>
+        <p:spPr>
+          <a:xfrm>
+            <a:off x="1848217" y="3938335"/>
+            <a:ext cx="620642" cy="300383"/>
+          </a:xfrm>
+          <a:prstGeom prst="downArrow">
+            <a:avLst/>
+          </a:prstGeom>
+        </p:spPr>
+        <p:style>
+          <a:lnRef idx="2">
+            <a:schemeClr val="accent1">
+              <a:shade val="15000"/>
+            </a:schemeClr>
+          </a:lnRef>
+          <a:fillRef idx="1">
+            <a:schemeClr val="accent1"/>
+          </a:fillRef>
+          <a:effectRef idx="0">
+            <a:schemeClr val="accent1"/>
+          </a:effectRef>
+          <a:fontRef idx="minor">
+            <a:schemeClr val="lt1"/>
+          </a:fontRef>
+        </p:style>
+        <p:txBody>
+          <a:bodyPr rtlCol="0" anchor="ctr"/>
+          <a:lstStyle/>
+          <a:p>
+            <a:pPr algn="ctr"/>
+            <a:r>
+              <a:rPr lang="en-US" sz="900" dirty="0"/>
+              <a:t>48</a:t>
+            </a:r>
+            <a:endParaRPr lang="en-CA" sz="900" dirty="0"/>
+          </a:p>
+        </p:txBody>
+      </p:sp>
+      <p:sp>
+        <p:nvSpPr>
+          <p:cNvPr id="49" name="Arrow: Down 48">
+            <a:extLst>
+              <a:ext uri="{FF2B5EF4-FFF2-40B4-BE49-F238E27FC236}">
+                <a16:creationId xmlns:a16="http://schemas.microsoft.com/office/drawing/2014/main" id="{8F72AF73-055A-C2DB-ADE5-065C16F244C9}"/>
+              </a:ext>
+            </a:extLst>
+          </p:cNvPr>
+          <p:cNvSpPr/>
+          <p:nvPr/>
+        </p:nvSpPr>
+        <p:spPr>
+          <a:xfrm>
+            <a:off x="7484822" y="3936502"/>
+            <a:ext cx="620642" cy="300383"/>
+          </a:xfrm>
+          <a:prstGeom prst="downArrow">
+            <a:avLst/>
+          </a:prstGeom>
+        </p:spPr>
+        <p:style>
+          <a:lnRef idx="2">
+            <a:schemeClr val="accent1">
+              <a:shade val="15000"/>
+            </a:schemeClr>
+          </a:lnRef>
+          <a:fillRef idx="1">
+            <a:schemeClr val="accent1"/>
+          </a:fillRef>
+          <a:effectRef idx="0">
+            <a:schemeClr val="accent1"/>
+          </a:effectRef>
+          <a:fontRef idx="minor">
+            <a:schemeClr val="lt1"/>
+          </a:fontRef>
+        </p:style>
+        <p:txBody>
+          <a:bodyPr rtlCol="0" anchor="ctr"/>
+          <a:lstStyle/>
+          <a:p>
+            <a:pPr algn="ctr"/>
+            <a:r>
+              <a:rPr lang="en-US" sz="900" dirty="0"/>
+              <a:t>48</a:t>
+            </a:r>
+            <a:endParaRPr lang="en-CA" sz="900" dirty="0"/>
+          </a:p>
+        </p:txBody>
+      </p:sp>
+      <p:sp>
+        <p:nvSpPr>
+          <p:cNvPr id="50" name="Arrow: Down 49">
+            <a:extLst>
+              <a:ext uri="{FF2B5EF4-FFF2-40B4-BE49-F238E27FC236}">
+                <a16:creationId xmlns:a16="http://schemas.microsoft.com/office/drawing/2014/main" id="{E95802C6-5EB2-1AE9-7E8B-A373AFC3AF2A}"/>
+              </a:ext>
+            </a:extLst>
+          </p:cNvPr>
+          <p:cNvSpPr/>
+          <p:nvPr/>
+        </p:nvSpPr>
+        <p:spPr>
+          <a:xfrm>
+            <a:off x="8138598" y="3936502"/>
+            <a:ext cx="620642" cy="300383"/>
+          </a:xfrm>
+          <a:prstGeom prst="downArrow">
+            <a:avLst/>
+          </a:prstGeom>
+        </p:spPr>
+        <p:style>
+          <a:lnRef idx="2">
+            <a:schemeClr val="accent1">
+              <a:shade val="15000"/>
+            </a:schemeClr>
+          </a:lnRef>
+          <a:fillRef idx="1">
+            <a:schemeClr val="accent1"/>
+          </a:fillRef>
+          <a:effectRef idx="0">
+            <a:schemeClr val="accent1"/>
+          </a:effectRef>
+          <a:fontRef idx="minor">
+            <a:schemeClr val="lt1"/>
+          </a:fontRef>
+        </p:style>
+        <p:txBody>
+          <a:bodyPr rtlCol="0" anchor="ctr"/>
+          <a:lstStyle/>
+          <a:p>
+            <a:pPr algn="ctr"/>
+            <a:r>
+              <a:rPr lang="en-US" sz="900" dirty="0"/>
+              <a:t>48</a:t>
+            </a:r>
+            <a:endParaRPr lang="en-CA" sz="900" dirty="0"/>
+          </a:p>
+        </p:txBody>
+      </p:sp>
+      <p:sp>
+        <p:nvSpPr>
+          <p:cNvPr id="51" name="Arrow: Down 50">
+            <a:extLst>
+              <a:ext uri="{FF2B5EF4-FFF2-40B4-BE49-F238E27FC236}">
+                <a16:creationId xmlns:a16="http://schemas.microsoft.com/office/drawing/2014/main" id="{58A3E361-97B1-71DC-C6DA-4EC9480C96CE}"/>
+              </a:ext>
+            </a:extLst>
+          </p:cNvPr>
+          <p:cNvSpPr/>
+          <p:nvPr/>
+        </p:nvSpPr>
+        <p:spPr>
+          <a:xfrm>
+            <a:off x="3871391" y="4539100"/>
+            <a:ext cx="620642" cy="533048"/>
+          </a:xfrm>
+          <a:prstGeom prst="downArrow">
+            <a:avLst/>
+          </a:prstGeom>
+        </p:spPr>
+        <p:style>
+          <a:lnRef idx="2">
+            <a:schemeClr val="accent1">
+              <a:shade val="15000"/>
+            </a:schemeClr>
+          </a:lnRef>
+          <a:fillRef idx="1">
+            <a:schemeClr val="accent1"/>
+          </a:fillRef>
+          <a:effectRef idx="0">
+            <a:schemeClr val="accent1"/>
+          </a:effectRef>
+          <a:fontRef idx="minor">
+            <a:schemeClr val="lt1"/>
+          </a:fontRef>
+        </p:style>
+        <p:txBody>
+          <a:bodyPr rtlCol="0" anchor="ctr"/>
+          <a:lstStyle/>
+          <a:p>
+            <a:pPr algn="ctr"/>
+            <a:r>
+              <a:rPr lang="en-US" sz="900" dirty="0"/>
+              <a:t>48</a:t>
+            </a:r>
+            <a:endParaRPr lang="en-CA" sz="900" dirty="0"/>
+          </a:p>
+        </p:txBody>
+      </p:sp>
+      <p:sp>
+        <p:nvSpPr>
+          <p:cNvPr id="52" name="Arrow: Down 51">
+            <a:extLst>
+              <a:ext uri="{FF2B5EF4-FFF2-40B4-BE49-F238E27FC236}">
+                <a16:creationId xmlns:a16="http://schemas.microsoft.com/office/drawing/2014/main" id="{A7C1B19B-EFF1-E4AC-1101-092FA74F576B}"/>
+              </a:ext>
+            </a:extLst>
+          </p:cNvPr>
+          <p:cNvSpPr/>
+          <p:nvPr/>
+        </p:nvSpPr>
+        <p:spPr>
+          <a:xfrm>
+            <a:off x="6520725" y="4545524"/>
+            <a:ext cx="620642" cy="533048"/>
+          </a:xfrm>
+          <a:prstGeom prst="downArrow">
+            <a:avLst/>
+          </a:prstGeom>
+        </p:spPr>
+        <p:style>
+          <a:lnRef idx="2">
+            <a:schemeClr val="accent1">
+              <a:shade val="15000"/>
+            </a:schemeClr>
+          </a:lnRef>
+          <a:fillRef idx="1">
+            <a:schemeClr val="accent1"/>
+          </a:fillRef>
+          <a:effectRef idx="0">
+            <a:schemeClr val="accent1"/>
+          </a:effectRef>
+          <a:fontRef idx="minor">
+            <a:schemeClr val="lt1"/>
+          </a:fontRef>
+        </p:style>
+        <p:txBody>
+          <a:bodyPr rtlCol="0" anchor="ctr"/>
+          <a:lstStyle/>
+          <a:p>
+            <a:pPr algn="ctr"/>
+            <a:r>
+              <a:rPr lang="en-US" sz="900" dirty="0"/>
+              <a:t>48</a:t>
+            </a:r>
+            <a:endParaRPr lang="en-CA" sz="900" dirty="0"/>
           </a:p>
         </p:txBody>
       </p:sp>
@@ -6069,7 +7156,7 @@
         </p:nvSpPr>
         <p:spPr>
           <a:xfrm>
-            <a:off x="5048041" y="3352801"/>
+            <a:off x="5430145" y="3346995"/>
             <a:ext cx="602974" cy="242956"/>
           </a:xfrm>
           <a:prstGeom prst="rect">
@@ -6119,7 +7206,7 @@
         </p:nvSpPr>
         <p:spPr>
           <a:xfrm>
-            <a:off x="4431816" y="3352801"/>
+            <a:off x="4810627" y="3346995"/>
             <a:ext cx="602974" cy="242956"/>
           </a:xfrm>
           <a:prstGeom prst="rect">
@@ -6199,7 +7286,7 @@
             <a:pPr algn="ctr"/>
             <a:r>
               <a:rPr lang="en-US" sz="1000" dirty="0"/>
-              <a:t>µop 31</a:t>
+              <a:t>µop 39</a:t>
             </a:r>
             <a:endParaRPr lang="en-CA" sz="1000" dirty="0"/>
           </a:p>
@@ -6249,7 +7336,7 @@
             <a:pPr algn="ctr"/>
             <a:r>
               <a:rPr lang="en-US" sz="1000" dirty="0"/>
-              <a:t>µop 30</a:t>
+              <a:t>µop 38</a:t>
             </a:r>
             <a:endParaRPr lang="en-CA" sz="1000" dirty="0"/>
           </a:p>
@@ -6271,9 +7358,9 @@
           <p:nvPr/>
         </p:nvCxnSpPr>
         <p:spPr>
-          <a:xfrm>
-            <a:off x="2291588" y="3474279"/>
-            <a:ext cx="2140228" cy="0"/>
+          <a:xfrm flipV="1">
+            <a:off x="2291588" y="3468473"/>
+            <a:ext cx="2519039" cy="5806"/>
           </a:xfrm>
           <a:prstGeom prst="line">
             <a:avLst/>
@@ -6311,8 +7398,8 @@
         </p:nvSpPr>
         <p:spPr>
           <a:xfrm>
-            <a:off x="934343" y="3027017"/>
-            <a:ext cx="4909933" cy="803965"/>
+            <a:off x="934343" y="3026326"/>
+            <a:ext cx="5356905" cy="803965"/>
           </a:xfrm>
           <a:prstGeom prst="rect">
             <a:avLst/>
@@ -6369,19 +7456,19 @@
       </p:sp>
       <p:sp>
         <p:nvSpPr>
-          <p:cNvPr id="17" name="Rectangle 16">
-            <a:extLst>
-              <a:ext uri="{FF2B5EF4-FFF2-40B4-BE49-F238E27FC236}">
-                <a16:creationId xmlns:a16="http://schemas.microsoft.com/office/drawing/2014/main" id="{BA2717B6-72F9-D836-83DF-A0DADD9534C2}"/>
-              </a:ext>
-            </a:extLst>
-          </p:cNvPr>
-          <p:cNvSpPr/>
-          <p:nvPr/>
-        </p:nvSpPr>
-        <p:spPr>
-          <a:xfrm>
-            <a:off x="934343" y="2186609"/>
+          <p:cNvPr id="18" name="Rectangle 17">
+            <a:extLst>
+              <a:ext uri="{FF2B5EF4-FFF2-40B4-BE49-F238E27FC236}">
+                <a16:creationId xmlns:a16="http://schemas.microsoft.com/office/drawing/2014/main" id="{F8B25F58-38F6-83C5-4F48-A2B549834C2D}"/>
+              </a:ext>
+            </a:extLst>
+          </p:cNvPr>
+          <p:cNvSpPr/>
+          <p:nvPr/>
+        </p:nvSpPr>
+        <p:spPr>
+          <a:xfrm>
+            <a:off x="2976934" y="2174847"/>
             <a:ext cx="1055758" cy="384313"/>
           </a:xfrm>
           <a:prstGeom prst="rect">
@@ -6419,19 +7506,19 @@
       </p:sp>
       <p:sp>
         <p:nvSpPr>
-          <p:cNvPr id="18" name="Rectangle 17">
-            <a:extLst>
-              <a:ext uri="{FF2B5EF4-FFF2-40B4-BE49-F238E27FC236}">
-                <a16:creationId xmlns:a16="http://schemas.microsoft.com/office/drawing/2014/main" id="{F8B25F58-38F6-83C5-4F48-A2B549834C2D}"/>
-              </a:ext>
-            </a:extLst>
-          </p:cNvPr>
-          <p:cNvSpPr/>
-          <p:nvPr/>
-        </p:nvSpPr>
-        <p:spPr>
-          <a:xfrm>
-            <a:off x="2252934" y="2186608"/>
+          <p:cNvPr id="19" name="Rectangle 18">
+            <a:extLst>
+              <a:ext uri="{FF2B5EF4-FFF2-40B4-BE49-F238E27FC236}">
+                <a16:creationId xmlns:a16="http://schemas.microsoft.com/office/drawing/2014/main" id="{B37A4C80-2BCC-3C11-C923-3C4DAB8C4306}"/>
+              </a:ext>
+            </a:extLst>
+          </p:cNvPr>
+          <p:cNvSpPr/>
+          <p:nvPr/>
+        </p:nvSpPr>
+        <p:spPr>
+          <a:xfrm>
+            <a:off x="4101351" y="2180850"/>
             <a:ext cx="1055758" cy="384313"/>
           </a:xfrm>
           <a:prstGeom prst="rect">
@@ -6469,19 +7556,19 @@
       </p:sp>
       <p:sp>
         <p:nvSpPr>
-          <p:cNvPr id="19" name="Rectangle 18">
-            <a:extLst>
-              <a:ext uri="{FF2B5EF4-FFF2-40B4-BE49-F238E27FC236}">
-                <a16:creationId xmlns:a16="http://schemas.microsoft.com/office/drawing/2014/main" id="{B37A4C80-2BCC-3C11-C923-3C4DAB8C4306}"/>
-              </a:ext>
-            </a:extLst>
-          </p:cNvPr>
-          <p:cNvSpPr/>
-          <p:nvPr/>
-        </p:nvSpPr>
-        <p:spPr>
-          <a:xfrm>
-            <a:off x="3520726" y="2186607"/>
+          <p:cNvPr id="20" name="Rectangle 19">
+            <a:extLst>
+              <a:ext uri="{FF2B5EF4-FFF2-40B4-BE49-F238E27FC236}">
+                <a16:creationId xmlns:a16="http://schemas.microsoft.com/office/drawing/2014/main" id="{1021077F-E5D9-F73E-DB1C-EEC6A67D0F78}"/>
+              </a:ext>
+            </a:extLst>
+          </p:cNvPr>
+          <p:cNvSpPr/>
+          <p:nvPr/>
+        </p:nvSpPr>
+        <p:spPr>
+          <a:xfrm>
+            <a:off x="5235490" y="2174846"/>
             <a:ext cx="1055758" cy="384313"/>
           </a:xfrm>
           <a:prstGeom prst="rect">
@@ -6519,69 +7606,19 @@
       </p:sp>
       <p:sp>
         <p:nvSpPr>
-          <p:cNvPr id="20" name="Rectangle 19">
-            <a:extLst>
-              <a:ext uri="{FF2B5EF4-FFF2-40B4-BE49-F238E27FC236}">
-                <a16:creationId xmlns:a16="http://schemas.microsoft.com/office/drawing/2014/main" id="{1021077F-E5D9-F73E-DB1C-EEC6A67D0F78}"/>
-              </a:ext>
-            </a:extLst>
-          </p:cNvPr>
-          <p:cNvSpPr/>
-          <p:nvPr/>
-        </p:nvSpPr>
-        <p:spPr>
-          <a:xfrm>
-            <a:off x="4788518" y="2186606"/>
-            <a:ext cx="1055758" cy="384313"/>
-          </a:xfrm>
-          <a:prstGeom prst="rect">
-            <a:avLst/>
-          </a:prstGeom>
-        </p:spPr>
-        <p:style>
-          <a:lnRef idx="2">
-            <a:schemeClr val="accent1">
-              <a:shade val="15000"/>
-            </a:schemeClr>
-          </a:lnRef>
-          <a:fillRef idx="1">
-            <a:schemeClr val="accent1"/>
-          </a:fillRef>
-          <a:effectRef idx="0">
-            <a:schemeClr val="accent1"/>
-          </a:effectRef>
-          <a:fontRef idx="minor">
-            <a:schemeClr val="lt1"/>
-          </a:fontRef>
-        </p:style>
-        <p:txBody>
-          <a:bodyPr rtlCol="0" anchor="ctr"/>
-          <a:lstStyle/>
-          <a:p>
-            <a:pPr algn="ctr"/>
-            <a:r>
-              <a:rPr lang="en-US" sz="1000" dirty="0"/>
-              <a:t>ISA Instruction To µop map</a:t>
-            </a:r>
-            <a:endParaRPr lang="en-CA" sz="1000" dirty="0"/>
-          </a:p>
-        </p:txBody>
-      </p:sp>
-      <p:sp>
-        <p:nvSpPr>
-          <p:cNvPr id="22" name="Arrow: Down 21">
-            <a:extLst>
-              <a:ext uri="{FF2B5EF4-FFF2-40B4-BE49-F238E27FC236}">
-                <a16:creationId xmlns:a16="http://schemas.microsoft.com/office/drawing/2014/main" id="{472B5DEB-B91D-C886-F6F6-E54DED196DDF}"/>
-              </a:ext>
-            </a:extLst>
-          </p:cNvPr>
-          <p:cNvSpPr/>
-          <p:nvPr/>
-        </p:nvSpPr>
-        <p:spPr>
-          <a:xfrm>
-            <a:off x="1022139" y="2570919"/>
+          <p:cNvPr id="23" name="Arrow: Down 22">
+            <a:extLst>
+              <a:ext uri="{FF2B5EF4-FFF2-40B4-BE49-F238E27FC236}">
+                <a16:creationId xmlns:a16="http://schemas.microsoft.com/office/drawing/2014/main" id="{57DAD130-1EBA-D481-F1A5-B3A938F02835}"/>
+              </a:ext>
+            </a:extLst>
+          </p:cNvPr>
+          <p:cNvSpPr/>
+          <p:nvPr/>
+        </p:nvSpPr>
+        <p:spPr>
+          <a:xfrm>
+            <a:off x="3064522" y="2568041"/>
             <a:ext cx="880165" cy="456098"/>
           </a:xfrm>
           <a:prstGeom prst="downArrow">
@@ -6619,19 +7656,19 @@
       </p:sp>
       <p:sp>
         <p:nvSpPr>
-          <p:cNvPr id="23" name="Arrow: Down 22">
-            <a:extLst>
-              <a:ext uri="{FF2B5EF4-FFF2-40B4-BE49-F238E27FC236}">
-                <a16:creationId xmlns:a16="http://schemas.microsoft.com/office/drawing/2014/main" id="{57DAD130-1EBA-D481-F1A5-B3A938F02835}"/>
-              </a:ext>
-            </a:extLst>
-          </p:cNvPr>
-          <p:cNvSpPr/>
-          <p:nvPr/>
-        </p:nvSpPr>
-        <p:spPr>
-          <a:xfrm>
-            <a:off x="2340731" y="2570918"/>
+          <p:cNvPr id="24" name="Arrow: Down 23">
+            <a:extLst>
+              <a:ext uri="{FF2B5EF4-FFF2-40B4-BE49-F238E27FC236}">
+                <a16:creationId xmlns:a16="http://schemas.microsoft.com/office/drawing/2014/main" id="{50CA5ED3-322C-7559-35C4-043568DD8612}"/>
+              </a:ext>
+            </a:extLst>
+          </p:cNvPr>
+          <p:cNvSpPr/>
+          <p:nvPr/>
+        </p:nvSpPr>
+        <p:spPr>
+          <a:xfrm>
+            <a:off x="4206153" y="2572336"/>
             <a:ext cx="880165" cy="456098"/>
           </a:xfrm>
           <a:prstGeom prst="downArrow">
@@ -6669,19 +7706,19 @@
       </p:sp>
       <p:sp>
         <p:nvSpPr>
-          <p:cNvPr id="24" name="Arrow: Down 23">
-            <a:extLst>
-              <a:ext uri="{FF2B5EF4-FFF2-40B4-BE49-F238E27FC236}">
-                <a16:creationId xmlns:a16="http://schemas.microsoft.com/office/drawing/2014/main" id="{50CA5ED3-322C-7559-35C4-043568DD8612}"/>
-              </a:ext>
-            </a:extLst>
-          </p:cNvPr>
-          <p:cNvSpPr/>
-          <p:nvPr/>
-        </p:nvSpPr>
-        <p:spPr>
-          <a:xfrm>
-            <a:off x="3608522" y="2570917"/>
+          <p:cNvPr id="25" name="Arrow: Down 24">
+            <a:extLst>
+              <a:ext uri="{FF2B5EF4-FFF2-40B4-BE49-F238E27FC236}">
+                <a16:creationId xmlns:a16="http://schemas.microsoft.com/office/drawing/2014/main" id="{A8A5A8C7-2086-0573-E87A-438924545018}"/>
+              </a:ext>
+            </a:extLst>
+          </p:cNvPr>
+          <p:cNvSpPr/>
+          <p:nvPr/>
+        </p:nvSpPr>
+        <p:spPr>
+          <a:xfrm>
+            <a:off x="5331262" y="2560612"/>
             <a:ext cx="880165" cy="456098"/>
           </a:xfrm>
           <a:prstGeom prst="downArrow">
@@ -6719,56 +7756,6 @@
       </p:sp>
       <p:sp>
         <p:nvSpPr>
-          <p:cNvPr id="25" name="Arrow: Down 24">
-            <a:extLst>
-              <a:ext uri="{FF2B5EF4-FFF2-40B4-BE49-F238E27FC236}">
-                <a16:creationId xmlns:a16="http://schemas.microsoft.com/office/drawing/2014/main" id="{A8A5A8C7-2086-0573-E87A-438924545018}"/>
-              </a:ext>
-            </a:extLst>
-          </p:cNvPr>
-          <p:cNvSpPr/>
-          <p:nvPr/>
-        </p:nvSpPr>
-        <p:spPr>
-          <a:xfrm>
-            <a:off x="4876314" y="2570917"/>
-            <a:ext cx="880165" cy="456098"/>
-          </a:xfrm>
-          <a:prstGeom prst="downArrow">
-            <a:avLst/>
-          </a:prstGeom>
-        </p:spPr>
-        <p:style>
-          <a:lnRef idx="2">
-            <a:schemeClr val="accent1">
-              <a:shade val="15000"/>
-            </a:schemeClr>
-          </a:lnRef>
-          <a:fillRef idx="1">
-            <a:schemeClr val="accent1"/>
-          </a:fillRef>
-          <a:effectRef idx="0">
-            <a:schemeClr val="accent1"/>
-          </a:effectRef>
-          <a:fontRef idx="minor">
-            <a:schemeClr val="lt1"/>
-          </a:fontRef>
-        </p:style>
-        <p:txBody>
-          <a:bodyPr rtlCol="0" anchor="ctr"/>
-          <a:lstStyle/>
-          <a:p>
-            <a:pPr algn="ctr"/>
-            <a:r>
-              <a:rPr lang="en-US" sz="1000" dirty="0"/>
-              <a:t>8 max</a:t>
-            </a:r>
-            <a:endParaRPr lang="en-CA" sz="1000" dirty="0"/>
-          </a:p>
-        </p:txBody>
-      </p:sp>
-      <p:sp>
-        <p:nvSpPr>
           <p:cNvPr id="26" name="Rectangle 25">
             <a:extLst>
               <a:ext uri="{FF2B5EF4-FFF2-40B4-BE49-F238E27FC236}">
@@ -6926,56 +7913,6 @@
       </p:sp>
       <p:sp>
         <p:nvSpPr>
-          <p:cNvPr id="29" name="Rectangle 28">
-            <a:extLst>
-              <a:ext uri="{FF2B5EF4-FFF2-40B4-BE49-F238E27FC236}">
-                <a16:creationId xmlns:a16="http://schemas.microsoft.com/office/drawing/2014/main" id="{B8BFA4DA-BD9E-5F7C-A46A-5A3BAF22741D}"/>
-              </a:ext>
-            </a:extLst>
-          </p:cNvPr>
-          <p:cNvSpPr/>
-          <p:nvPr/>
-        </p:nvSpPr>
-        <p:spPr>
-          <a:xfrm>
-            <a:off x="2310922" y="4209773"/>
-            <a:ext cx="828260" cy="384313"/>
-          </a:xfrm>
-          <a:prstGeom prst="rect">
-            <a:avLst/>
-          </a:prstGeom>
-        </p:spPr>
-        <p:style>
-          <a:lnRef idx="2">
-            <a:schemeClr val="accent1">
-              <a:shade val="15000"/>
-            </a:schemeClr>
-          </a:lnRef>
-          <a:fillRef idx="1">
-            <a:schemeClr val="accent1"/>
-          </a:fillRef>
-          <a:effectRef idx="0">
-            <a:schemeClr val="accent1"/>
-          </a:effectRef>
-          <a:fontRef idx="minor">
-            <a:schemeClr val="lt1"/>
-          </a:fontRef>
-        </p:style>
-        <p:txBody>
-          <a:bodyPr rtlCol="0" anchor="ctr"/>
-          <a:lstStyle/>
-          <a:p>
-            <a:pPr algn="ctr"/>
-            <a:r>
-              <a:rPr lang="en-US" sz="1000" dirty="0"/>
-              <a:t>µop Decoder</a:t>
-            </a:r>
-            <a:endParaRPr lang="en-CA" sz="1000" dirty="0"/>
-          </a:p>
-        </p:txBody>
-      </p:sp>
-      <p:sp>
-        <p:nvSpPr>
           <p:cNvPr id="30" name="Arrow: Down 29">
             <a:extLst>
               <a:ext uri="{FF2B5EF4-FFF2-40B4-BE49-F238E27FC236}">
@@ -7126,20 +8063,20 @@
       </p:sp>
       <p:sp>
         <p:nvSpPr>
-          <p:cNvPr id="33" name="Arrow: Down 32">
-            <a:extLst>
-              <a:ext uri="{FF2B5EF4-FFF2-40B4-BE49-F238E27FC236}">
-                <a16:creationId xmlns:a16="http://schemas.microsoft.com/office/drawing/2014/main" id="{193E3F03-8D8D-BE16-3011-65C62D299E70}"/>
-              </a:ext>
-            </a:extLst>
-          </p:cNvPr>
-          <p:cNvSpPr/>
-          <p:nvPr/>
-        </p:nvSpPr>
-        <p:spPr>
-          <a:xfrm>
-            <a:off x="2390988" y="3830980"/>
-            <a:ext cx="671444" cy="378791"/>
+          <p:cNvPr id="35" name="Arrow: Down 34">
+            <a:extLst>
+              <a:ext uri="{FF2B5EF4-FFF2-40B4-BE49-F238E27FC236}">
+                <a16:creationId xmlns:a16="http://schemas.microsoft.com/office/drawing/2014/main" id="{8E88E834-F2D0-8CBB-4152-1AD564EECC86}"/>
+              </a:ext>
+            </a:extLst>
+          </p:cNvPr>
+          <p:cNvSpPr/>
+          <p:nvPr/>
+        </p:nvSpPr>
+        <p:spPr>
+          <a:xfrm>
+            <a:off x="3151772" y="1661110"/>
+            <a:ext cx="682399" cy="504856"/>
           </a:xfrm>
           <a:prstGeom prst="downArrow">
             <a:avLst/>
@@ -7176,19 +8113,19 @@
       </p:sp>
       <p:sp>
         <p:nvSpPr>
-          <p:cNvPr id="34" name="Arrow: Down 33">
-            <a:extLst>
-              <a:ext uri="{FF2B5EF4-FFF2-40B4-BE49-F238E27FC236}">
-                <a16:creationId xmlns:a16="http://schemas.microsoft.com/office/drawing/2014/main" id="{21328786-2DAA-CB00-6821-E2E99DA54120}"/>
-              </a:ext>
-            </a:extLst>
-          </p:cNvPr>
-          <p:cNvSpPr/>
-          <p:nvPr/>
-        </p:nvSpPr>
-        <p:spPr>
-          <a:xfrm>
-            <a:off x="1153643" y="1669602"/>
+          <p:cNvPr id="36" name="Arrow: Down 35">
+            <a:extLst>
+              <a:ext uri="{FF2B5EF4-FFF2-40B4-BE49-F238E27FC236}">
+                <a16:creationId xmlns:a16="http://schemas.microsoft.com/office/drawing/2014/main" id="{500454C3-33B4-2D69-4E9E-1E9A00CFD8D0}"/>
+              </a:ext>
+            </a:extLst>
+          </p:cNvPr>
+          <p:cNvSpPr/>
+          <p:nvPr/>
+        </p:nvSpPr>
+        <p:spPr>
+          <a:xfrm>
+            <a:off x="4278536" y="1661110"/>
             <a:ext cx="682399" cy="504856"/>
           </a:xfrm>
           <a:prstGeom prst="downArrow">
@@ -7226,19 +8163,19 @@
       </p:sp>
       <p:sp>
         <p:nvSpPr>
-          <p:cNvPr id="35" name="Arrow: Down 34">
-            <a:extLst>
-              <a:ext uri="{FF2B5EF4-FFF2-40B4-BE49-F238E27FC236}">
-                <a16:creationId xmlns:a16="http://schemas.microsoft.com/office/drawing/2014/main" id="{8E88E834-F2D0-8CBB-4152-1AD564EECC86}"/>
-              </a:ext>
-            </a:extLst>
-          </p:cNvPr>
-          <p:cNvSpPr/>
-          <p:nvPr/>
-        </p:nvSpPr>
-        <p:spPr>
-          <a:xfrm>
-            <a:off x="2438553" y="1669602"/>
+          <p:cNvPr id="37" name="Arrow: Down 36">
+            <a:extLst>
+              <a:ext uri="{FF2B5EF4-FFF2-40B4-BE49-F238E27FC236}">
+                <a16:creationId xmlns:a16="http://schemas.microsoft.com/office/drawing/2014/main" id="{C0945E42-19F8-4A70-3D8A-3A2C77D87313}"/>
+              </a:ext>
+            </a:extLst>
+          </p:cNvPr>
+          <p:cNvSpPr/>
+          <p:nvPr/>
+        </p:nvSpPr>
+        <p:spPr>
+          <a:xfrm>
+            <a:off x="5413601" y="1654204"/>
             <a:ext cx="682399" cy="504856"/>
           </a:xfrm>
           <a:prstGeom prst="downArrow">
@@ -7276,106 +8213,6 @@
       </p:sp>
       <p:sp>
         <p:nvSpPr>
-          <p:cNvPr id="36" name="Arrow: Down 35">
-            <a:extLst>
-              <a:ext uri="{FF2B5EF4-FFF2-40B4-BE49-F238E27FC236}">
-                <a16:creationId xmlns:a16="http://schemas.microsoft.com/office/drawing/2014/main" id="{500454C3-33B4-2D69-4E9E-1E9A00CFD8D0}"/>
-              </a:ext>
-            </a:extLst>
-          </p:cNvPr>
-          <p:cNvSpPr/>
-          <p:nvPr/>
-        </p:nvSpPr>
-        <p:spPr>
-          <a:xfrm>
-            <a:off x="3699680" y="1669602"/>
-            <a:ext cx="682399" cy="504856"/>
-          </a:xfrm>
-          <a:prstGeom prst="downArrow">
-            <a:avLst/>
-          </a:prstGeom>
-        </p:spPr>
-        <p:style>
-          <a:lnRef idx="2">
-            <a:schemeClr val="accent1">
-              <a:shade val="15000"/>
-            </a:schemeClr>
-          </a:lnRef>
-          <a:fillRef idx="1">
-            <a:schemeClr val="accent1"/>
-          </a:fillRef>
-          <a:effectRef idx="0">
-            <a:schemeClr val="accent1"/>
-          </a:effectRef>
-          <a:fontRef idx="minor">
-            <a:schemeClr val="lt1"/>
-          </a:fontRef>
-        </p:style>
-        <p:txBody>
-          <a:bodyPr rtlCol="0" anchor="ctr"/>
-          <a:lstStyle/>
-          <a:p>
-            <a:pPr algn="ctr"/>
-            <a:r>
-              <a:rPr lang="en-US" sz="1000" dirty="0"/>
-              <a:t>1</a:t>
-            </a:r>
-            <a:endParaRPr lang="en-CA" sz="1000" dirty="0"/>
-          </a:p>
-        </p:txBody>
-      </p:sp>
-      <p:sp>
-        <p:nvSpPr>
-          <p:cNvPr id="37" name="Arrow: Down 36">
-            <a:extLst>
-              <a:ext uri="{FF2B5EF4-FFF2-40B4-BE49-F238E27FC236}">
-                <a16:creationId xmlns:a16="http://schemas.microsoft.com/office/drawing/2014/main" id="{C0945E42-19F8-4A70-3D8A-3A2C77D87313}"/>
-              </a:ext>
-            </a:extLst>
-          </p:cNvPr>
-          <p:cNvSpPr/>
-          <p:nvPr/>
-        </p:nvSpPr>
-        <p:spPr>
-          <a:xfrm>
-            <a:off x="4975196" y="1665477"/>
-            <a:ext cx="682399" cy="504856"/>
-          </a:xfrm>
-          <a:prstGeom prst="downArrow">
-            <a:avLst/>
-          </a:prstGeom>
-        </p:spPr>
-        <p:style>
-          <a:lnRef idx="2">
-            <a:schemeClr val="accent1">
-              <a:shade val="15000"/>
-            </a:schemeClr>
-          </a:lnRef>
-          <a:fillRef idx="1">
-            <a:schemeClr val="accent1"/>
-          </a:fillRef>
-          <a:effectRef idx="0">
-            <a:schemeClr val="accent1"/>
-          </a:effectRef>
-          <a:fontRef idx="minor">
-            <a:schemeClr val="lt1"/>
-          </a:fontRef>
-        </p:style>
-        <p:txBody>
-          <a:bodyPr rtlCol="0" anchor="ctr"/>
-          <a:lstStyle/>
-          <a:p>
-            <a:pPr algn="ctr"/>
-            <a:r>
-              <a:rPr lang="en-US" sz="1000" dirty="0"/>
-              <a:t>1</a:t>
-            </a:r>
-            <a:endParaRPr lang="en-CA" sz="1000" dirty="0"/>
-          </a:p>
-        </p:txBody>
-      </p:sp>
-      <p:sp>
-        <p:nvSpPr>
           <p:cNvPr id="38" name="TextBox 37">
             <a:extLst>
               <a:ext uri="{FF2B5EF4-FFF2-40B4-BE49-F238E27FC236}">
@@ -7389,7 +8226,7 @@
         <p:spPr>
           <a:xfrm>
             <a:off x="1462221" y="1245586"/>
-            <a:ext cx="3734484" cy="369332"/>
+            <a:ext cx="3680431" cy="369332"/>
           </a:xfrm>
           <a:prstGeom prst="rect">
             <a:avLst/>
@@ -7404,59 +8241,9 @@
           <a:p>
             <a:r>
               <a:rPr lang="en-US" dirty="0"/>
-              <a:t>Four instructions from Extract Stage</a:t>
+              <a:t>Five instructions from Extract Stage</a:t>
             </a:r>
             <a:endParaRPr lang="en-CA" dirty="0"/>
-          </a:p>
-        </p:txBody>
-      </p:sp>
-      <p:sp>
-        <p:nvSpPr>
-          <p:cNvPr id="39" name="Arrow: Down 38">
-            <a:extLst>
-              <a:ext uri="{FF2B5EF4-FFF2-40B4-BE49-F238E27FC236}">
-                <a16:creationId xmlns:a16="http://schemas.microsoft.com/office/drawing/2014/main" id="{B5C24B68-7E64-6EFF-6DAB-5A2102AF95C6}"/>
-              </a:ext>
-            </a:extLst>
-          </p:cNvPr>
-          <p:cNvSpPr/>
-          <p:nvPr/>
-        </p:nvSpPr>
-        <p:spPr>
-          <a:xfrm>
-            <a:off x="2390988" y="4588562"/>
-            <a:ext cx="682399" cy="504856"/>
-          </a:xfrm>
-          <a:prstGeom prst="downArrow">
-            <a:avLst/>
-          </a:prstGeom>
-        </p:spPr>
-        <p:style>
-          <a:lnRef idx="2">
-            <a:schemeClr val="accent1">
-              <a:shade val="15000"/>
-            </a:schemeClr>
-          </a:lnRef>
-          <a:fillRef idx="1">
-            <a:schemeClr val="accent1"/>
-          </a:fillRef>
-          <a:effectRef idx="0">
-            <a:schemeClr val="accent1"/>
-          </a:effectRef>
-          <a:fontRef idx="minor">
-            <a:schemeClr val="lt1"/>
-          </a:fontRef>
-        </p:style>
-        <p:txBody>
-          <a:bodyPr rtlCol="0" anchor="ctr"/>
-          <a:lstStyle/>
-          <a:p>
-            <a:pPr algn="ctr"/>
-            <a:r>
-              <a:rPr lang="en-US" sz="1000" dirty="0"/>
-              <a:t>1</a:t>
-            </a:r>
-            <a:endParaRPr lang="en-CA" sz="1000" dirty="0"/>
           </a:p>
         </p:txBody>
       </p:sp>
@@ -7731,7 +8518,7 @@
             </a:pPr>
             <a:r>
               <a:rPr lang="en-US" dirty="0"/>
-              <a:t>Micro-ops are stored in the buffer; between four and thirty-two micro-ops will fill the buffer.</a:t>
+              <a:t>Micro-ops are stored in the buffer; between five and forty micro-ops will fill the buffer.</a:t>
             </a:r>
             <a:endParaRPr lang="en-CA" dirty="0"/>
           </a:p>
@@ -7895,6 +8682,456 @@
               <a:t>Pipeline Register</a:t>
             </a:r>
             <a:endParaRPr lang="en-CA" sz="1200" dirty="0"/>
+          </a:p>
+        </p:txBody>
+      </p:sp>
+      <p:sp>
+        <p:nvSpPr>
+          <p:cNvPr id="3" name="Arrow: Down 2">
+            <a:extLst>
+              <a:ext uri="{FF2B5EF4-FFF2-40B4-BE49-F238E27FC236}">
+                <a16:creationId xmlns:a16="http://schemas.microsoft.com/office/drawing/2014/main" id="{1C99CBB6-2A2D-F548-B0CB-76D152B61BEF}"/>
+              </a:ext>
+            </a:extLst>
+          </p:cNvPr>
+          <p:cNvSpPr/>
+          <p:nvPr/>
+        </p:nvSpPr>
+        <p:spPr>
+          <a:xfrm>
+            <a:off x="2377645" y="3836501"/>
+            <a:ext cx="671444" cy="378791"/>
+          </a:xfrm>
+          <a:prstGeom prst="downArrow">
+            <a:avLst/>
+          </a:prstGeom>
+        </p:spPr>
+        <p:style>
+          <a:lnRef idx="2">
+            <a:schemeClr val="accent1">
+              <a:shade val="15000"/>
+            </a:schemeClr>
+          </a:lnRef>
+          <a:fillRef idx="1">
+            <a:schemeClr val="accent1"/>
+          </a:fillRef>
+          <a:effectRef idx="0">
+            <a:schemeClr val="accent1"/>
+          </a:effectRef>
+          <a:fontRef idx="minor">
+            <a:schemeClr val="lt1"/>
+          </a:fontRef>
+        </p:style>
+        <p:txBody>
+          <a:bodyPr rtlCol="0" anchor="ctr"/>
+          <a:lstStyle/>
+          <a:p>
+            <a:pPr algn="ctr"/>
+            <a:r>
+              <a:rPr lang="en-US" sz="1000" dirty="0"/>
+              <a:t>1</a:t>
+            </a:r>
+            <a:endParaRPr lang="en-CA" sz="1000" dirty="0"/>
+          </a:p>
+        </p:txBody>
+      </p:sp>
+      <p:sp>
+        <p:nvSpPr>
+          <p:cNvPr id="8" name="Rectangle 7">
+            <a:extLst>
+              <a:ext uri="{FF2B5EF4-FFF2-40B4-BE49-F238E27FC236}">
+                <a16:creationId xmlns:a16="http://schemas.microsoft.com/office/drawing/2014/main" id="{32E55B2F-F886-D360-2A28-E02105DB82B2}"/>
+              </a:ext>
+            </a:extLst>
+          </p:cNvPr>
+          <p:cNvSpPr/>
+          <p:nvPr/>
+        </p:nvSpPr>
+        <p:spPr>
+          <a:xfrm>
+            <a:off x="2309836" y="4218959"/>
+            <a:ext cx="828260" cy="384313"/>
+          </a:xfrm>
+          <a:prstGeom prst="rect">
+            <a:avLst/>
+          </a:prstGeom>
+        </p:spPr>
+        <p:style>
+          <a:lnRef idx="2">
+            <a:schemeClr val="accent1">
+              <a:shade val="15000"/>
+            </a:schemeClr>
+          </a:lnRef>
+          <a:fillRef idx="1">
+            <a:schemeClr val="accent1"/>
+          </a:fillRef>
+          <a:effectRef idx="0">
+            <a:schemeClr val="accent1"/>
+          </a:effectRef>
+          <a:fontRef idx="minor">
+            <a:schemeClr val="lt1"/>
+          </a:fontRef>
+        </p:style>
+        <p:txBody>
+          <a:bodyPr rtlCol="0" anchor="ctr"/>
+          <a:lstStyle/>
+          <a:p>
+            <a:pPr algn="ctr"/>
+            <a:r>
+              <a:rPr lang="en-US" sz="1000" dirty="0"/>
+              <a:t>µop Decoder</a:t>
+            </a:r>
+            <a:endParaRPr lang="en-CA" sz="1000" dirty="0"/>
+          </a:p>
+        </p:txBody>
+      </p:sp>
+      <p:sp>
+        <p:nvSpPr>
+          <p:cNvPr id="9" name="Arrow: Down 8">
+            <a:extLst>
+              <a:ext uri="{FF2B5EF4-FFF2-40B4-BE49-F238E27FC236}">
+                <a16:creationId xmlns:a16="http://schemas.microsoft.com/office/drawing/2014/main" id="{78A1C8BD-019C-4B6E-8163-4823757689DC}"/>
+              </a:ext>
+            </a:extLst>
+          </p:cNvPr>
+          <p:cNvSpPr/>
+          <p:nvPr/>
+        </p:nvSpPr>
+        <p:spPr>
+          <a:xfrm>
+            <a:off x="2393898" y="4607498"/>
+            <a:ext cx="682399" cy="504856"/>
+          </a:xfrm>
+          <a:prstGeom prst="downArrow">
+            <a:avLst/>
+          </a:prstGeom>
+        </p:spPr>
+        <p:style>
+          <a:lnRef idx="2">
+            <a:schemeClr val="accent1">
+              <a:shade val="15000"/>
+            </a:schemeClr>
+          </a:lnRef>
+          <a:fillRef idx="1">
+            <a:schemeClr val="accent1"/>
+          </a:fillRef>
+          <a:effectRef idx="0">
+            <a:schemeClr val="accent1"/>
+          </a:effectRef>
+          <a:fontRef idx="minor">
+            <a:schemeClr val="lt1"/>
+          </a:fontRef>
+        </p:style>
+        <p:txBody>
+          <a:bodyPr rtlCol="0" anchor="ctr"/>
+          <a:lstStyle/>
+          <a:p>
+            <a:pPr algn="ctr"/>
+            <a:r>
+              <a:rPr lang="en-US" sz="1000" dirty="0"/>
+              <a:t>1</a:t>
+            </a:r>
+            <a:endParaRPr lang="en-CA" sz="1000" dirty="0"/>
+          </a:p>
+        </p:txBody>
+      </p:sp>
+      <p:sp>
+        <p:nvSpPr>
+          <p:cNvPr id="10" name="Rectangle 9">
+            <a:extLst>
+              <a:ext uri="{FF2B5EF4-FFF2-40B4-BE49-F238E27FC236}">
+                <a16:creationId xmlns:a16="http://schemas.microsoft.com/office/drawing/2014/main" id="{1F050BB8-A8B0-47DA-0E4A-93241DDB41A3}"/>
+              </a:ext>
+            </a:extLst>
+          </p:cNvPr>
+          <p:cNvSpPr/>
+          <p:nvPr/>
+        </p:nvSpPr>
+        <p:spPr>
+          <a:xfrm>
+            <a:off x="769589" y="2183934"/>
+            <a:ext cx="1019454" cy="384313"/>
+          </a:xfrm>
+          <a:prstGeom prst="rect">
+            <a:avLst/>
+          </a:prstGeom>
+        </p:spPr>
+        <p:style>
+          <a:lnRef idx="2">
+            <a:schemeClr val="accent1">
+              <a:shade val="15000"/>
+            </a:schemeClr>
+          </a:lnRef>
+          <a:fillRef idx="1">
+            <a:schemeClr val="accent1"/>
+          </a:fillRef>
+          <a:effectRef idx="0">
+            <a:schemeClr val="accent1"/>
+          </a:effectRef>
+          <a:fontRef idx="minor">
+            <a:schemeClr val="lt1"/>
+          </a:fontRef>
+        </p:style>
+        <p:txBody>
+          <a:bodyPr rtlCol="0" anchor="ctr"/>
+          <a:lstStyle/>
+          <a:p>
+            <a:pPr algn="ctr"/>
+            <a:r>
+              <a:rPr lang="en-US" sz="1000" dirty="0"/>
+              <a:t>ISA Instruction To µop map</a:t>
+            </a:r>
+            <a:endParaRPr lang="en-CA" sz="1000" dirty="0"/>
+          </a:p>
+        </p:txBody>
+      </p:sp>
+      <p:sp>
+        <p:nvSpPr>
+          <p:cNvPr id="11" name="Arrow: Down 10">
+            <a:extLst>
+              <a:ext uri="{FF2B5EF4-FFF2-40B4-BE49-F238E27FC236}">
+                <a16:creationId xmlns:a16="http://schemas.microsoft.com/office/drawing/2014/main" id="{20C3770E-ABEF-F503-A83E-CBC0A0303ECF}"/>
+              </a:ext>
+            </a:extLst>
+          </p:cNvPr>
+          <p:cNvSpPr/>
+          <p:nvPr/>
+        </p:nvSpPr>
+        <p:spPr>
+          <a:xfrm>
+            <a:off x="857386" y="2568244"/>
+            <a:ext cx="880165" cy="456098"/>
+          </a:xfrm>
+          <a:prstGeom prst="downArrow">
+            <a:avLst/>
+          </a:prstGeom>
+        </p:spPr>
+        <p:style>
+          <a:lnRef idx="2">
+            <a:schemeClr val="accent1">
+              <a:shade val="15000"/>
+            </a:schemeClr>
+          </a:lnRef>
+          <a:fillRef idx="1">
+            <a:schemeClr val="accent1"/>
+          </a:fillRef>
+          <a:effectRef idx="0">
+            <a:schemeClr val="accent1"/>
+          </a:effectRef>
+          <a:fontRef idx="minor">
+            <a:schemeClr val="lt1"/>
+          </a:fontRef>
+        </p:style>
+        <p:txBody>
+          <a:bodyPr rtlCol="0" anchor="ctr"/>
+          <a:lstStyle/>
+          <a:p>
+            <a:pPr algn="ctr"/>
+            <a:r>
+              <a:rPr lang="en-US" sz="1000" dirty="0"/>
+              <a:t>8 max</a:t>
+            </a:r>
+            <a:endParaRPr lang="en-CA" sz="1000" dirty="0"/>
+          </a:p>
+        </p:txBody>
+      </p:sp>
+      <p:sp>
+        <p:nvSpPr>
+          <p:cNvPr id="12" name="Arrow: Down 11">
+            <a:extLst>
+              <a:ext uri="{FF2B5EF4-FFF2-40B4-BE49-F238E27FC236}">
+                <a16:creationId xmlns:a16="http://schemas.microsoft.com/office/drawing/2014/main" id="{63B77903-73CA-688E-465F-8526A3547042}"/>
+              </a:ext>
+            </a:extLst>
+          </p:cNvPr>
+          <p:cNvSpPr/>
+          <p:nvPr/>
+        </p:nvSpPr>
+        <p:spPr>
+          <a:xfrm>
+            <a:off x="955208" y="1666928"/>
+            <a:ext cx="682399" cy="504856"/>
+          </a:xfrm>
+          <a:prstGeom prst="downArrow">
+            <a:avLst/>
+          </a:prstGeom>
+        </p:spPr>
+        <p:style>
+          <a:lnRef idx="2">
+            <a:schemeClr val="accent1">
+              <a:shade val="15000"/>
+            </a:schemeClr>
+          </a:lnRef>
+          <a:fillRef idx="1">
+            <a:schemeClr val="accent1"/>
+          </a:fillRef>
+          <a:effectRef idx="0">
+            <a:schemeClr val="accent1"/>
+          </a:effectRef>
+          <a:fontRef idx="minor">
+            <a:schemeClr val="lt1"/>
+          </a:fontRef>
+        </p:style>
+        <p:txBody>
+          <a:bodyPr rtlCol="0" anchor="ctr"/>
+          <a:lstStyle/>
+          <a:p>
+            <a:pPr algn="ctr"/>
+            <a:r>
+              <a:rPr lang="en-US" sz="1000" dirty="0"/>
+              <a:t>1</a:t>
+            </a:r>
+            <a:endParaRPr lang="en-CA" sz="1000" dirty="0"/>
+          </a:p>
+        </p:txBody>
+      </p:sp>
+      <p:sp>
+        <p:nvSpPr>
+          <p:cNvPr id="13" name="Rectangle 12">
+            <a:extLst>
+              <a:ext uri="{FF2B5EF4-FFF2-40B4-BE49-F238E27FC236}">
+                <a16:creationId xmlns:a16="http://schemas.microsoft.com/office/drawing/2014/main" id="{3A74FD05-F8BC-B23B-4D15-A392433EF47C}"/>
+              </a:ext>
+            </a:extLst>
+          </p:cNvPr>
+          <p:cNvSpPr/>
+          <p:nvPr/>
+        </p:nvSpPr>
+        <p:spPr>
+          <a:xfrm>
+            <a:off x="1854101" y="2177301"/>
+            <a:ext cx="1055758" cy="384313"/>
+          </a:xfrm>
+          <a:prstGeom prst="rect">
+            <a:avLst/>
+          </a:prstGeom>
+        </p:spPr>
+        <p:style>
+          <a:lnRef idx="2">
+            <a:schemeClr val="accent1">
+              <a:shade val="15000"/>
+            </a:schemeClr>
+          </a:lnRef>
+          <a:fillRef idx="1">
+            <a:schemeClr val="accent1"/>
+          </a:fillRef>
+          <a:effectRef idx="0">
+            <a:schemeClr val="accent1"/>
+          </a:effectRef>
+          <a:fontRef idx="minor">
+            <a:schemeClr val="lt1"/>
+          </a:fontRef>
+        </p:style>
+        <p:txBody>
+          <a:bodyPr rtlCol="0" anchor="ctr"/>
+          <a:lstStyle/>
+          <a:p>
+            <a:pPr algn="ctr"/>
+            <a:r>
+              <a:rPr lang="en-US" sz="1000" dirty="0"/>
+              <a:t>ISA Instruction To µop map</a:t>
+            </a:r>
+            <a:endParaRPr lang="en-CA" sz="1000" dirty="0"/>
+          </a:p>
+        </p:txBody>
+      </p:sp>
+      <p:sp>
+        <p:nvSpPr>
+          <p:cNvPr id="15" name="Arrow: Down 14">
+            <a:extLst>
+              <a:ext uri="{FF2B5EF4-FFF2-40B4-BE49-F238E27FC236}">
+                <a16:creationId xmlns:a16="http://schemas.microsoft.com/office/drawing/2014/main" id="{D4B7D24E-7521-1BB3-73FE-FF986C506178}"/>
+              </a:ext>
+            </a:extLst>
+          </p:cNvPr>
+          <p:cNvSpPr/>
+          <p:nvPr/>
+        </p:nvSpPr>
+        <p:spPr>
+          <a:xfrm>
+            <a:off x="1916718" y="2560843"/>
+            <a:ext cx="880165" cy="456098"/>
+          </a:xfrm>
+          <a:prstGeom prst="downArrow">
+            <a:avLst/>
+          </a:prstGeom>
+        </p:spPr>
+        <p:style>
+          <a:lnRef idx="2">
+            <a:schemeClr val="accent1">
+              <a:shade val="15000"/>
+            </a:schemeClr>
+          </a:lnRef>
+          <a:fillRef idx="1">
+            <a:schemeClr val="accent1"/>
+          </a:fillRef>
+          <a:effectRef idx="0">
+            <a:schemeClr val="accent1"/>
+          </a:effectRef>
+          <a:fontRef idx="minor">
+            <a:schemeClr val="lt1"/>
+          </a:fontRef>
+        </p:style>
+        <p:txBody>
+          <a:bodyPr rtlCol="0" anchor="ctr"/>
+          <a:lstStyle/>
+          <a:p>
+            <a:pPr algn="ctr"/>
+            <a:r>
+              <a:rPr lang="en-US" sz="1000" dirty="0"/>
+              <a:t>8 max</a:t>
+            </a:r>
+            <a:endParaRPr lang="en-CA" sz="1000" dirty="0"/>
+          </a:p>
+        </p:txBody>
+      </p:sp>
+      <p:sp>
+        <p:nvSpPr>
+          <p:cNvPr id="21" name="Arrow: Down 20">
+            <a:extLst>
+              <a:ext uri="{FF2B5EF4-FFF2-40B4-BE49-F238E27FC236}">
+                <a16:creationId xmlns:a16="http://schemas.microsoft.com/office/drawing/2014/main" id="{B716BC00-0FF1-C3E5-C4EF-900E736199DB}"/>
+              </a:ext>
+            </a:extLst>
+          </p:cNvPr>
+          <p:cNvSpPr/>
+          <p:nvPr/>
+        </p:nvSpPr>
+        <p:spPr>
+          <a:xfrm>
+            <a:off x="2009901" y="1654204"/>
+            <a:ext cx="682399" cy="504856"/>
+          </a:xfrm>
+          <a:prstGeom prst="downArrow">
+            <a:avLst/>
+          </a:prstGeom>
+        </p:spPr>
+        <p:style>
+          <a:lnRef idx="2">
+            <a:schemeClr val="accent1">
+              <a:shade val="15000"/>
+            </a:schemeClr>
+          </a:lnRef>
+          <a:fillRef idx="1">
+            <a:schemeClr val="accent1"/>
+          </a:fillRef>
+          <a:effectRef idx="0">
+            <a:schemeClr val="accent1"/>
+          </a:effectRef>
+          <a:fontRef idx="minor">
+            <a:schemeClr val="lt1"/>
+          </a:fontRef>
+        </p:style>
+        <p:txBody>
+          <a:bodyPr rtlCol="0" anchor="ctr"/>
+          <a:lstStyle/>
+          <a:p>
+            <a:pPr algn="ctr"/>
+            <a:r>
+              <a:rPr lang="en-US" sz="1000" dirty="0"/>
+              <a:t>1</a:t>
+            </a:r>
+            <a:endParaRPr lang="en-CA" sz="1000" dirty="0"/>
           </a:p>
         </p:txBody>
       </p:sp>
@@ -8101,7 +9338,7 @@
             <a:pPr algn="ctr"/>
             <a:r>
               <a:rPr lang="en-US" sz="1000" dirty="0"/>
-              <a:t>µop 31</a:t>
+              <a:t>µop 39</a:t>
             </a:r>
             <a:endParaRPr lang="en-CA" sz="1000" dirty="0"/>
           </a:p>
@@ -8151,7 +9388,7 @@
             <a:pPr algn="ctr"/>
             <a:r>
               <a:rPr lang="en-US" sz="1000" dirty="0"/>
-              <a:t>µop 30</a:t>
+              <a:t>µop 38</a:t>
             </a:r>
             <a:endParaRPr lang="en-CA" sz="1000" dirty="0"/>
           </a:p>
@@ -8213,7 +9450,7 @@
         </p:nvSpPr>
         <p:spPr>
           <a:xfrm>
-            <a:off x="1256814" y="2117033"/>
+            <a:off x="1256869" y="2117027"/>
             <a:ext cx="4909933" cy="803965"/>
           </a:xfrm>
           <a:prstGeom prst="rect">
@@ -8428,56 +9665,6 @@
       </p:sp>
       <p:sp>
         <p:nvSpPr>
-          <p:cNvPr id="13" name="Rectangle 12">
-            <a:extLst>
-              <a:ext uri="{FF2B5EF4-FFF2-40B4-BE49-F238E27FC236}">
-                <a16:creationId xmlns:a16="http://schemas.microsoft.com/office/drawing/2014/main" id="{B8A1A896-48C2-4C3D-405C-C07E27749303}"/>
-              </a:ext>
-            </a:extLst>
-          </p:cNvPr>
-          <p:cNvSpPr/>
-          <p:nvPr/>
-        </p:nvSpPr>
-        <p:spPr>
-          <a:xfrm>
-            <a:off x="2633393" y="3299789"/>
-            <a:ext cx="828260" cy="384313"/>
-          </a:xfrm>
-          <a:prstGeom prst="rect">
-            <a:avLst/>
-          </a:prstGeom>
-        </p:spPr>
-        <p:style>
-          <a:lnRef idx="2">
-            <a:schemeClr val="accent1">
-              <a:shade val="15000"/>
-            </a:schemeClr>
-          </a:lnRef>
-          <a:fillRef idx="1">
-            <a:schemeClr val="accent1"/>
-          </a:fillRef>
-          <a:effectRef idx="0">
-            <a:schemeClr val="accent1"/>
-          </a:effectRef>
-          <a:fontRef idx="minor">
-            <a:schemeClr val="lt1"/>
-          </a:fontRef>
-        </p:style>
-        <p:txBody>
-          <a:bodyPr rtlCol="0" anchor="ctr"/>
-          <a:lstStyle/>
-          <a:p>
-            <a:pPr algn="ctr"/>
-            <a:r>
-              <a:rPr lang="en-US" sz="1000" dirty="0"/>
-              <a:t>Constant Decoder</a:t>
-            </a:r>
-            <a:endParaRPr lang="en-CA" sz="1000" dirty="0"/>
-          </a:p>
-        </p:txBody>
-      </p:sp>
-      <p:sp>
-        <p:nvSpPr>
           <p:cNvPr id="14" name="Arrow: Down 13">
             <a:extLst>
               <a:ext uri="{FF2B5EF4-FFF2-40B4-BE49-F238E27FC236}">
@@ -8621,106 +9808,6 @@
             <a:r>
               <a:rPr lang="en-US" sz="1000" dirty="0"/>
               <a:t>1</a:t>
-            </a:r>
-            <a:endParaRPr lang="en-CA" sz="1000" dirty="0"/>
-          </a:p>
-        </p:txBody>
-      </p:sp>
-      <p:sp>
-        <p:nvSpPr>
-          <p:cNvPr id="17" name="Arrow: Down 16">
-            <a:extLst>
-              <a:ext uri="{FF2B5EF4-FFF2-40B4-BE49-F238E27FC236}">
-                <a16:creationId xmlns:a16="http://schemas.microsoft.com/office/drawing/2014/main" id="{6CDB9EBD-F6E5-0943-973A-12F601CF3135}"/>
-              </a:ext>
-            </a:extLst>
-          </p:cNvPr>
-          <p:cNvSpPr/>
-          <p:nvPr/>
-        </p:nvSpPr>
-        <p:spPr>
-          <a:xfrm>
-            <a:off x="2713459" y="2920996"/>
-            <a:ext cx="671444" cy="378791"/>
-          </a:xfrm>
-          <a:prstGeom prst="downArrow">
-            <a:avLst/>
-          </a:prstGeom>
-        </p:spPr>
-        <p:style>
-          <a:lnRef idx="2">
-            <a:schemeClr val="accent1">
-              <a:shade val="15000"/>
-            </a:schemeClr>
-          </a:lnRef>
-          <a:fillRef idx="1">
-            <a:schemeClr val="accent1"/>
-          </a:fillRef>
-          <a:effectRef idx="0">
-            <a:schemeClr val="accent1"/>
-          </a:effectRef>
-          <a:fontRef idx="minor">
-            <a:schemeClr val="lt1"/>
-          </a:fontRef>
-        </p:style>
-        <p:txBody>
-          <a:bodyPr rtlCol="0" anchor="ctr"/>
-          <a:lstStyle/>
-          <a:p>
-            <a:pPr algn="ctr"/>
-            <a:r>
-              <a:rPr lang="en-US" sz="1000" dirty="0"/>
-              <a:t>1</a:t>
-            </a:r>
-            <a:endParaRPr lang="en-CA" sz="1000" dirty="0"/>
-          </a:p>
-        </p:txBody>
-      </p:sp>
-      <p:sp>
-        <p:nvSpPr>
-          <p:cNvPr id="18" name="Arrow: Down 17">
-            <a:extLst>
-              <a:ext uri="{FF2B5EF4-FFF2-40B4-BE49-F238E27FC236}">
-                <a16:creationId xmlns:a16="http://schemas.microsoft.com/office/drawing/2014/main" id="{DA3B80D8-1F6C-7DDC-88E8-A7BEEC7CC9E9}"/>
-              </a:ext>
-            </a:extLst>
-          </p:cNvPr>
-          <p:cNvSpPr/>
-          <p:nvPr/>
-        </p:nvSpPr>
-        <p:spPr>
-          <a:xfrm>
-            <a:off x="2713459" y="3678578"/>
-            <a:ext cx="682399" cy="504856"/>
-          </a:xfrm>
-          <a:prstGeom prst="downArrow">
-            <a:avLst/>
-          </a:prstGeom>
-        </p:spPr>
-        <p:style>
-          <a:lnRef idx="2">
-            <a:schemeClr val="accent1">
-              <a:shade val="15000"/>
-            </a:schemeClr>
-          </a:lnRef>
-          <a:fillRef idx="1">
-            <a:schemeClr val="accent1"/>
-          </a:fillRef>
-          <a:effectRef idx="0">
-            <a:schemeClr val="accent1"/>
-          </a:effectRef>
-          <a:fontRef idx="minor">
-            <a:schemeClr val="lt1"/>
-          </a:fontRef>
-        </p:style>
-        <p:txBody>
-          <a:bodyPr rtlCol="0" anchor="ctr"/>
-          <a:lstStyle/>
-          <a:p>
-            <a:pPr algn="ctr"/>
-            <a:r>
-              <a:rPr lang="en-US" sz="1000" dirty="0"/>
-              <a:t>2</a:t>
             </a:r>
             <a:endParaRPr lang="en-CA" sz="1000" dirty="0"/>
           </a:p>
@@ -8927,7 +10014,7 @@
         <p:spPr>
           <a:xfrm>
             <a:off x="1289879" y="3331881"/>
-            <a:ext cx="1348484" cy="304803"/>
+            <a:ext cx="1324180" cy="304803"/>
           </a:xfrm>
           <a:prstGeom prst="rightArrow">
             <a:avLst/>
@@ -9285,106 +10372,6 @@
       </p:sp>
       <p:sp>
         <p:nvSpPr>
-          <p:cNvPr id="31" name="Rectangle 30">
-            <a:extLst>
-              <a:ext uri="{FF2B5EF4-FFF2-40B4-BE49-F238E27FC236}">
-                <a16:creationId xmlns:a16="http://schemas.microsoft.com/office/drawing/2014/main" id="{C4D349AE-A615-443E-6F4B-9AEE013F3B93}"/>
-              </a:ext>
-            </a:extLst>
-          </p:cNvPr>
-          <p:cNvSpPr/>
-          <p:nvPr/>
-        </p:nvSpPr>
-        <p:spPr>
-          <a:xfrm>
-            <a:off x="7129451" y="3902316"/>
-            <a:ext cx="828260" cy="384313"/>
-          </a:xfrm>
-          <a:prstGeom prst="rect">
-            <a:avLst/>
-          </a:prstGeom>
-        </p:spPr>
-        <p:style>
-          <a:lnRef idx="2">
-            <a:schemeClr val="accent1">
-              <a:shade val="15000"/>
-            </a:schemeClr>
-          </a:lnRef>
-          <a:fillRef idx="1">
-            <a:schemeClr val="accent1"/>
-          </a:fillRef>
-          <a:effectRef idx="0">
-            <a:schemeClr val="accent1"/>
-          </a:effectRef>
-          <a:fontRef idx="minor">
-            <a:schemeClr val="lt1"/>
-          </a:fontRef>
-        </p:style>
-        <p:txBody>
-          <a:bodyPr rtlCol="0" anchor="ctr"/>
-          <a:lstStyle/>
-          <a:p>
-            <a:pPr algn="ctr"/>
-            <a:r>
-              <a:rPr lang="en-US" sz="1000" dirty="0"/>
-              <a:t>µop Rd Decoder</a:t>
-            </a:r>
-            <a:endParaRPr lang="en-CA" sz="1000" dirty="0"/>
-          </a:p>
-        </p:txBody>
-      </p:sp>
-      <p:sp>
-        <p:nvSpPr>
-          <p:cNvPr id="32" name="Arrow: Down 31">
-            <a:extLst>
-              <a:ext uri="{FF2B5EF4-FFF2-40B4-BE49-F238E27FC236}">
-                <a16:creationId xmlns:a16="http://schemas.microsoft.com/office/drawing/2014/main" id="{1BA911F3-2998-E10A-605E-FDA9CCC5BD7D}"/>
-              </a:ext>
-            </a:extLst>
-          </p:cNvPr>
-          <p:cNvSpPr/>
-          <p:nvPr/>
-        </p:nvSpPr>
-        <p:spPr>
-          <a:xfrm>
-            <a:off x="7209517" y="4281105"/>
-            <a:ext cx="682399" cy="504856"/>
-          </a:xfrm>
-          <a:prstGeom prst="downArrow">
-            <a:avLst/>
-          </a:prstGeom>
-        </p:spPr>
-        <p:style>
-          <a:lnRef idx="2">
-            <a:schemeClr val="accent1">
-              <a:shade val="15000"/>
-            </a:schemeClr>
-          </a:lnRef>
-          <a:fillRef idx="1">
-            <a:schemeClr val="accent1"/>
-          </a:fillRef>
-          <a:effectRef idx="0">
-            <a:schemeClr val="accent1"/>
-          </a:effectRef>
-          <a:fontRef idx="minor">
-            <a:schemeClr val="lt1"/>
-          </a:fontRef>
-        </p:style>
-        <p:txBody>
-          <a:bodyPr rtlCol="0" anchor="ctr"/>
-          <a:lstStyle/>
-          <a:p>
-            <a:pPr algn="ctr"/>
-            <a:r>
-              <a:rPr lang="en-US" sz="1000" dirty="0"/>
-              <a:t>1</a:t>
-            </a:r>
-            <a:endParaRPr lang="en-CA" sz="1000" dirty="0"/>
-          </a:p>
-        </p:txBody>
-      </p:sp>
-      <p:sp>
-        <p:nvSpPr>
           <p:cNvPr id="33" name="Arrow: Down 32">
             <a:extLst>
               <a:ext uri="{FF2B5EF4-FFF2-40B4-BE49-F238E27FC236}">
@@ -9583,8 +10570,8 @@
         </p:nvSpPr>
         <p:spPr>
           <a:xfrm>
-            <a:off x="7089690" y="4785962"/>
-            <a:ext cx="3682997" cy="369332"/>
+            <a:off x="6966666" y="4785962"/>
+            <a:ext cx="3806021" cy="369332"/>
           </a:xfrm>
           <a:prstGeom prst="rect">
             <a:avLst/>
@@ -9616,56 +10603,6 @@
               <a:t>Name Supplier</a:t>
             </a:r>
             <a:endParaRPr lang="en-CA" sz="1400" dirty="0"/>
-          </a:p>
-        </p:txBody>
-      </p:sp>
-      <p:sp>
-        <p:nvSpPr>
-          <p:cNvPr id="38" name="Arrow: Down 37">
-            <a:extLst>
-              <a:ext uri="{FF2B5EF4-FFF2-40B4-BE49-F238E27FC236}">
-                <a16:creationId xmlns:a16="http://schemas.microsoft.com/office/drawing/2014/main" id="{0C1539C4-1A6A-ECD9-94B8-8C5239E36FF1}"/>
-              </a:ext>
-            </a:extLst>
-          </p:cNvPr>
-          <p:cNvSpPr/>
-          <p:nvPr/>
-        </p:nvSpPr>
-        <p:spPr>
-          <a:xfrm>
-            <a:off x="7240893" y="5155294"/>
-            <a:ext cx="682399" cy="504856"/>
-          </a:xfrm>
-          <a:prstGeom prst="downArrow">
-            <a:avLst/>
-          </a:prstGeom>
-        </p:spPr>
-        <p:style>
-          <a:lnRef idx="2">
-            <a:schemeClr val="accent1">
-              <a:shade val="15000"/>
-            </a:schemeClr>
-          </a:lnRef>
-          <a:fillRef idx="1">
-            <a:schemeClr val="accent1"/>
-          </a:fillRef>
-          <a:effectRef idx="0">
-            <a:schemeClr val="accent1"/>
-          </a:effectRef>
-          <a:fontRef idx="minor">
-            <a:schemeClr val="lt1"/>
-          </a:fontRef>
-        </p:style>
-        <p:txBody>
-          <a:bodyPr rtlCol="0" anchor="ctr"/>
-          <a:lstStyle/>
-          <a:p>
-            <a:pPr algn="ctr"/>
-            <a:r>
-              <a:rPr lang="en-US" sz="1000" dirty="0"/>
-              <a:t>1</a:t>
-            </a:r>
-            <a:endParaRPr lang="en-CA" sz="1000" dirty="0"/>
           </a:p>
         </p:txBody>
       </p:sp>
@@ -9935,6 +10872,306 @@
               <a:t>The destination register from each micro-op decoder is fed to the name supplier which supplies a rename for the register.</a:t>
             </a:r>
             <a:endParaRPr lang="en-CA" dirty="0"/>
+          </a:p>
+        </p:txBody>
+      </p:sp>
+      <p:sp>
+        <p:nvSpPr>
+          <p:cNvPr id="3" name="Arrow: Down 2">
+            <a:extLst>
+              <a:ext uri="{FF2B5EF4-FFF2-40B4-BE49-F238E27FC236}">
+                <a16:creationId xmlns:a16="http://schemas.microsoft.com/office/drawing/2014/main" id="{1C63C0F5-DD13-944B-7406-0229744035D4}"/>
+              </a:ext>
+            </a:extLst>
+          </p:cNvPr>
+          <p:cNvSpPr/>
+          <p:nvPr/>
+        </p:nvSpPr>
+        <p:spPr>
+          <a:xfrm>
+            <a:off x="2706827" y="2918775"/>
+            <a:ext cx="671444" cy="378791"/>
+          </a:xfrm>
+          <a:prstGeom prst="downArrow">
+            <a:avLst/>
+          </a:prstGeom>
+        </p:spPr>
+        <p:style>
+          <a:lnRef idx="2">
+            <a:schemeClr val="accent1">
+              <a:shade val="15000"/>
+            </a:schemeClr>
+          </a:lnRef>
+          <a:fillRef idx="1">
+            <a:schemeClr val="accent1"/>
+          </a:fillRef>
+          <a:effectRef idx="0">
+            <a:schemeClr val="accent1"/>
+          </a:effectRef>
+          <a:fontRef idx="minor">
+            <a:schemeClr val="lt1"/>
+          </a:fontRef>
+        </p:style>
+        <p:txBody>
+          <a:bodyPr rtlCol="0" anchor="ctr"/>
+          <a:lstStyle/>
+          <a:p>
+            <a:pPr algn="ctr"/>
+            <a:r>
+              <a:rPr lang="en-US" sz="1000" dirty="0"/>
+              <a:t>1</a:t>
+            </a:r>
+            <a:endParaRPr lang="en-CA" sz="1000" dirty="0"/>
+          </a:p>
+        </p:txBody>
+      </p:sp>
+      <p:sp>
+        <p:nvSpPr>
+          <p:cNvPr id="45" name="Rectangle 44">
+            <a:extLst>
+              <a:ext uri="{FF2B5EF4-FFF2-40B4-BE49-F238E27FC236}">
+                <a16:creationId xmlns:a16="http://schemas.microsoft.com/office/drawing/2014/main" id="{A54DFADE-6461-BE11-6516-7F0481608F40}"/>
+              </a:ext>
+            </a:extLst>
+          </p:cNvPr>
+          <p:cNvSpPr/>
+          <p:nvPr/>
+        </p:nvSpPr>
+        <p:spPr>
+          <a:xfrm>
+            <a:off x="2642221" y="3305701"/>
+            <a:ext cx="828260" cy="384313"/>
+          </a:xfrm>
+          <a:prstGeom prst="rect">
+            <a:avLst/>
+          </a:prstGeom>
+        </p:spPr>
+        <p:style>
+          <a:lnRef idx="2">
+            <a:schemeClr val="accent1">
+              <a:shade val="15000"/>
+            </a:schemeClr>
+          </a:lnRef>
+          <a:fillRef idx="1">
+            <a:schemeClr val="accent1"/>
+          </a:fillRef>
+          <a:effectRef idx="0">
+            <a:schemeClr val="accent1"/>
+          </a:effectRef>
+          <a:fontRef idx="minor">
+            <a:schemeClr val="lt1"/>
+          </a:fontRef>
+        </p:style>
+        <p:txBody>
+          <a:bodyPr rtlCol="0" anchor="ctr"/>
+          <a:lstStyle/>
+          <a:p>
+            <a:pPr algn="ctr"/>
+            <a:r>
+              <a:rPr lang="en-US" sz="1000" dirty="0"/>
+              <a:t>Constant Decoder</a:t>
+            </a:r>
+            <a:endParaRPr lang="en-CA" sz="1000" dirty="0"/>
+          </a:p>
+        </p:txBody>
+      </p:sp>
+      <p:sp>
+        <p:nvSpPr>
+          <p:cNvPr id="46" name="Arrow: Down 45">
+            <a:extLst>
+              <a:ext uri="{FF2B5EF4-FFF2-40B4-BE49-F238E27FC236}">
+                <a16:creationId xmlns:a16="http://schemas.microsoft.com/office/drawing/2014/main" id="{3BA76494-59BD-BBA6-0C26-88DE139CCB57}"/>
+              </a:ext>
+            </a:extLst>
+          </p:cNvPr>
+          <p:cNvSpPr/>
+          <p:nvPr/>
+        </p:nvSpPr>
+        <p:spPr>
+          <a:xfrm>
+            <a:off x="2706827" y="3690014"/>
+            <a:ext cx="682399" cy="504856"/>
+          </a:xfrm>
+          <a:prstGeom prst="downArrow">
+            <a:avLst/>
+          </a:prstGeom>
+        </p:spPr>
+        <p:style>
+          <a:lnRef idx="2">
+            <a:schemeClr val="accent1">
+              <a:shade val="15000"/>
+            </a:schemeClr>
+          </a:lnRef>
+          <a:fillRef idx="1">
+            <a:schemeClr val="accent1"/>
+          </a:fillRef>
+          <a:effectRef idx="0">
+            <a:schemeClr val="accent1"/>
+          </a:effectRef>
+          <a:fontRef idx="minor">
+            <a:schemeClr val="lt1"/>
+          </a:fontRef>
+        </p:style>
+        <p:txBody>
+          <a:bodyPr rtlCol="0" anchor="ctr"/>
+          <a:lstStyle/>
+          <a:p>
+            <a:pPr algn="ctr"/>
+            <a:r>
+              <a:rPr lang="en-US" sz="1000" dirty="0"/>
+              <a:t>2</a:t>
+            </a:r>
+            <a:endParaRPr lang="en-CA" sz="1000" dirty="0"/>
+          </a:p>
+        </p:txBody>
+      </p:sp>
+      <p:sp>
+        <p:nvSpPr>
+          <p:cNvPr id="47" name="Rectangle 46">
+            <a:extLst>
+              <a:ext uri="{FF2B5EF4-FFF2-40B4-BE49-F238E27FC236}">
+                <a16:creationId xmlns:a16="http://schemas.microsoft.com/office/drawing/2014/main" id="{D9738219-BF0F-73E1-B3BF-0ABF674AEF79}"/>
+              </a:ext>
+            </a:extLst>
+          </p:cNvPr>
+          <p:cNvSpPr/>
+          <p:nvPr/>
+        </p:nvSpPr>
+        <p:spPr>
+          <a:xfrm>
+            <a:off x="7133038" y="3901361"/>
+            <a:ext cx="828260" cy="384313"/>
+          </a:xfrm>
+          <a:prstGeom prst="rect">
+            <a:avLst/>
+          </a:prstGeom>
+        </p:spPr>
+        <p:style>
+          <a:lnRef idx="2">
+            <a:schemeClr val="accent1">
+              <a:shade val="15000"/>
+            </a:schemeClr>
+          </a:lnRef>
+          <a:fillRef idx="1">
+            <a:schemeClr val="accent1"/>
+          </a:fillRef>
+          <a:effectRef idx="0">
+            <a:schemeClr val="accent1"/>
+          </a:effectRef>
+          <a:fontRef idx="minor">
+            <a:schemeClr val="lt1"/>
+          </a:fontRef>
+        </p:style>
+        <p:txBody>
+          <a:bodyPr rtlCol="0" anchor="ctr"/>
+          <a:lstStyle/>
+          <a:p>
+            <a:pPr algn="ctr"/>
+            <a:r>
+              <a:rPr lang="en-US" sz="1000" dirty="0"/>
+              <a:t>µop Rd Decoder</a:t>
+            </a:r>
+            <a:endParaRPr lang="en-CA" sz="1000" dirty="0"/>
+          </a:p>
+        </p:txBody>
+      </p:sp>
+      <p:sp>
+        <p:nvSpPr>
+          <p:cNvPr id="48" name="Arrow: Down 47">
+            <a:extLst>
+              <a:ext uri="{FF2B5EF4-FFF2-40B4-BE49-F238E27FC236}">
+                <a16:creationId xmlns:a16="http://schemas.microsoft.com/office/drawing/2014/main" id="{9AF7ABA2-89A2-AED6-67CE-918A8BD4D988}"/>
+              </a:ext>
+            </a:extLst>
+          </p:cNvPr>
+          <p:cNvSpPr/>
+          <p:nvPr/>
+        </p:nvSpPr>
+        <p:spPr>
+          <a:xfrm>
+            <a:off x="7205968" y="4285688"/>
+            <a:ext cx="682399" cy="504856"/>
+          </a:xfrm>
+          <a:prstGeom prst="downArrow">
+            <a:avLst/>
+          </a:prstGeom>
+        </p:spPr>
+        <p:style>
+          <a:lnRef idx="2">
+            <a:schemeClr val="accent1">
+              <a:shade val="15000"/>
+            </a:schemeClr>
+          </a:lnRef>
+          <a:fillRef idx="1">
+            <a:schemeClr val="accent1"/>
+          </a:fillRef>
+          <a:effectRef idx="0">
+            <a:schemeClr val="accent1"/>
+          </a:effectRef>
+          <a:fontRef idx="minor">
+            <a:schemeClr val="lt1"/>
+          </a:fontRef>
+        </p:style>
+        <p:txBody>
+          <a:bodyPr rtlCol="0" anchor="ctr"/>
+          <a:lstStyle/>
+          <a:p>
+            <a:pPr algn="ctr"/>
+            <a:r>
+              <a:rPr lang="en-US" sz="1000" dirty="0"/>
+              <a:t>1</a:t>
+            </a:r>
+            <a:endParaRPr lang="en-CA" sz="1000" dirty="0"/>
+          </a:p>
+        </p:txBody>
+      </p:sp>
+      <p:sp>
+        <p:nvSpPr>
+          <p:cNvPr id="49" name="Arrow: Down 48">
+            <a:extLst>
+              <a:ext uri="{FF2B5EF4-FFF2-40B4-BE49-F238E27FC236}">
+                <a16:creationId xmlns:a16="http://schemas.microsoft.com/office/drawing/2014/main" id="{E6834225-5EDD-04D9-745E-B28DD8D19548}"/>
+              </a:ext>
+            </a:extLst>
+          </p:cNvPr>
+          <p:cNvSpPr/>
+          <p:nvPr/>
+        </p:nvSpPr>
+        <p:spPr>
+          <a:xfrm>
+            <a:off x="7220384" y="5166839"/>
+            <a:ext cx="682399" cy="504856"/>
+          </a:xfrm>
+          <a:prstGeom prst="downArrow">
+            <a:avLst/>
+          </a:prstGeom>
+        </p:spPr>
+        <p:style>
+          <a:lnRef idx="2">
+            <a:schemeClr val="accent1">
+              <a:shade val="15000"/>
+            </a:schemeClr>
+          </a:lnRef>
+          <a:fillRef idx="1">
+            <a:schemeClr val="accent1"/>
+          </a:fillRef>
+          <a:effectRef idx="0">
+            <a:schemeClr val="accent1"/>
+          </a:effectRef>
+          <a:fontRef idx="minor">
+            <a:schemeClr val="lt1"/>
+          </a:fontRef>
+        </p:style>
+        <p:txBody>
+          <a:bodyPr rtlCol="0" anchor="ctr"/>
+          <a:lstStyle/>
+          <a:p>
+            <a:pPr algn="ctr"/>
+            <a:r>
+              <a:rPr lang="en-US" sz="1000" dirty="0"/>
+              <a:t>1</a:t>
+            </a:r>
+            <a:endParaRPr lang="en-CA" sz="1000" dirty="0"/>
           </a:p>
         </p:txBody>
       </p:sp>
@@ -10054,19 +11291,19 @@
       </p:sp>
       <p:sp>
         <p:nvSpPr>
-          <p:cNvPr id="5" name="Arrow: Down 4">
-            <a:extLst>
-              <a:ext uri="{FF2B5EF4-FFF2-40B4-BE49-F238E27FC236}">
-                <a16:creationId xmlns:a16="http://schemas.microsoft.com/office/drawing/2014/main" id="{BF912A54-2305-7875-3D38-4501F6247B4E}"/>
-              </a:ext>
-            </a:extLst>
-          </p:cNvPr>
-          <p:cNvSpPr/>
-          <p:nvPr/>
-        </p:nvSpPr>
-        <p:spPr>
-          <a:xfrm>
-            <a:off x="1321134" y="1718608"/>
+          <p:cNvPr id="6" name="Arrow: Down 5">
+            <a:extLst>
+              <a:ext uri="{FF2B5EF4-FFF2-40B4-BE49-F238E27FC236}">
+                <a16:creationId xmlns:a16="http://schemas.microsoft.com/office/drawing/2014/main" id="{21F37D6B-60A6-4809-18D2-0553D99F0657}"/>
+              </a:ext>
+            </a:extLst>
+          </p:cNvPr>
+          <p:cNvSpPr/>
+          <p:nvPr/>
+        </p:nvSpPr>
+        <p:spPr>
+          <a:xfrm>
+            <a:off x="1374618" y="1718608"/>
             <a:ext cx="682399" cy="504856"/>
           </a:xfrm>
           <a:prstGeom prst="downArrow">
@@ -10104,56 +11341,6 @@
       </p:sp>
       <p:sp>
         <p:nvSpPr>
-          <p:cNvPr id="6" name="Arrow: Down 5">
-            <a:extLst>
-              <a:ext uri="{FF2B5EF4-FFF2-40B4-BE49-F238E27FC236}">
-                <a16:creationId xmlns:a16="http://schemas.microsoft.com/office/drawing/2014/main" id="{21F37D6B-60A6-4809-18D2-0553D99F0657}"/>
-              </a:ext>
-            </a:extLst>
-          </p:cNvPr>
-          <p:cNvSpPr/>
-          <p:nvPr/>
-        </p:nvSpPr>
-        <p:spPr>
-          <a:xfrm>
-            <a:off x="2144977" y="1718608"/>
-            <a:ext cx="682399" cy="504856"/>
-          </a:xfrm>
-          <a:prstGeom prst="downArrow">
-            <a:avLst/>
-          </a:prstGeom>
-        </p:spPr>
-        <p:style>
-          <a:lnRef idx="2">
-            <a:schemeClr val="accent1">
-              <a:shade val="15000"/>
-            </a:schemeClr>
-          </a:lnRef>
-          <a:fillRef idx="1">
-            <a:schemeClr val="accent1"/>
-          </a:fillRef>
-          <a:effectRef idx="0">
-            <a:schemeClr val="accent1"/>
-          </a:effectRef>
-          <a:fontRef idx="minor">
-            <a:schemeClr val="lt1"/>
-          </a:fontRef>
-        </p:style>
-        <p:txBody>
-          <a:bodyPr rtlCol="0" anchor="ctr"/>
-          <a:lstStyle/>
-          <a:p>
-            <a:pPr algn="ctr"/>
-            <a:r>
-              <a:rPr lang="en-US" sz="1000" dirty="0"/>
-              <a:t>1</a:t>
-            </a:r>
-            <a:endParaRPr lang="en-CA" sz="1000" dirty="0"/>
-          </a:p>
-        </p:txBody>
-      </p:sp>
-      <p:sp>
-        <p:nvSpPr>
           <p:cNvPr id="7" name="Arrow: Down 6">
             <a:extLst>
               <a:ext uri="{FF2B5EF4-FFF2-40B4-BE49-F238E27FC236}">
@@ -10166,7 +11353,7 @@
         </p:nvSpPr>
         <p:spPr>
           <a:xfrm>
-            <a:off x="2968820" y="1718608"/>
+            <a:off x="3012703" y="1718608"/>
             <a:ext cx="682399" cy="504856"/>
           </a:xfrm>
           <a:prstGeom prst="downArrow">
@@ -10606,56 +11793,6 @@
         <p:spPr>
           <a:xfrm>
             <a:off x="8468144" y="3872330"/>
-            <a:ext cx="682399" cy="504856"/>
-          </a:xfrm>
-          <a:prstGeom prst="downArrow">
-            <a:avLst/>
-          </a:prstGeom>
-        </p:spPr>
-        <p:style>
-          <a:lnRef idx="2">
-            <a:schemeClr val="accent1">
-              <a:shade val="15000"/>
-            </a:schemeClr>
-          </a:lnRef>
-          <a:fillRef idx="1">
-            <a:schemeClr val="accent1"/>
-          </a:fillRef>
-          <a:effectRef idx="0">
-            <a:schemeClr val="accent1"/>
-          </a:effectRef>
-          <a:fontRef idx="minor">
-            <a:schemeClr val="lt1"/>
-          </a:fontRef>
-        </p:style>
-        <p:txBody>
-          <a:bodyPr rtlCol="0" anchor="ctr"/>
-          <a:lstStyle/>
-          <a:p>
-            <a:pPr algn="ctr"/>
-            <a:r>
-              <a:rPr lang="en-US" sz="1000" dirty="0"/>
-              <a:t>1</a:t>
-            </a:r>
-            <a:endParaRPr lang="en-CA" sz="1000" dirty="0"/>
-          </a:p>
-        </p:txBody>
-      </p:sp>
-      <p:sp>
-        <p:nvSpPr>
-          <p:cNvPr id="18" name="Arrow: Down 17">
-            <a:extLst>
-              <a:ext uri="{FF2B5EF4-FFF2-40B4-BE49-F238E27FC236}">
-                <a16:creationId xmlns:a16="http://schemas.microsoft.com/office/drawing/2014/main" id="{828C432E-0CA7-EA49-EB56-EF92A04533BB}"/>
-              </a:ext>
-            </a:extLst>
-          </p:cNvPr>
-          <p:cNvSpPr/>
-          <p:nvPr/>
-        </p:nvSpPr>
-        <p:spPr>
-          <a:xfrm>
-            <a:off x="9363175" y="3867747"/>
             <a:ext cx="682399" cy="504856"/>
           </a:xfrm>
           <a:prstGeom prst="downArrow">
@@ -10820,7 +11957,7 @@
         </p:nvSpPr>
         <p:spPr>
           <a:xfrm>
-            <a:off x="7730433" y="4383236"/>
+            <a:off x="7673202" y="4383236"/>
             <a:ext cx="1387061" cy="261730"/>
           </a:xfrm>
           <a:prstGeom prst="downArrow">
@@ -10927,6 +12064,106 @@
               <a:t>Micro-op and constants are enqueued in the re-order buffer</a:t>
             </a:r>
             <a:endParaRPr lang="en-CA" sz="1600" dirty="0"/>
+          </a:p>
+        </p:txBody>
+      </p:sp>
+      <p:sp>
+        <p:nvSpPr>
+          <p:cNvPr id="3" name="Arrow: Down 2">
+            <a:extLst>
+              <a:ext uri="{FF2B5EF4-FFF2-40B4-BE49-F238E27FC236}">
+                <a16:creationId xmlns:a16="http://schemas.microsoft.com/office/drawing/2014/main" id="{A7487C35-0C63-3388-3805-0DB75FA788A0}"/>
+              </a:ext>
+            </a:extLst>
+          </p:cNvPr>
+          <p:cNvSpPr/>
+          <p:nvPr/>
+        </p:nvSpPr>
+        <p:spPr>
+          <a:xfrm>
+            <a:off x="2196939" y="1707088"/>
+            <a:ext cx="682399" cy="504856"/>
+          </a:xfrm>
+          <a:prstGeom prst="downArrow">
+            <a:avLst/>
+          </a:prstGeom>
+        </p:spPr>
+        <p:style>
+          <a:lnRef idx="2">
+            <a:schemeClr val="accent1">
+              <a:shade val="15000"/>
+            </a:schemeClr>
+          </a:lnRef>
+          <a:fillRef idx="1">
+            <a:schemeClr val="accent1"/>
+          </a:fillRef>
+          <a:effectRef idx="0">
+            <a:schemeClr val="accent1"/>
+          </a:effectRef>
+          <a:fontRef idx="minor">
+            <a:schemeClr val="lt1"/>
+          </a:fontRef>
+        </p:style>
+        <p:txBody>
+          <a:bodyPr rtlCol="0" anchor="ctr"/>
+          <a:lstStyle/>
+          <a:p>
+            <a:pPr algn="ctr"/>
+            <a:r>
+              <a:rPr lang="en-US" sz="1000" dirty="0"/>
+              <a:t>1</a:t>
+            </a:r>
+            <a:endParaRPr lang="en-CA" sz="1000" dirty="0"/>
+          </a:p>
+        </p:txBody>
+      </p:sp>
+      <p:sp>
+        <p:nvSpPr>
+          <p:cNvPr id="13" name="Arrow: Down 12">
+            <a:extLst>
+              <a:ext uri="{FF2B5EF4-FFF2-40B4-BE49-F238E27FC236}">
+                <a16:creationId xmlns:a16="http://schemas.microsoft.com/office/drawing/2014/main" id="{CC8DE211-FE85-5EE1-1044-649C28555208}"/>
+              </a:ext>
+            </a:extLst>
+          </p:cNvPr>
+          <p:cNvSpPr/>
+          <p:nvPr/>
+        </p:nvSpPr>
+        <p:spPr>
+          <a:xfrm>
+            <a:off x="9256395" y="3880598"/>
+            <a:ext cx="682399" cy="504856"/>
+          </a:xfrm>
+          <a:prstGeom prst="downArrow">
+            <a:avLst/>
+          </a:prstGeom>
+        </p:spPr>
+        <p:style>
+          <a:lnRef idx="2">
+            <a:schemeClr val="accent1">
+              <a:shade val="15000"/>
+            </a:schemeClr>
+          </a:lnRef>
+          <a:fillRef idx="1">
+            <a:schemeClr val="accent1"/>
+          </a:fillRef>
+          <a:effectRef idx="0">
+            <a:schemeClr val="accent1"/>
+          </a:effectRef>
+          <a:fontRef idx="minor">
+            <a:schemeClr val="lt1"/>
+          </a:fontRef>
+        </p:style>
+        <p:txBody>
+          <a:bodyPr rtlCol="0" anchor="ctr"/>
+          <a:lstStyle/>
+          <a:p>
+            <a:pPr algn="ctr"/>
+            <a:r>
+              <a:rPr lang="en-US" sz="1000" dirty="0"/>
+              <a:t>1</a:t>
+            </a:r>
+            <a:endParaRPr lang="en-CA" sz="1000" dirty="0"/>
           </a:p>
         </p:txBody>
       </p:sp>
@@ -12040,7 +13277,7 @@
             <a:pPr algn="ctr"/>
             <a:r>
               <a:rPr lang="en-US" sz="1100" dirty="0"/>
-              <a:t>16:36 rotating mux/</a:t>
+              <a:t>12:36 rotating mux/</a:t>
             </a:r>
             <a:r>
               <a:rPr lang="en-US" sz="1100" dirty="0" err="1"/>
@@ -12726,7 +13963,7 @@
             <a:pPr algn="ctr"/>
             <a:r>
               <a:rPr lang="en-US" sz="1000" dirty="0"/>
-              <a:t>16</a:t>
+              <a:t>12</a:t>
             </a:r>
             <a:endParaRPr lang="en-CA" sz="1000" dirty="0"/>
           </a:p>
